--- a/src/morea/materials/11-DoME.pptx
+++ b/src/morea/materials/11-DoME.pptx
@@ -222,7 +222,7 @@
           <a:p>
             <a:fld id="{BB6BAE91-212C-F34F-A74B-874A8C7A7F45}" type="datetimeFigureOut">
               <a:rPr lang="en-US" smtClean="0"/>
-              <a:t>4/14/15</a:t>
+              <a:t>4/15/15</a:t>
             </a:fld>
             <a:endParaRPr lang="en-US"/>
           </a:p>
@@ -1197,7 +1197,7 @@
           <a:p>
             <a:fld id="{95D0A52A-683A-E348-B00D-319C34B8C99A}" type="datetimeFigureOut">
               <a:rPr lang="en-US" smtClean="0"/>
-              <a:t>4/14/15</a:t>
+              <a:t>4/15/15</a:t>
             </a:fld>
             <a:endParaRPr lang="en-US"/>
           </a:p>
@@ -1367,7 +1367,7 @@
           <a:p>
             <a:fld id="{95D0A52A-683A-E348-B00D-319C34B8C99A}" type="datetimeFigureOut">
               <a:rPr lang="en-US" smtClean="0"/>
-              <a:t>4/14/15</a:t>
+              <a:t>4/15/15</a:t>
             </a:fld>
             <a:endParaRPr lang="en-US"/>
           </a:p>
@@ -1547,7 +1547,7 @@
           <a:p>
             <a:fld id="{95D0A52A-683A-E348-B00D-319C34B8C99A}" type="datetimeFigureOut">
               <a:rPr lang="en-US" smtClean="0"/>
-              <a:t>4/14/15</a:t>
+              <a:t>4/15/15</a:t>
             </a:fld>
             <a:endParaRPr lang="en-US"/>
           </a:p>
@@ -1717,7 +1717,7 @@
           <a:p>
             <a:fld id="{95D0A52A-683A-E348-B00D-319C34B8C99A}" type="datetimeFigureOut">
               <a:rPr lang="en-US" smtClean="0"/>
-              <a:t>4/14/15</a:t>
+              <a:t>4/15/15</a:t>
             </a:fld>
             <a:endParaRPr lang="en-US"/>
           </a:p>
@@ -1963,7 +1963,7 @@
           <a:p>
             <a:fld id="{95D0A52A-683A-E348-B00D-319C34B8C99A}" type="datetimeFigureOut">
               <a:rPr lang="en-US" smtClean="0"/>
-              <a:t>4/14/15</a:t>
+              <a:t>4/15/15</a:t>
             </a:fld>
             <a:endParaRPr lang="en-US"/>
           </a:p>
@@ -2251,7 +2251,7 @@
           <a:p>
             <a:fld id="{95D0A52A-683A-E348-B00D-319C34B8C99A}" type="datetimeFigureOut">
               <a:rPr lang="en-US" smtClean="0"/>
-              <a:t>4/14/15</a:t>
+              <a:t>4/15/15</a:t>
             </a:fld>
             <a:endParaRPr lang="en-US"/>
           </a:p>
@@ -2673,7 +2673,7 @@
           <a:p>
             <a:fld id="{95D0A52A-683A-E348-B00D-319C34B8C99A}" type="datetimeFigureOut">
               <a:rPr lang="en-US" smtClean="0"/>
-              <a:t>4/14/15</a:t>
+              <a:t>4/15/15</a:t>
             </a:fld>
             <a:endParaRPr lang="en-US"/>
           </a:p>
@@ -2791,7 +2791,7 @@
           <a:p>
             <a:fld id="{95D0A52A-683A-E348-B00D-319C34B8C99A}" type="datetimeFigureOut">
               <a:rPr lang="en-US" smtClean="0"/>
-              <a:t>4/14/15</a:t>
+              <a:t>4/15/15</a:t>
             </a:fld>
             <a:endParaRPr lang="en-US"/>
           </a:p>
@@ -2886,7 +2886,7 @@
           <a:p>
             <a:fld id="{95D0A52A-683A-E348-B00D-319C34B8C99A}" type="datetimeFigureOut">
               <a:rPr lang="en-US" smtClean="0"/>
-              <a:t>4/14/15</a:t>
+              <a:t>4/15/15</a:t>
             </a:fld>
             <a:endParaRPr lang="en-US"/>
           </a:p>
@@ -3163,7 +3163,7 @@
           <a:p>
             <a:fld id="{95D0A52A-683A-E348-B00D-319C34B8C99A}" type="datetimeFigureOut">
               <a:rPr lang="en-US" smtClean="0"/>
-              <a:t>4/14/15</a:t>
+              <a:t>4/15/15</a:t>
             </a:fld>
             <a:endParaRPr lang="en-US"/>
           </a:p>
@@ -3416,7 +3416,7 @@
           <a:p>
             <a:fld id="{95D0A52A-683A-E348-B00D-319C34B8C99A}" type="datetimeFigureOut">
               <a:rPr lang="en-US" smtClean="0"/>
-              <a:t>4/14/15</a:t>
+              <a:t>4/15/15</a:t>
             </a:fld>
             <a:endParaRPr lang="en-US"/>
           </a:p>
@@ -3629,7 +3629,7 @@
           <a:p>
             <a:fld id="{95D0A52A-683A-E348-B00D-319C34B8C99A}" type="datetimeFigureOut">
               <a:rPr lang="en-US" smtClean="0"/>
-              <a:t>4/14/15</a:t>
+              <a:t>4/15/15</a:t>
             </a:fld>
             <a:endParaRPr lang="en-US"/>
           </a:p>
@@ -15752,7 +15752,7 @@
           <a:lstStyle/>
           <a:p>
             <a:r>
-              <a:rPr lang="en-US">
+              <a:rPr lang="en-US" dirty="0">
                 <a:latin typeface="Calibri"/>
                 <a:cs typeface="Calibri"/>
               </a:rPr>
@@ -15761,7 +15761,7 @@
           </a:p>
           <a:p>
             <a:r>
-              <a:rPr lang="en-US">
+              <a:rPr lang="en-US" dirty="0">
                 <a:latin typeface="Calibri"/>
                 <a:cs typeface="Calibri"/>
               </a:rPr>
@@ -15771,7 +15771,7 @@
           <a:p>
             <a:pPr lvl="1"/>
             <a:r>
-              <a:rPr lang="en-US">
+              <a:rPr lang="en-US" dirty="0">
                 <a:latin typeface="Calibri"/>
                 <a:ea typeface="Arial" charset="0"/>
                 <a:cs typeface="Calibri"/>
@@ -15782,7 +15782,7 @@
           <a:p>
             <a:pPr lvl="1"/>
             <a:r>
-              <a:rPr lang="en-US">
+              <a:rPr lang="en-US" dirty="0">
                 <a:latin typeface="Calibri"/>
                 <a:ea typeface="Arial" charset="0"/>
                 <a:cs typeface="Calibri"/>
@@ -15793,7 +15793,7 @@
           <a:p>
             <a:pPr lvl="1"/>
             <a:r>
-              <a:rPr lang="en-US">
+              <a:rPr lang="en-US" dirty="0">
                 <a:latin typeface="Calibri"/>
                 <a:ea typeface="Arial" charset="0"/>
                 <a:cs typeface="Calibri"/>
@@ -15804,7 +15804,7 @@
           <a:p>
             <a:pPr lvl="1"/>
             <a:r>
-              <a:rPr lang="en-US">
+              <a:rPr lang="en-US" dirty="0">
                 <a:latin typeface="Calibri"/>
                 <a:ea typeface="Arial" charset="0"/>
                 <a:cs typeface="Calibri"/>
@@ -15814,21 +15814,21 @@
           </a:p>
           <a:p>
             <a:r>
-              <a:rPr lang="en-US">
+              <a:rPr lang="en-US" dirty="0">
                 <a:latin typeface="Calibri"/>
                 <a:cs typeface="Calibri"/>
               </a:rPr>
               <a:t>Java supports </a:t>
             </a:r>
             <a:r>
-              <a:rPr lang="en-US" i="1">
+              <a:rPr lang="en-US" i="1" dirty="0">
                 <a:latin typeface="Calibri"/>
                 <a:cs typeface="Calibri"/>
               </a:rPr>
               <a:t>single inheritance</a:t>
             </a:r>
             <a:r>
-              <a:rPr lang="en-US">
+              <a:rPr lang="en-US" dirty="0">
                 <a:latin typeface="Calibri"/>
                 <a:cs typeface="Calibri"/>
               </a:rPr>
@@ -15836,7 +15836,7 @@
             </a:r>
           </a:p>
           <a:p>
-            <a:endParaRPr lang="en-US">
+            <a:endParaRPr lang="en-US" dirty="0">
               <a:latin typeface="Calibri"/>
               <a:cs typeface="Calibri"/>
             </a:endParaRPr>

--- a/src/morea/materials/11-DoME.pptx
+++ b/src/morea/materials/11-DoME.pptx
@@ -5,40 +5,39 @@
     <p:sldMasterId id="2147483648" r:id="rId1"/>
   </p:sldMasterIdLst>
   <p:notesMasterIdLst>
-    <p:notesMasterId r:id="rId33"/>
+    <p:notesMasterId r:id="rId32"/>
   </p:notesMasterIdLst>
   <p:sldIdLst>
     <p:sldId id="257" r:id="rId2"/>
     <p:sldId id="258" r:id="rId3"/>
-    <p:sldId id="272" r:id="rId4"/>
-    <p:sldId id="259" r:id="rId5"/>
-    <p:sldId id="260" r:id="rId6"/>
-    <p:sldId id="261" r:id="rId7"/>
-    <p:sldId id="262" r:id="rId8"/>
-    <p:sldId id="263" r:id="rId9"/>
-    <p:sldId id="264" r:id="rId10"/>
-    <p:sldId id="265" r:id="rId11"/>
-    <p:sldId id="266" r:id="rId12"/>
-    <p:sldId id="273" r:id="rId13"/>
-    <p:sldId id="267" r:id="rId14"/>
-    <p:sldId id="268" r:id="rId15"/>
-    <p:sldId id="269" r:id="rId16"/>
-    <p:sldId id="270" r:id="rId17"/>
-    <p:sldId id="275" r:id="rId18"/>
-    <p:sldId id="274" r:id="rId19"/>
-    <p:sldId id="276" r:id="rId20"/>
-    <p:sldId id="277" r:id="rId21"/>
-    <p:sldId id="278" r:id="rId22"/>
-    <p:sldId id="279" r:id="rId23"/>
-    <p:sldId id="280" r:id="rId24"/>
-    <p:sldId id="288" r:id="rId25"/>
-    <p:sldId id="281" r:id="rId26"/>
-    <p:sldId id="282" r:id="rId27"/>
-    <p:sldId id="283" r:id="rId28"/>
-    <p:sldId id="284" r:id="rId29"/>
-    <p:sldId id="285" r:id="rId30"/>
-    <p:sldId id="286" r:id="rId31"/>
-    <p:sldId id="287" r:id="rId32"/>
+    <p:sldId id="259" r:id="rId4"/>
+    <p:sldId id="260" r:id="rId5"/>
+    <p:sldId id="261" r:id="rId6"/>
+    <p:sldId id="262" r:id="rId7"/>
+    <p:sldId id="263" r:id="rId8"/>
+    <p:sldId id="264" r:id="rId9"/>
+    <p:sldId id="265" r:id="rId10"/>
+    <p:sldId id="266" r:id="rId11"/>
+    <p:sldId id="273" r:id="rId12"/>
+    <p:sldId id="267" r:id="rId13"/>
+    <p:sldId id="268" r:id="rId14"/>
+    <p:sldId id="269" r:id="rId15"/>
+    <p:sldId id="270" r:id="rId16"/>
+    <p:sldId id="275" r:id="rId17"/>
+    <p:sldId id="274" r:id="rId18"/>
+    <p:sldId id="276" r:id="rId19"/>
+    <p:sldId id="277" r:id="rId20"/>
+    <p:sldId id="278" r:id="rId21"/>
+    <p:sldId id="279" r:id="rId22"/>
+    <p:sldId id="280" r:id="rId23"/>
+    <p:sldId id="288" r:id="rId24"/>
+    <p:sldId id="281" r:id="rId25"/>
+    <p:sldId id="282" r:id="rId26"/>
+    <p:sldId id="283" r:id="rId27"/>
+    <p:sldId id="284" r:id="rId28"/>
+    <p:sldId id="285" r:id="rId29"/>
+    <p:sldId id="286" r:id="rId30"/>
+    <p:sldId id="287" r:id="rId31"/>
   </p:sldIdLst>
   <p:sldSz cx="9144000" cy="6858000" type="screen4x3"/>
   <p:notesSz cx="6858000" cy="9144000"/>
@@ -222,7 +221,7 @@
           <a:p>
             <a:fld id="{BB6BAE91-212C-F34F-A74B-874A8C7A7F45}" type="datetimeFigureOut">
               <a:rPr lang="en-US" smtClean="0"/>
-              <a:t>4/15/15</a:t>
+              <a:t>4/16/15</a:t>
             </a:fld>
             <a:endParaRPr lang="en-US"/>
           </a:p>
@@ -739,7 +738,7 @@
             <a:fld id="{A3EB23BD-7051-8144-B394-7212F15E788D}" type="slidenum">
               <a:rPr lang="en-US" sz="1200"/>
               <a:pPr eaLnBrk="1" hangingPunct="1"/>
-              <a:t>22</a:t>
+              <a:t>21</a:t>
             </a:fld>
             <a:endParaRPr lang="en-US" sz="1200"/>
           </a:p>
@@ -1002,7 +1001,7 @@
             <a:fld id="{53372C68-56FB-D74B-9B35-8740C9450ECF}" type="slidenum">
               <a:rPr lang="en-US" sz="1200"/>
               <a:pPr eaLnBrk="1" hangingPunct="1"/>
-              <a:t>23</a:t>
+              <a:t>22</a:t>
             </a:fld>
             <a:endParaRPr lang="en-US" sz="1200"/>
           </a:p>
@@ -1197,7 +1196,7 @@
           <a:p>
             <a:fld id="{95D0A52A-683A-E348-B00D-319C34B8C99A}" type="datetimeFigureOut">
               <a:rPr lang="en-US" smtClean="0"/>
-              <a:t>4/15/15</a:t>
+              <a:t>4/16/15</a:t>
             </a:fld>
             <a:endParaRPr lang="en-US"/>
           </a:p>
@@ -1367,7 +1366,7 @@
           <a:p>
             <a:fld id="{95D0A52A-683A-E348-B00D-319C34B8C99A}" type="datetimeFigureOut">
               <a:rPr lang="en-US" smtClean="0"/>
-              <a:t>4/15/15</a:t>
+              <a:t>4/16/15</a:t>
             </a:fld>
             <a:endParaRPr lang="en-US"/>
           </a:p>
@@ -1547,7 +1546,7 @@
           <a:p>
             <a:fld id="{95D0A52A-683A-E348-B00D-319C34B8C99A}" type="datetimeFigureOut">
               <a:rPr lang="en-US" smtClean="0"/>
-              <a:t>4/15/15</a:t>
+              <a:t>4/16/15</a:t>
             </a:fld>
             <a:endParaRPr lang="en-US"/>
           </a:p>
@@ -1717,7 +1716,7 @@
           <a:p>
             <a:fld id="{95D0A52A-683A-E348-B00D-319C34B8C99A}" type="datetimeFigureOut">
               <a:rPr lang="en-US" smtClean="0"/>
-              <a:t>4/15/15</a:t>
+              <a:t>4/16/15</a:t>
             </a:fld>
             <a:endParaRPr lang="en-US"/>
           </a:p>
@@ -1963,7 +1962,7 @@
           <a:p>
             <a:fld id="{95D0A52A-683A-E348-B00D-319C34B8C99A}" type="datetimeFigureOut">
               <a:rPr lang="en-US" smtClean="0"/>
-              <a:t>4/15/15</a:t>
+              <a:t>4/16/15</a:t>
             </a:fld>
             <a:endParaRPr lang="en-US"/>
           </a:p>
@@ -2251,7 +2250,7 @@
           <a:p>
             <a:fld id="{95D0A52A-683A-E348-B00D-319C34B8C99A}" type="datetimeFigureOut">
               <a:rPr lang="en-US" smtClean="0"/>
-              <a:t>4/15/15</a:t>
+              <a:t>4/16/15</a:t>
             </a:fld>
             <a:endParaRPr lang="en-US"/>
           </a:p>
@@ -2673,7 +2672,7 @@
           <a:p>
             <a:fld id="{95D0A52A-683A-E348-B00D-319C34B8C99A}" type="datetimeFigureOut">
               <a:rPr lang="en-US" smtClean="0"/>
-              <a:t>4/15/15</a:t>
+              <a:t>4/16/15</a:t>
             </a:fld>
             <a:endParaRPr lang="en-US"/>
           </a:p>
@@ -2791,7 +2790,7 @@
           <a:p>
             <a:fld id="{95D0A52A-683A-E348-B00D-319C34B8C99A}" type="datetimeFigureOut">
               <a:rPr lang="en-US" smtClean="0"/>
-              <a:t>4/15/15</a:t>
+              <a:t>4/16/15</a:t>
             </a:fld>
             <a:endParaRPr lang="en-US"/>
           </a:p>
@@ -2886,7 +2885,7 @@
           <a:p>
             <a:fld id="{95D0A52A-683A-E348-B00D-319C34B8C99A}" type="datetimeFigureOut">
               <a:rPr lang="en-US" smtClean="0"/>
-              <a:t>4/15/15</a:t>
+              <a:t>4/16/15</a:t>
             </a:fld>
             <a:endParaRPr lang="en-US"/>
           </a:p>
@@ -3163,7 +3162,7 @@
           <a:p>
             <a:fld id="{95D0A52A-683A-E348-B00D-319C34B8C99A}" type="datetimeFigureOut">
               <a:rPr lang="en-US" smtClean="0"/>
-              <a:t>4/15/15</a:t>
+              <a:t>4/16/15</a:t>
             </a:fld>
             <a:endParaRPr lang="en-US"/>
           </a:p>
@@ -3416,7 +3415,7 @@
           <a:p>
             <a:fld id="{95D0A52A-683A-E348-B00D-319C34B8C99A}" type="datetimeFigureOut">
               <a:rPr lang="en-US" smtClean="0"/>
-              <a:t>4/15/15</a:t>
+              <a:t>4/16/15</a:t>
             </a:fld>
             <a:endParaRPr lang="en-US"/>
           </a:p>
@@ -3629,7 +3628,7 @@
           <a:p>
             <a:fld id="{95D0A52A-683A-E348-B00D-319C34B8C99A}" type="datetimeFigureOut">
               <a:rPr lang="en-US" smtClean="0"/>
-              <a:t>4/15/15</a:t>
+              <a:t>4/16/15</a:t>
             </a:fld>
             <a:endParaRPr lang="en-US"/>
           </a:p>
@@ -4055,6 +4054,14 @@
           <a:bodyPr/>
           <a:lstStyle/>
           <a:p>
+            <a:r>
+              <a:rPr lang="en-US" dirty="0" err="1"/>
+              <a:t>DoME</a:t>
+            </a:r>
+            <a:r>
+              <a:rPr lang="en-US" dirty="0"/>
+              <a:t> v1 → v2</a:t>
+            </a:r>
             <a:endParaRPr lang="en-US" dirty="0">
               <a:latin typeface="Arial" charset="0"/>
               <a:cs typeface="Arial" charset="0"/>
@@ -4091,339 +4098,6 @@
 </file>
 
 <file path=ppt/slides/slide10.xml><?xml version="1.0" encoding="utf-8"?>
-<p:sld xmlns:a="http://schemas.openxmlformats.org/drawingml/2006/main" xmlns:r="http://schemas.openxmlformats.org/officeDocument/2006/relationships" xmlns:p="http://schemas.openxmlformats.org/presentationml/2006/main">
-  <p:cSld>
-    <p:spTree>
-      <p:nvGrpSpPr>
-        <p:cNvPr id="1" name=""/>
-        <p:cNvGrpSpPr/>
-        <p:nvPr/>
-      </p:nvGrpSpPr>
-      <p:grpSpPr>
-        <a:xfrm>
-          <a:off x="0" y="0"/>
-          <a:ext cx="0" cy="0"/>
-          <a:chOff x="0" y="0"/>
-          <a:chExt cx="0" cy="0"/>
-        </a:xfrm>
-      </p:grpSpPr>
-      <p:sp>
-        <p:nvSpPr>
-          <p:cNvPr id="35841" name="Title 1"/>
-          <p:cNvSpPr>
-            <a:spLocks noGrp="1"/>
-          </p:cNvSpPr>
-          <p:nvPr>
-            <p:ph type="title"/>
-          </p:nvPr>
-        </p:nvSpPr>
-        <p:spPr/>
-        <p:txBody>
-          <a:bodyPr/>
-          <a:lstStyle/>
-          <a:p>
-            <a:r>
-              <a:rPr lang="en-US">
-                <a:latin typeface="Calibri"/>
-                <a:cs typeface="Calibri"/>
-              </a:rPr>
-              <a:t>Example: DoMEv1</a:t>
-            </a:r>
-          </a:p>
-        </p:txBody>
-      </p:sp>
-      <p:sp>
-        <p:nvSpPr>
-          <p:cNvPr id="35842" name="Content Placeholder 2"/>
-          <p:cNvSpPr>
-            <a:spLocks noGrp="1"/>
-          </p:cNvSpPr>
-          <p:nvPr>
-            <p:ph idx="1"/>
-          </p:nvPr>
-        </p:nvSpPr>
-        <p:spPr>
-          <a:xfrm>
-            <a:off x="457200" y="1600200"/>
-            <a:ext cx="8229600" cy="4956175"/>
-          </a:xfrm>
-        </p:spPr>
-        <p:txBody>
-          <a:bodyPr>
-            <a:normAutofit fontScale="92500" lnSpcReduction="10000"/>
-          </a:bodyPr>
-          <a:lstStyle/>
-          <a:p>
-            <a:r>
-              <a:rPr lang="en-US" dirty="0">
-                <a:latin typeface="Calibri"/>
-                <a:cs typeface="Calibri"/>
-              </a:rPr>
-              <a:t>Use inheritance to remove code duplication between CD &amp; DVD (DoMEv1 → DoMEv2)</a:t>
-            </a:r>
-          </a:p>
-          <a:p>
-            <a:r>
-              <a:rPr lang="en-US" b="1" dirty="0">
-                <a:latin typeface="Calibri"/>
-                <a:cs typeface="Calibri"/>
-              </a:rPr>
-              <a:t>Step 1: </a:t>
-            </a:r>
-            <a:r>
-              <a:rPr lang="en-US" dirty="0">
-                <a:latin typeface="Calibri"/>
-                <a:cs typeface="Calibri"/>
-              </a:rPr>
-              <a:t>identify where CD/DVD overlap &amp; differ in terms of fields &amp; methods</a:t>
-            </a:r>
-          </a:p>
-          <a:p>
-            <a:r>
-              <a:rPr lang="en-US" b="1" dirty="0">
-                <a:latin typeface="Calibri"/>
-                <a:cs typeface="Calibri"/>
-              </a:rPr>
-              <a:t>Step 2: </a:t>
-            </a:r>
-            <a:r>
-              <a:rPr lang="en-US" dirty="0">
-                <a:latin typeface="Calibri"/>
-                <a:cs typeface="Calibri"/>
-              </a:rPr>
-              <a:t>pull out the duplicate code into its own class, </a:t>
-            </a:r>
-            <a:r>
-              <a:rPr lang="en-US" dirty="0">
-                <a:latin typeface="Courier"/>
-                <a:cs typeface="Courier"/>
-              </a:rPr>
-              <a:t>Item</a:t>
-            </a:r>
-            <a:r>
-              <a:rPr lang="en-US" dirty="0">
-                <a:latin typeface="Calibri"/>
-                <a:cs typeface="Calibri"/>
-              </a:rPr>
-              <a:t>, using Refactor &gt; Extract Superclass</a:t>
-            </a:r>
-          </a:p>
-          <a:p>
-            <a:r>
-              <a:rPr lang="en-US" b="1" dirty="0">
-                <a:latin typeface="Calibri"/>
-                <a:cs typeface="Calibri"/>
-              </a:rPr>
-              <a:t>Step 3: </a:t>
-            </a:r>
-            <a:r>
-              <a:rPr lang="en-US" dirty="0">
-                <a:latin typeface="Calibri"/>
-                <a:cs typeface="Calibri"/>
-              </a:rPr>
-              <a:t>update CD/DVD classes to extend Item &amp; call super() in the constructors</a:t>
-            </a:r>
-          </a:p>
-          <a:p>
-            <a:r>
-              <a:rPr lang="en-US" b="1" dirty="0">
-                <a:latin typeface="Calibri"/>
-                <a:cs typeface="Calibri"/>
-              </a:rPr>
-              <a:t>Step 4:</a:t>
-            </a:r>
-            <a:r>
-              <a:rPr lang="en-US" dirty="0">
-                <a:latin typeface="Calibri"/>
-                <a:cs typeface="Calibri"/>
-              </a:rPr>
-              <a:t> update Database class to use Item instead of keeping 2 lists</a:t>
-            </a:r>
-            <a:endParaRPr lang="en-US" b="1" dirty="0">
-              <a:latin typeface="Calibri"/>
-              <a:cs typeface="Calibri"/>
-            </a:endParaRPr>
-          </a:p>
-        </p:txBody>
-      </p:sp>
-      <p:sp>
-        <p:nvSpPr>
-          <p:cNvPr id="35843" name="Footer Placeholder 3"/>
-          <p:cNvSpPr>
-            <a:spLocks noGrp="1"/>
-          </p:cNvSpPr>
-          <p:nvPr>
-            <p:ph type="ftr" sz="quarter" idx="10"/>
-          </p:nvPr>
-        </p:nvSpPr>
-        <p:spPr>
-          <a:noFill/>
-          <a:ln/>
-          <a:extLst>
-            <a:ext uri="{909E8E84-426E-40dd-AFC4-6F175D3DCCD1}">
-              <a14:hiddenFill xmlns:a14="http://schemas.microsoft.com/office/drawing/2010/main">
-                <a:solidFill>
-                  <a:srgbClr val="FFFFFF"/>
-                </a:solidFill>
-              </a14:hiddenFill>
-            </a:ext>
-            <a:ext uri="{91240B29-F687-4f45-9708-019B960494DF}">
-              <a14:hiddenLine xmlns:a14="http://schemas.microsoft.com/office/drawing/2010/main" w="9525">
-                <a:solidFill>
-                  <a:srgbClr val="000000"/>
-                </a:solidFill>
-                <a:miter lim="800000"/>
-                <a:headEnd/>
-                <a:tailEnd/>
-              </a14:hiddenLine>
-            </a:ext>
-          </a:extLst>
-        </p:spPr>
-        <p:txBody>
-          <a:bodyPr/>
-          <a:lstStyle>
-            <a:lvl1pPr eaLnBrk="0" hangingPunct="0">
-              <a:defRPr sz="2400">
-                <a:solidFill>
-                  <a:schemeClr val="tx1"/>
-                </a:solidFill>
-                <a:latin typeface="Arial" charset="0"/>
-                <a:ea typeface="ＭＳ Ｐゴシック" charset="0"/>
-                <a:cs typeface="ＭＳ Ｐゴシック" charset="0"/>
-              </a:defRPr>
-            </a:lvl1pPr>
-            <a:lvl2pPr marL="742950" indent="-285750" eaLnBrk="0" hangingPunct="0">
-              <a:defRPr sz="2400">
-                <a:solidFill>
-                  <a:schemeClr val="tx1"/>
-                </a:solidFill>
-                <a:latin typeface="Arial" charset="0"/>
-                <a:ea typeface="ＭＳ Ｐゴシック" charset="0"/>
-              </a:defRPr>
-            </a:lvl2pPr>
-            <a:lvl3pPr marL="1143000" indent="-228600" eaLnBrk="0" hangingPunct="0">
-              <a:defRPr sz="2400">
-                <a:solidFill>
-                  <a:schemeClr val="tx1"/>
-                </a:solidFill>
-                <a:latin typeface="Arial" charset="0"/>
-                <a:ea typeface="ＭＳ Ｐゴシック" charset="0"/>
-              </a:defRPr>
-            </a:lvl3pPr>
-            <a:lvl4pPr marL="1600200" indent="-228600" eaLnBrk="0" hangingPunct="0">
-              <a:defRPr sz="2400">
-                <a:solidFill>
-                  <a:schemeClr val="tx1"/>
-                </a:solidFill>
-                <a:latin typeface="Arial" charset="0"/>
-                <a:ea typeface="ＭＳ Ｐゴシック" charset="0"/>
-              </a:defRPr>
-            </a:lvl4pPr>
-            <a:lvl5pPr marL="2057400" indent="-228600" eaLnBrk="0" hangingPunct="0">
-              <a:defRPr sz="2400">
-                <a:solidFill>
-                  <a:schemeClr val="tx1"/>
-                </a:solidFill>
-                <a:latin typeface="Arial" charset="0"/>
-                <a:ea typeface="ＭＳ Ｐゴシック" charset="0"/>
-              </a:defRPr>
-            </a:lvl5pPr>
-            <a:lvl6pPr marL="2514600" indent="-228600" eaLnBrk="0" fontAlgn="base" hangingPunct="0">
-              <a:spcBef>
-                <a:spcPct val="0"/>
-              </a:spcBef>
-              <a:spcAft>
-                <a:spcPct val="0"/>
-              </a:spcAft>
-              <a:defRPr sz="2400">
-                <a:solidFill>
-                  <a:schemeClr val="tx1"/>
-                </a:solidFill>
-                <a:latin typeface="Arial" charset="0"/>
-                <a:ea typeface="ＭＳ Ｐゴシック" charset="0"/>
-              </a:defRPr>
-            </a:lvl6pPr>
-            <a:lvl7pPr marL="2971800" indent="-228600" eaLnBrk="0" fontAlgn="base" hangingPunct="0">
-              <a:spcBef>
-                <a:spcPct val="0"/>
-              </a:spcBef>
-              <a:spcAft>
-                <a:spcPct val="0"/>
-              </a:spcAft>
-              <a:defRPr sz="2400">
-                <a:solidFill>
-                  <a:schemeClr val="tx1"/>
-                </a:solidFill>
-                <a:latin typeface="Arial" charset="0"/>
-                <a:ea typeface="ＭＳ Ｐゴシック" charset="0"/>
-              </a:defRPr>
-            </a:lvl7pPr>
-            <a:lvl8pPr marL="3429000" indent="-228600" eaLnBrk="0" fontAlgn="base" hangingPunct="0">
-              <a:spcBef>
-                <a:spcPct val="0"/>
-              </a:spcBef>
-              <a:spcAft>
-                <a:spcPct val="0"/>
-              </a:spcAft>
-              <a:defRPr sz="2400">
-                <a:solidFill>
-                  <a:schemeClr val="tx1"/>
-                </a:solidFill>
-                <a:latin typeface="Arial" charset="0"/>
-                <a:ea typeface="ＭＳ Ｐゴシック" charset="0"/>
-              </a:defRPr>
-            </a:lvl8pPr>
-            <a:lvl9pPr marL="3886200" indent="-228600" eaLnBrk="0" fontAlgn="base" hangingPunct="0">
-              <a:spcBef>
-                <a:spcPct val="0"/>
-              </a:spcBef>
-              <a:spcAft>
-                <a:spcPct val="0"/>
-              </a:spcAft>
-              <a:defRPr sz="2400">
-                <a:solidFill>
-                  <a:schemeClr val="tx1"/>
-                </a:solidFill>
-                <a:latin typeface="Arial" charset="0"/>
-                <a:ea typeface="ＭＳ Ｐゴシック" charset="0"/>
-              </a:defRPr>
-            </a:lvl9pPr>
-          </a:lstStyle>
-          <a:p>
-            <a:pPr eaLnBrk="1" hangingPunct="1"/>
-            <a:endParaRPr lang="en-US" sz="1200">
-              <a:latin typeface="Times New Roman" charset="0"/>
-            </a:endParaRPr>
-          </a:p>
-          <a:p>
-            <a:pPr eaLnBrk="1" hangingPunct="1"/>
-            <a:endParaRPr lang="en-US" sz="1200">
-              <a:latin typeface="Times New Roman" charset="0"/>
-            </a:endParaRPr>
-          </a:p>
-        </p:txBody>
-      </p:sp>
-    </p:spTree>
-    <p:extLst>
-      <p:ext uri="{BB962C8B-B14F-4D97-AF65-F5344CB8AC3E}">
-        <p14:creationId xmlns:p14="http://schemas.microsoft.com/office/powerpoint/2010/main" val="761603231"/>
-      </p:ext>
-    </p:extLst>
-  </p:cSld>
-  <p:clrMapOvr>
-    <a:masterClrMapping/>
-  </p:clrMapOvr>
-  <p:timing>
-    <p:tnLst>
-      <p:par>
-        <p:cTn xmlns:p14="http://schemas.microsoft.com/office/powerpoint/2010/main" id="1" dur="indefinite" restart="never" nodeType="tmRoot"/>
-      </p:par>
-    </p:tnLst>
-  </p:timing>
-</p:sld>
-</file>
-
-<file path=ppt/slides/slide11.xml><?xml version="1.0" encoding="utf-8"?>
 <p:sld xmlns:a="http://schemas.openxmlformats.org/drawingml/2006/main" xmlns:r="http://schemas.openxmlformats.org/officeDocument/2006/relationships" xmlns:p="http://schemas.openxmlformats.org/presentationml/2006/main">
   <p:cSld>
     <p:spTree>
@@ -4679,7 +4353,7 @@
 </p:sld>
 </file>
 
-<file path=ppt/slides/slide12.xml><?xml version="1.0" encoding="utf-8"?>
+<file path=ppt/slides/slide11.xml><?xml version="1.0" encoding="utf-8"?>
 <p:sld xmlns:a="http://schemas.openxmlformats.org/drawingml/2006/main" xmlns:r="http://schemas.openxmlformats.org/officeDocument/2006/relationships" xmlns:p="http://schemas.openxmlformats.org/presentationml/2006/main">
   <p:cSld>
     <p:spTree>
@@ -4762,7 +4436,7 @@
 </p:sld>
 </file>
 
-<file path=ppt/slides/slide13.xml><?xml version="1.0" encoding="utf-8"?>
+<file path=ppt/slides/slide12.xml><?xml version="1.0" encoding="utf-8"?>
 <p:sld xmlns:a="http://schemas.openxmlformats.org/drawingml/2006/main" xmlns:r="http://schemas.openxmlformats.org/officeDocument/2006/relationships" xmlns:p="http://schemas.openxmlformats.org/presentationml/2006/main">
   <p:cSld>
     <p:spTree>
@@ -5356,7 +5030,7 @@
 </p:sld>
 </file>
 
-<file path=ppt/slides/slide14.xml><?xml version="1.0" encoding="utf-8"?>
+<file path=ppt/slides/slide13.xml><?xml version="1.0" encoding="utf-8"?>
 <p:sld xmlns:a="http://schemas.openxmlformats.org/drawingml/2006/main" xmlns:r="http://schemas.openxmlformats.org/officeDocument/2006/relationships" xmlns:p="http://schemas.openxmlformats.org/presentationml/2006/main">
   <p:cSld>
     <p:spTree>
@@ -5936,7 +5610,7 @@
 </p:sld>
 </file>
 
-<file path=ppt/slides/slide15.xml><?xml version="1.0" encoding="utf-8"?>
+<file path=ppt/slides/slide14.xml><?xml version="1.0" encoding="utf-8"?>
 <p:sld xmlns:a="http://schemas.openxmlformats.org/drawingml/2006/main" xmlns:r="http://schemas.openxmlformats.org/officeDocument/2006/relationships" xmlns:p="http://schemas.openxmlformats.org/presentationml/2006/main">
   <p:cSld>
     <p:spTree>
@@ -5991,12 +5665,12 @@
         <p:spPr>
           <a:xfrm>
             <a:off x="673100" y="1704975"/>
-            <a:ext cx="4267200" cy="3886200"/>
+            <a:ext cx="4597400" cy="3886200"/>
           </a:xfrm>
         </p:spPr>
         <p:txBody>
           <a:bodyPr>
-            <a:normAutofit lnSpcReduction="10000"/>
+            <a:normAutofit/>
           </a:bodyPr>
           <a:lstStyle/>
           <a:p>
@@ -6075,160 +5749,6 @@
                 <a:cs typeface="Courier" charset="0"/>
               </a:rPr>
               <a:t>b = (Bicycle) v;</a:t>
-            </a:r>
-          </a:p>
-        </p:txBody>
-      </p:sp>
-      <p:sp>
-        <p:nvSpPr>
-          <p:cNvPr id="39939" name="Footer Placeholder 3"/>
-          <p:cNvSpPr>
-            <a:spLocks noGrp="1"/>
-          </p:cNvSpPr>
-          <p:nvPr>
-            <p:ph type="ftr" sz="quarter" idx="10"/>
-          </p:nvPr>
-        </p:nvSpPr>
-        <p:spPr>
-          <a:noFill/>
-          <a:ln/>
-          <a:extLst>
-            <a:ext uri="{909E8E84-426E-40dd-AFC4-6F175D3DCCD1}">
-              <a14:hiddenFill xmlns:a14="http://schemas.microsoft.com/office/drawing/2010/main">
-                <a:solidFill>
-                  <a:srgbClr val="FFFFFF"/>
-                </a:solidFill>
-              </a14:hiddenFill>
-            </a:ext>
-            <a:ext uri="{91240B29-F687-4f45-9708-019B960494DF}">
-              <a14:hiddenLine xmlns:a14="http://schemas.microsoft.com/office/drawing/2010/main" w="9525">
-                <a:solidFill>
-                  <a:srgbClr val="000000"/>
-                </a:solidFill>
-                <a:miter lim="800000"/>
-                <a:headEnd/>
-                <a:tailEnd/>
-              </a14:hiddenLine>
-            </a:ext>
-          </a:extLst>
-        </p:spPr>
-        <p:txBody>
-          <a:bodyPr/>
-          <a:lstStyle>
-            <a:lvl1pPr eaLnBrk="0" hangingPunct="0">
-              <a:defRPr sz="2400">
-                <a:solidFill>
-                  <a:schemeClr val="tx1"/>
-                </a:solidFill>
-                <a:latin typeface="Arial" charset="0"/>
-                <a:ea typeface="ＭＳ Ｐゴシック" charset="0"/>
-                <a:cs typeface="ＭＳ Ｐゴシック" charset="0"/>
-              </a:defRPr>
-            </a:lvl1pPr>
-            <a:lvl2pPr marL="742950" indent="-285750" eaLnBrk="0" hangingPunct="0">
-              <a:defRPr sz="2400">
-                <a:solidFill>
-                  <a:schemeClr val="tx1"/>
-                </a:solidFill>
-                <a:latin typeface="Arial" charset="0"/>
-                <a:ea typeface="ＭＳ Ｐゴシック" charset="0"/>
-              </a:defRPr>
-            </a:lvl2pPr>
-            <a:lvl3pPr marL="1143000" indent="-228600" eaLnBrk="0" hangingPunct="0">
-              <a:defRPr sz="2400">
-                <a:solidFill>
-                  <a:schemeClr val="tx1"/>
-                </a:solidFill>
-                <a:latin typeface="Arial" charset="0"/>
-                <a:ea typeface="ＭＳ Ｐゴシック" charset="0"/>
-              </a:defRPr>
-            </a:lvl3pPr>
-            <a:lvl4pPr marL="1600200" indent="-228600" eaLnBrk="0" hangingPunct="0">
-              <a:defRPr sz="2400">
-                <a:solidFill>
-                  <a:schemeClr val="tx1"/>
-                </a:solidFill>
-                <a:latin typeface="Arial" charset="0"/>
-                <a:ea typeface="ＭＳ Ｐゴシック" charset="0"/>
-              </a:defRPr>
-            </a:lvl4pPr>
-            <a:lvl5pPr marL="2057400" indent="-228600" eaLnBrk="0" hangingPunct="0">
-              <a:defRPr sz="2400">
-                <a:solidFill>
-                  <a:schemeClr val="tx1"/>
-                </a:solidFill>
-                <a:latin typeface="Arial" charset="0"/>
-                <a:ea typeface="ＭＳ Ｐゴシック" charset="0"/>
-              </a:defRPr>
-            </a:lvl5pPr>
-            <a:lvl6pPr marL="2514600" indent="-228600" eaLnBrk="0" fontAlgn="base" hangingPunct="0">
-              <a:spcBef>
-                <a:spcPct val="0"/>
-              </a:spcBef>
-              <a:spcAft>
-                <a:spcPct val="0"/>
-              </a:spcAft>
-              <a:defRPr sz="2400">
-                <a:solidFill>
-                  <a:schemeClr val="tx1"/>
-                </a:solidFill>
-                <a:latin typeface="Arial" charset="0"/>
-                <a:ea typeface="ＭＳ Ｐゴシック" charset="0"/>
-              </a:defRPr>
-            </a:lvl6pPr>
-            <a:lvl7pPr marL="2971800" indent="-228600" eaLnBrk="0" fontAlgn="base" hangingPunct="0">
-              <a:spcBef>
-                <a:spcPct val="0"/>
-              </a:spcBef>
-              <a:spcAft>
-                <a:spcPct val="0"/>
-              </a:spcAft>
-              <a:defRPr sz="2400">
-                <a:solidFill>
-                  <a:schemeClr val="tx1"/>
-                </a:solidFill>
-                <a:latin typeface="Arial" charset="0"/>
-                <a:ea typeface="ＭＳ Ｐゴシック" charset="0"/>
-              </a:defRPr>
-            </a:lvl7pPr>
-            <a:lvl8pPr marL="3429000" indent="-228600" eaLnBrk="0" fontAlgn="base" hangingPunct="0">
-              <a:spcBef>
-                <a:spcPct val="0"/>
-              </a:spcBef>
-              <a:spcAft>
-                <a:spcPct val="0"/>
-              </a:spcAft>
-              <a:defRPr sz="2400">
-                <a:solidFill>
-                  <a:schemeClr val="tx1"/>
-                </a:solidFill>
-                <a:latin typeface="Arial" charset="0"/>
-                <a:ea typeface="ＭＳ Ｐゴシック" charset="0"/>
-              </a:defRPr>
-            </a:lvl8pPr>
-            <a:lvl9pPr marL="3886200" indent="-228600" eaLnBrk="0" fontAlgn="base" hangingPunct="0">
-              <a:spcBef>
-                <a:spcPct val="0"/>
-              </a:spcBef>
-              <a:spcAft>
-                <a:spcPct val="0"/>
-              </a:spcAft>
-              <a:defRPr sz="2400">
-                <a:solidFill>
-                  <a:schemeClr val="tx1"/>
-                </a:solidFill>
-                <a:latin typeface="Arial" charset="0"/>
-                <a:ea typeface="ＭＳ Ｐゴシック" charset="0"/>
-              </a:defRPr>
-            </a:lvl9pPr>
-          </a:lstStyle>
-          <a:p>
-            <a:pPr eaLnBrk="1" hangingPunct="1"/>
-            <a:r>
-              <a:rPr lang="en-US" sz="1200">
-                <a:latin typeface="Times New Roman" charset="0"/>
-              </a:rPr>
-              <a:t>Copyright © 2012 Pearson Education, Inc.</a:t>
             </a:r>
           </a:p>
         </p:txBody>
@@ -6297,7 +5817,7 @@
         </p:nvSpPr>
         <p:spPr bwMode="auto">
           <a:xfrm>
-            <a:off x="4791075" y="4346575"/>
+            <a:off x="4791075" y="4140200"/>
             <a:ext cx="3848100" cy="523875"/>
           </a:xfrm>
           <a:prstGeom prst="rect">
@@ -6442,13 +5962,13 @@
           <a:p>
             <a:pPr eaLnBrk="1" hangingPunct="1"/>
             <a:r>
-              <a:rPr lang="en-US" sz="2800">
+              <a:rPr lang="en-US" sz="2800" dirty="0">
                 <a:latin typeface="Courier" charset="0"/>
                 <a:cs typeface="Courier" charset="0"/>
               </a:rPr>
               <a:t>// compiler error</a:t>
             </a:r>
-            <a:endParaRPr lang="en-US" sz="2800"/>
+            <a:endParaRPr lang="en-US" sz="2800" dirty="0"/>
           </a:p>
         </p:txBody>
       </p:sp>
@@ -6462,7 +5982,7 @@
         </p:nvSpPr>
         <p:spPr bwMode="auto">
           <a:xfrm>
-            <a:off x="4752975" y="4889500"/>
+            <a:off x="4752975" y="4683125"/>
             <a:ext cx="3632200" cy="523875"/>
           </a:xfrm>
           <a:prstGeom prst="rect">
@@ -7016,6 +6536,539 @@
 </p:sld>
 </file>
 
+<file path=ppt/slides/slide15.xml><?xml version="1.0" encoding="utf-8"?>
+<p:sld xmlns:a="http://schemas.openxmlformats.org/drawingml/2006/main" xmlns:r="http://schemas.openxmlformats.org/officeDocument/2006/relationships" xmlns:p="http://schemas.openxmlformats.org/presentationml/2006/main">
+  <p:cSld>
+    <p:spTree>
+      <p:nvGrpSpPr>
+        <p:cNvPr id="1" name=""/>
+        <p:cNvGrpSpPr/>
+        <p:nvPr/>
+      </p:nvGrpSpPr>
+      <p:grpSpPr>
+        <a:xfrm>
+          <a:off x="0" y="0"/>
+          <a:ext cx="0" cy="0"/>
+          <a:chOff x="0" y="0"/>
+          <a:chExt cx="0" cy="0"/>
+        </a:xfrm>
+      </p:grpSpPr>
+      <p:sp>
+        <p:nvSpPr>
+          <p:cNvPr id="40961" name="Title 1"/>
+          <p:cNvSpPr>
+            <a:spLocks noGrp="1"/>
+          </p:cNvSpPr>
+          <p:nvPr>
+            <p:ph type="title"/>
+          </p:nvPr>
+        </p:nvSpPr>
+        <p:spPr/>
+        <p:txBody>
+          <a:bodyPr/>
+          <a:lstStyle/>
+          <a:p>
+            <a:r>
+              <a:rPr lang="en-US" dirty="0">
+                <a:latin typeface="Calibri"/>
+                <a:cs typeface="Calibri"/>
+              </a:rPr>
+              <a:t>Quick Check</a:t>
+            </a:r>
+          </a:p>
+        </p:txBody>
+      </p:sp>
+      <p:sp>
+        <p:nvSpPr>
+          <p:cNvPr id="40963" name="TextBox 5"/>
+          <p:cNvSpPr txBox="1">
+            <a:spLocks noChangeArrowheads="1"/>
+          </p:cNvSpPr>
+          <p:nvPr/>
+        </p:nvSpPr>
+        <p:spPr bwMode="auto">
+          <a:xfrm>
+            <a:off x="304800" y="1447800"/>
+            <a:ext cx="8610600" cy="1384300"/>
+          </a:xfrm>
+          <a:prstGeom prst="rect">
+            <a:avLst/>
+          </a:prstGeom>
+          <a:noFill/>
+          <a:ln>
+            <a:noFill/>
+          </a:ln>
+          <a:extLst>
+            <a:ext uri="{909E8E84-426E-40dd-AFC4-6F175D3DCCD1}">
+              <a14:hiddenFill xmlns:a14="http://schemas.microsoft.com/office/drawing/2010/main">
+                <a:solidFill>
+                  <a:srgbClr val="FFFFFF"/>
+                </a:solidFill>
+              </a14:hiddenFill>
+            </a:ext>
+            <a:ext uri="{91240B29-F687-4f45-9708-019B960494DF}">
+              <a14:hiddenLine xmlns:a14="http://schemas.microsoft.com/office/drawing/2010/main" w="9525">
+                <a:solidFill>
+                  <a:srgbClr val="000000"/>
+                </a:solidFill>
+                <a:miter lim="800000"/>
+                <a:headEnd/>
+                <a:tailEnd/>
+              </a14:hiddenLine>
+            </a:ext>
+          </a:extLst>
+        </p:spPr>
+        <p:txBody>
+          <a:bodyPr>
+            <a:spAutoFit/>
+          </a:bodyPr>
+          <a:lstStyle>
+            <a:lvl1pPr eaLnBrk="0" hangingPunct="0">
+              <a:defRPr sz="2400">
+                <a:solidFill>
+                  <a:schemeClr val="tx1"/>
+                </a:solidFill>
+                <a:latin typeface="Arial" charset="0"/>
+                <a:ea typeface="ＭＳ Ｐゴシック" charset="0"/>
+                <a:cs typeface="ＭＳ Ｐゴシック" charset="0"/>
+              </a:defRPr>
+            </a:lvl1pPr>
+            <a:lvl2pPr marL="742950" indent="-285750" eaLnBrk="0" hangingPunct="0">
+              <a:defRPr sz="2400">
+                <a:solidFill>
+                  <a:schemeClr val="tx1"/>
+                </a:solidFill>
+                <a:latin typeface="Arial" charset="0"/>
+                <a:ea typeface="ＭＳ Ｐゴシック" charset="0"/>
+              </a:defRPr>
+            </a:lvl2pPr>
+            <a:lvl3pPr marL="1143000" indent="-228600" eaLnBrk="0" hangingPunct="0">
+              <a:defRPr sz="2400">
+                <a:solidFill>
+                  <a:schemeClr val="tx1"/>
+                </a:solidFill>
+                <a:latin typeface="Arial" charset="0"/>
+                <a:ea typeface="ＭＳ Ｐゴシック" charset="0"/>
+              </a:defRPr>
+            </a:lvl3pPr>
+            <a:lvl4pPr marL="1600200" indent="-228600" eaLnBrk="0" hangingPunct="0">
+              <a:defRPr sz="2400">
+                <a:solidFill>
+                  <a:schemeClr val="tx1"/>
+                </a:solidFill>
+                <a:latin typeface="Arial" charset="0"/>
+                <a:ea typeface="ＭＳ Ｐゴシック" charset="0"/>
+              </a:defRPr>
+            </a:lvl4pPr>
+            <a:lvl5pPr marL="2057400" indent="-228600" eaLnBrk="0" hangingPunct="0">
+              <a:defRPr sz="2400">
+                <a:solidFill>
+                  <a:schemeClr val="tx1"/>
+                </a:solidFill>
+                <a:latin typeface="Arial" charset="0"/>
+                <a:ea typeface="ＭＳ Ｐゴシック" charset="0"/>
+              </a:defRPr>
+            </a:lvl5pPr>
+            <a:lvl6pPr marL="2514600" indent="-228600" eaLnBrk="0" fontAlgn="base" hangingPunct="0">
+              <a:spcBef>
+                <a:spcPct val="0"/>
+              </a:spcBef>
+              <a:spcAft>
+                <a:spcPct val="0"/>
+              </a:spcAft>
+              <a:defRPr sz="2400">
+                <a:solidFill>
+                  <a:schemeClr val="tx1"/>
+                </a:solidFill>
+                <a:latin typeface="Arial" charset="0"/>
+                <a:ea typeface="ＭＳ Ｐゴシック" charset="0"/>
+              </a:defRPr>
+            </a:lvl6pPr>
+            <a:lvl7pPr marL="2971800" indent="-228600" eaLnBrk="0" fontAlgn="base" hangingPunct="0">
+              <a:spcBef>
+                <a:spcPct val="0"/>
+              </a:spcBef>
+              <a:spcAft>
+                <a:spcPct val="0"/>
+              </a:spcAft>
+              <a:defRPr sz="2400">
+                <a:solidFill>
+                  <a:schemeClr val="tx1"/>
+                </a:solidFill>
+                <a:latin typeface="Arial" charset="0"/>
+                <a:ea typeface="ＭＳ Ｐゴシック" charset="0"/>
+              </a:defRPr>
+            </a:lvl7pPr>
+            <a:lvl8pPr marL="3429000" indent="-228600" eaLnBrk="0" fontAlgn="base" hangingPunct="0">
+              <a:spcBef>
+                <a:spcPct val="0"/>
+              </a:spcBef>
+              <a:spcAft>
+                <a:spcPct val="0"/>
+              </a:spcAft>
+              <a:defRPr sz="2400">
+                <a:solidFill>
+                  <a:schemeClr val="tx1"/>
+                </a:solidFill>
+                <a:latin typeface="Arial" charset="0"/>
+                <a:ea typeface="ＭＳ Ｐゴシック" charset="0"/>
+              </a:defRPr>
+            </a:lvl8pPr>
+            <a:lvl9pPr marL="3886200" indent="-228600" eaLnBrk="0" fontAlgn="base" hangingPunct="0">
+              <a:spcBef>
+                <a:spcPct val="0"/>
+              </a:spcBef>
+              <a:spcAft>
+                <a:spcPct val="0"/>
+              </a:spcAft>
+              <a:defRPr sz="2400">
+                <a:solidFill>
+                  <a:schemeClr val="tx1"/>
+                </a:solidFill>
+                <a:latin typeface="Arial" charset="0"/>
+                <a:ea typeface="ＭＳ Ｐゴシック" charset="0"/>
+              </a:defRPr>
+            </a:lvl9pPr>
+          </a:lstStyle>
+          <a:p>
+            <a:pPr eaLnBrk="1" hangingPunct="1"/>
+            <a:r>
+              <a:rPr lang="en-US" sz="2800" dirty="0">
+                <a:latin typeface="Calibri"/>
+                <a:cs typeface="Calibri"/>
+              </a:rPr>
+              <a:t>If </a:t>
+            </a:r>
+            <a:r>
+              <a:rPr lang="en-US" sz="2800" dirty="0" err="1">
+                <a:latin typeface="Courier"/>
+                <a:cs typeface="Courier"/>
+              </a:rPr>
+              <a:t>MusicPlayer</a:t>
+            </a:r>
+            <a:r>
+              <a:rPr lang="en-US" sz="2800" dirty="0">
+                <a:latin typeface="Calibri"/>
+                <a:cs typeface="Calibri"/>
+              </a:rPr>
+              <a:t> is the parent of </a:t>
+            </a:r>
+            <a:r>
+              <a:rPr lang="en-US" sz="2800" dirty="0" err="1">
+                <a:latin typeface="Courier"/>
+                <a:cs typeface="Courier"/>
+              </a:rPr>
+              <a:t>CDPlayer</a:t>
+            </a:r>
+            <a:r>
+              <a:rPr lang="en-US" sz="2800" dirty="0">
+                <a:latin typeface="Calibri"/>
+                <a:cs typeface="Calibri"/>
+              </a:rPr>
+              <a:t>, are the following assignments valid?</a:t>
+            </a:r>
+          </a:p>
+          <a:p>
+            <a:pPr eaLnBrk="1" hangingPunct="1"/>
+            <a:endParaRPr lang="en-US" sz="2800" dirty="0"/>
+          </a:p>
+        </p:txBody>
+      </p:sp>
+      <p:sp>
+        <p:nvSpPr>
+          <p:cNvPr id="41990" name="TextBox 6"/>
+          <p:cNvSpPr txBox="1">
+            <a:spLocks noChangeArrowheads="1"/>
+          </p:cNvSpPr>
+          <p:nvPr/>
+        </p:nvSpPr>
+        <p:spPr bwMode="auto">
+          <a:xfrm>
+            <a:off x="533400" y="2667000"/>
+            <a:ext cx="7215188" cy="2032000"/>
+          </a:xfrm>
+          <a:prstGeom prst="rect">
+            <a:avLst/>
+          </a:prstGeom>
+          <a:noFill/>
+          <a:ln>
+            <a:noFill/>
+          </a:ln>
+          <a:extLst>
+            <a:ext uri="{909E8E84-426E-40dd-AFC4-6F175D3DCCD1}">
+              <a14:hiddenFill xmlns:a14="http://schemas.microsoft.com/office/drawing/2010/main">
+                <a:solidFill>
+                  <a:srgbClr val="FFFFFF"/>
+                </a:solidFill>
+              </a14:hiddenFill>
+            </a:ext>
+            <a:ext uri="{91240B29-F687-4f45-9708-019B960494DF}">
+              <a14:hiddenLine xmlns:a14="http://schemas.microsoft.com/office/drawing/2010/main" w="9525">
+                <a:solidFill>
+                  <a:srgbClr val="000000"/>
+                </a:solidFill>
+                <a:miter lim="800000"/>
+                <a:headEnd/>
+                <a:tailEnd/>
+              </a14:hiddenLine>
+            </a:ext>
+          </a:extLst>
+        </p:spPr>
+        <p:txBody>
+          <a:bodyPr wrap="none">
+            <a:spAutoFit/>
+          </a:bodyPr>
+          <a:lstStyle>
+            <a:lvl1pPr eaLnBrk="0" hangingPunct="0">
+              <a:defRPr sz="2400">
+                <a:solidFill>
+                  <a:schemeClr val="tx1"/>
+                </a:solidFill>
+                <a:latin typeface="Arial" charset="0"/>
+                <a:ea typeface="ＭＳ Ｐゴシック" charset="0"/>
+                <a:cs typeface="ＭＳ Ｐゴシック" charset="0"/>
+              </a:defRPr>
+            </a:lvl1pPr>
+            <a:lvl2pPr marL="742950" indent="-285750" eaLnBrk="0" hangingPunct="0">
+              <a:defRPr sz="2400">
+                <a:solidFill>
+                  <a:schemeClr val="tx1"/>
+                </a:solidFill>
+                <a:latin typeface="Arial" charset="0"/>
+                <a:ea typeface="ＭＳ Ｐゴシック" charset="0"/>
+              </a:defRPr>
+            </a:lvl2pPr>
+            <a:lvl3pPr marL="1143000" indent="-228600" eaLnBrk="0" hangingPunct="0">
+              <a:defRPr sz="2400">
+                <a:solidFill>
+                  <a:schemeClr val="tx1"/>
+                </a:solidFill>
+                <a:latin typeface="Arial" charset="0"/>
+                <a:ea typeface="ＭＳ Ｐゴシック" charset="0"/>
+              </a:defRPr>
+            </a:lvl3pPr>
+            <a:lvl4pPr marL="1600200" indent="-228600" eaLnBrk="0" hangingPunct="0">
+              <a:defRPr sz="2400">
+                <a:solidFill>
+                  <a:schemeClr val="tx1"/>
+                </a:solidFill>
+                <a:latin typeface="Arial" charset="0"/>
+                <a:ea typeface="ＭＳ Ｐゴシック" charset="0"/>
+              </a:defRPr>
+            </a:lvl4pPr>
+            <a:lvl5pPr marL="2057400" indent="-228600" eaLnBrk="0" hangingPunct="0">
+              <a:defRPr sz="2400">
+                <a:solidFill>
+                  <a:schemeClr val="tx1"/>
+                </a:solidFill>
+                <a:latin typeface="Arial" charset="0"/>
+                <a:ea typeface="ＭＳ Ｐゴシック" charset="0"/>
+              </a:defRPr>
+            </a:lvl5pPr>
+            <a:lvl6pPr marL="2514600" indent="-228600" eaLnBrk="0" fontAlgn="base" hangingPunct="0">
+              <a:spcBef>
+                <a:spcPct val="0"/>
+              </a:spcBef>
+              <a:spcAft>
+                <a:spcPct val="0"/>
+              </a:spcAft>
+              <a:defRPr sz="2400">
+                <a:solidFill>
+                  <a:schemeClr val="tx1"/>
+                </a:solidFill>
+                <a:latin typeface="Arial" charset="0"/>
+                <a:ea typeface="ＭＳ Ｐゴシック" charset="0"/>
+              </a:defRPr>
+            </a:lvl6pPr>
+            <a:lvl7pPr marL="2971800" indent="-228600" eaLnBrk="0" fontAlgn="base" hangingPunct="0">
+              <a:spcBef>
+                <a:spcPct val="0"/>
+              </a:spcBef>
+              <a:spcAft>
+                <a:spcPct val="0"/>
+              </a:spcAft>
+              <a:defRPr sz="2400">
+                <a:solidFill>
+                  <a:schemeClr val="tx1"/>
+                </a:solidFill>
+                <a:latin typeface="Arial" charset="0"/>
+                <a:ea typeface="ＭＳ Ｐゴシック" charset="0"/>
+              </a:defRPr>
+            </a:lvl7pPr>
+            <a:lvl8pPr marL="3429000" indent="-228600" eaLnBrk="0" fontAlgn="base" hangingPunct="0">
+              <a:spcBef>
+                <a:spcPct val="0"/>
+              </a:spcBef>
+              <a:spcAft>
+                <a:spcPct val="0"/>
+              </a:spcAft>
+              <a:defRPr sz="2400">
+                <a:solidFill>
+                  <a:schemeClr val="tx1"/>
+                </a:solidFill>
+                <a:latin typeface="Arial" charset="0"/>
+                <a:ea typeface="ＭＳ Ｐゴシック" charset="0"/>
+              </a:defRPr>
+            </a:lvl8pPr>
+            <a:lvl9pPr marL="3886200" indent="-228600" eaLnBrk="0" fontAlgn="base" hangingPunct="0">
+              <a:spcBef>
+                <a:spcPct val="0"/>
+              </a:spcBef>
+              <a:spcAft>
+                <a:spcPct val="0"/>
+              </a:spcAft>
+              <a:defRPr sz="2400">
+                <a:solidFill>
+                  <a:schemeClr val="tx1"/>
+                </a:solidFill>
+                <a:latin typeface="Arial" charset="0"/>
+                <a:ea typeface="ＭＳ Ｐゴシック" charset="0"/>
+              </a:defRPr>
+            </a:lvl9pPr>
+          </a:lstStyle>
+          <a:p>
+            <a:pPr eaLnBrk="1" hangingPunct="1">
+              <a:spcAft>
+                <a:spcPts val="1200"/>
+              </a:spcAft>
+            </a:pPr>
+            <a:r>
+              <a:rPr lang="en-US" b="1" dirty="0" err="1">
+                <a:latin typeface="Courier New" charset="0"/>
+                <a:cs typeface="Courier New" charset="0"/>
+              </a:rPr>
+              <a:t>MusicPlayer</a:t>
+            </a:r>
+            <a:r>
+              <a:rPr lang="en-US" b="1" dirty="0">
+                <a:latin typeface="Courier New" charset="0"/>
+                <a:cs typeface="Courier New" charset="0"/>
+              </a:rPr>
+              <a:t> </a:t>
+            </a:r>
+            <a:r>
+              <a:rPr lang="en-US" b="1" dirty="0" err="1">
+                <a:latin typeface="Courier New" charset="0"/>
+                <a:cs typeface="Courier New" charset="0"/>
+              </a:rPr>
+              <a:t>mplayer</a:t>
+            </a:r>
+            <a:r>
+              <a:rPr lang="en-US" b="1" dirty="0">
+                <a:latin typeface="Courier New" charset="0"/>
+                <a:cs typeface="Courier New" charset="0"/>
+              </a:rPr>
+              <a:t> = new </a:t>
+            </a:r>
+            <a:r>
+              <a:rPr lang="en-US" b="1" dirty="0" err="1">
+                <a:latin typeface="Courier New" charset="0"/>
+                <a:cs typeface="Courier New" charset="0"/>
+              </a:rPr>
+              <a:t>CDPlayer</a:t>
+            </a:r>
+            <a:r>
+              <a:rPr lang="en-US" b="1" dirty="0">
+                <a:latin typeface="Courier New" charset="0"/>
+                <a:cs typeface="Courier New" charset="0"/>
+              </a:rPr>
+              <a:t>();</a:t>
+            </a:r>
+          </a:p>
+          <a:p>
+            <a:pPr eaLnBrk="1" hangingPunct="1">
+              <a:spcAft>
+                <a:spcPts val="1200"/>
+              </a:spcAft>
+            </a:pPr>
+            <a:endParaRPr lang="en-US" b="1" dirty="0">
+              <a:latin typeface="Courier New" charset="0"/>
+              <a:cs typeface="Courier New" charset="0"/>
+            </a:endParaRPr>
+          </a:p>
+          <a:p>
+            <a:pPr eaLnBrk="1" hangingPunct="1">
+              <a:spcAft>
+                <a:spcPts val="1200"/>
+              </a:spcAft>
+            </a:pPr>
+            <a:endParaRPr lang="en-US" b="1" dirty="0">
+              <a:latin typeface="Courier New" charset="0"/>
+              <a:cs typeface="Courier New" charset="0"/>
+            </a:endParaRPr>
+          </a:p>
+          <a:p>
+            <a:pPr eaLnBrk="1" hangingPunct="1">
+              <a:spcAft>
+                <a:spcPts val="1200"/>
+              </a:spcAft>
+            </a:pPr>
+            <a:r>
+              <a:rPr lang="en-US" b="1" dirty="0" err="1">
+                <a:latin typeface="Courier New" charset="0"/>
+                <a:cs typeface="Courier New" charset="0"/>
+              </a:rPr>
+              <a:t>CDPlayer</a:t>
+            </a:r>
+            <a:r>
+              <a:rPr lang="en-US" b="1" dirty="0">
+                <a:latin typeface="Courier New" charset="0"/>
+                <a:cs typeface="Courier New" charset="0"/>
+              </a:rPr>
+              <a:t> </a:t>
+            </a:r>
+            <a:r>
+              <a:rPr lang="en-US" b="1" dirty="0" err="1">
+                <a:latin typeface="Courier New" charset="0"/>
+                <a:cs typeface="Courier New" charset="0"/>
+              </a:rPr>
+              <a:t>cdplayer</a:t>
+            </a:r>
+            <a:r>
+              <a:rPr lang="en-US" b="1" dirty="0">
+                <a:latin typeface="Courier New" charset="0"/>
+                <a:cs typeface="Courier New" charset="0"/>
+              </a:rPr>
+              <a:t> = new </a:t>
+            </a:r>
+            <a:r>
+              <a:rPr lang="en-US" b="1" dirty="0" err="1">
+                <a:latin typeface="Courier New" charset="0"/>
+                <a:cs typeface="Courier New" charset="0"/>
+              </a:rPr>
+              <a:t>MusicPlayer</a:t>
+            </a:r>
+            <a:r>
+              <a:rPr lang="en-US" b="1" dirty="0">
+                <a:latin typeface="Courier New" charset="0"/>
+                <a:cs typeface="Courier New" charset="0"/>
+              </a:rPr>
+              <a:t>();</a:t>
+            </a:r>
+          </a:p>
+        </p:txBody>
+      </p:sp>
+    </p:spTree>
+    <p:extLst>
+      <p:ext uri="{BB962C8B-B14F-4D97-AF65-F5344CB8AC3E}">
+        <p14:creationId xmlns:p14="http://schemas.microsoft.com/office/powerpoint/2010/main" val="2889222566"/>
+      </p:ext>
+    </p:extLst>
+  </p:cSld>
+  <p:clrMapOvr>
+    <a:masterClrMapping/>
+  </p:clrMapOvr>
+  <p:transition xmlns:p14="http://schemas.microsoft.com/office/powerpoint/2010/main"/>
+  <p:timing>
+    <p:tnLst>
+      <p:par>
+        <p:cTn xmlns:p14="http://schemas.microsoft.com/office/powerpoint/2010/main" id="1" dur="indefinite" restart="never" nodeType="tmRoot"/>
+      </p:par>
+    </p:tnLst>
+  </p:timing>
+</p:sld>
+</file>
+
 <file path=ppt/slides/slide16.xml><?xml version="1.0" encoding="utf-8"?>
 <p:sld xmlns:a="http://schemas.openxmlformats.org/drawingml/2006/main" xmlns:r="http://schemas.openxmlformats.org/officeDocument/2006/relationships" xmlns:p="http://schemas.openxmlformats.org/presentationml/2006/main">
   <p:cSld>
@@ -7060,160 +7113,6 @@
       </p:sp>
       <p:sp>
         <p:nvSpPr>
-          <p:cNvPr id="40962" name="Footer Placeholder 3"/>
-          <p:cNvSpPr>
-            <a:spLocks noGrp="1"/>
-          </p:cNvSpPr>
-          <p:nvPr>
-            <p:ph type="ftr" sz="quarter" idx="10"/>
-          </p:nvPr>
-        </p:nvSpPr>
-        <p:spPr>
-          <a:noFill/>
-          <a:ln/>
-          <a:extLst>
-            <a:ext uri="{909E8E84-426E-40dd-AFC4-6F175D3DCCD1}">
-              <a14:hiddenFill xmlns:a14="http://schemas.microsoft.com/office/drawing/2010/main">
-                <a:solidFill>
-                  <a:srgbClr val="FFFFFF"/>
-                </a:solidFill>
-              </a14:hiddenFill>
-            </a:ext>
-            <a:ext uri="{91240B29-F687-4f45-9708-019B960494DF}">
-              <a14:hiddenLine xmlns:a14="http://schemas.microsoft.com/office/drawing/2010/main" w="9525">
-                <a:solidFill>
-                  <a:srgbClr val="000000"/>
-                </a:solidFill>
-                <a:miter lim="800000"/>
-                <a:headEnd/>
-                <a:tailEnd/>
-              </a14:hiddenLine>
-            </a:ext>
-          </a:extLst>
-        </p:spPr>
-        <p:txBody>
-          <a:bodyPr/>
-          <a:lstStyle>
-            <a:lvl1pPr eaLnBrk="0" hangingPunct="0">
-              <a:defRPr sz="2400">
-                <a:solidFill>
-                  <a:schemeClr val="tx1"/>
-                </a:solidFill>
-                <a:latin typeface="Arial" charset="0"/>
-                <a:ea typeface="ＭＳ Ｐゴシック" charset="0"/>
-                <a:cs typeface="ＭＳ Ｐゴシック" charset="0"/>
-              </a:defRPr>
-            </a:lvl1pPr>
-            <a:lvl2pPr marL="742950" indent="-285750" eaLnBrk="0" hangingPunct="0">
-              <a:defRPr sz="2400">
-                <a:solidFill>
-                  <a:schemeClr val="tx1"/>
-                </a:solidFill>
-                <a:latin typeface="Arial" charset="0"/>
-                <a:ea typeface="ＭＳ Ｐゴシック" charset="0"/>
-              </a:defRPr>
-            </a:lvl2pPr>
-            <a:lvl3pPr marL="1143000" indent="-228600" eaLnBrk="0" hangingPunct="0">
-              <a:defRPr sz="2400">
-                <a:solidFill>
-                  <a:schemeClr val="tx1"/>
-                </a:solidFill>
-                <a:latin typeface="Arial" charset="0"/>
-                <a:ea typeface="ＭＳ Ｐゴシック" charset="0"/>
-              </a:defRPr>
-            </a:lvl3pPr>
-            <a:lvl4pPr marL="1600200" indent="-228600" eaLnBrk="0" hangingPunct="0">
-              <a:defRPr sz="2400">
-                <a:solidFill>
-                  <a:schemeClr val="tx1"/>
-                </a:solidFill>
-                <a:latin typeface="Arial" charset="0"/>
-                <a:ea typeface="ＭＳ Ｐゴシック" charset="0"/>
-              </a:defRPr>
-            </a:lvl4pPr>
-            <a:lvl5pPr marL="2057400" indent="-228600" eaLnBrk="0" hangingPunct="0">
-              <a:defRPr sz="2400">
-                <a:solidFill>
-                  <a:schemeClr val="tx1"/>
-                </a:solidFill>
-                <a:latin typeface="Arial" charset="0"/>
-                <a:ea typeface="ＭＳ Ｐゴシック" charset="0"/>
-              </a:defRPr>
-            </a:lvl5pPr>
-            <a:lvl6pPr marL="2514600" indent="-228600" eaLnBrk="0" fontAlgn="base" hangingPunct="0">
-              <a:spcBef>
-                <a:spcPct val="0"/>
-              </a:spcBef>
-              <a:spcAft>
-                <a:spcPct val="0"/>
-              </a:spcAft>
-              <a:defRPr sz="2400">
-                <a:solidFill>
-                  <a:schemeClr val="tx1"/>
-                </a:solidFill>
-                <a:latin typeface="Arial" charset="0"/>
-                <a:ea typeface="ＭＳ Ｐゴシック" charset="0"/>
-              </a:defRPr>
-            </a:lvl6pPr>
-            <a:lvl7pPr marL="2971800" indent="-228600" eaLnBrk="0" fontAlgn="base" hangingPunct="0">
-              <a:spcBef>
-                <a:spcPct val="0"/>
-              </a:spcBef>
-              <a:spcAft>
-                <a:spcPct val="0"/>
-              </a:spcAft>
-              <a:defRPr sz="2400">
-                <a:solidFill>
-                  <a:schemeClr val="tx1"/>
-                </a:solidFill>
-                <a:latin typeface="Arial" charset="0"/>
-                <a:ea typeface="ＭＳ Ｐゴシック" charset="0"/>
-              </a:defRPr>
-            </a:lvl7pPr>
-            <a:lvl8pPr marL="3429000" indent="-228600" eaLnBrk="0" fontAlgn="base" hangingPunct="0">
-              <a:spcBef>
-                <a:spcPct val="0"/>
-              </a:spcBef>
-              <a:spcAft>
-                <a:spcPct val="0"/>
-              </a:spcAft>
-              <a:defRPr sz="2400">
-                <a:solidFill>
-                  <a:schemeClr val="tx1"/>
-                </a:solidFill>
-                <a:latin typeface="Arial" charset="0"/>
-                <a:ea typeface="ＭＳ Ｐゴシック" charset="0"/>
-              </a:defRPr>
-            </a:lvl8pPr>
-            <a:lvl9pPr marL="3886200" indent="-228600" eaLnBrk="0" fontAlgn="base" hangingPunct="0">
-              <a:spcBef>
-                <a:spcPct val="0"/>
-              </a:spcBef>
-              <a:spcAft>
-                <a:spcPct val="0"/>
-              </a:spcAft>
-              <a:defRPr sz="2400">
-                <a:solidFill>
-                  <a:schemeClr val="tx1"/>
-                </a:solidFill>
-                <a:latin typeface="Arial" charset="0"/>
-                <a:ea typeface="ＭＳ Ｐゴシック" charset="0"/>
-              </a:defRPr>
-            </a:lvl9pPr>
-          </a:lstStyle>
-          <a:p>
-            <a:pPr eaLnBrk="1" hangingPunct="1"/>
-            <a:r>
-              <a:rPr lang="en-US" sz="1200" dirty="0">
-                <a:latin typeface="Times New Roman" charset="0"/>
-              </a:rPr>
-              <a:t>Copyright © 2012 Pearson Education, Inc.</a:t>
-            </a:r>
-          </a:p>
-        </p:txBody>
-      </p:sp>
-      <p:sp>
-        <p:nvSpPr>
           <p:cNvPr id="40963" name="TextBox 5"/>
           <p:cNvSpPr txBox="1">
             <a:spLocks noChangeArrowheads="1"/>
@@ -7682,17 +7581,248 @@
           </a:p>
         </p:txBody>
       </p:sp>
+      <p:sp>
+        <p:nvSpPr>
+          <p:cNvPr id="6" name="TextBox 6"/>
+          <p:cNvSpPr txBox="1">
+            <a:spLocks noChangeArrowheads="1"/>
+          </p:cNvSpPr>
+          <p:nvPr/>
+        </p:nvSpPr>
+        <p:spPr bwMode="auto">
+          <a:xfrm>
+            <a:off x="977900" y="3229769"/>
+            <a:ext cx="7143978" cy="2077492"/>
+          </a:xfrm>
+          <a:prstGeom prst="rect">
+            <a:avLst/>
+          </a:prstGeom>
+          <a:noFill/>
+          <a:ln>
+            <a:noFill/>
+          </a:ln>
+          <a:extLst>
+            <a:ext uri="{909E8E84-426E-40dd-AFC4-6F175D3DCCD1}">
+              <a14:hiddenFill xmlns:a14="http://schemas.microsoft.com/office/drawing/2010/main">
+                <a:solidFill>
+                  <a:srgbClr val="FFFFFF"/>
+                </a:solidFill>
+              </a14:hiddenFill>
+            </a:ext>
+            <a:ext uri="{91240B29-F687-4f45-9708-019B960494DF}">
+              <a14:hiddenLine xmlns:a14="http://schemas.microsoft.com/office/drawing/2010/main" w="9525">
+                <a:solidFill>
+                  <a:srgbClr val="000000"/>
+                </a:solidFill>
+                <a:miter lim="800000"/>
+                <a:headEnd/>
+                <a:tailEnd/>
+              </a14:hiddenLine>
+            </a:ext>
+          </a:extLst>
+        </p:spPr>
+        <p:txBody>
+          <a:bodyPr wrap="none">
+            <a:spAutoFit/>
+          </a:bodyPr>
+          <a:lstStyle>
+            <a:lvl1pPr eaLnBrk="0" hangingPunct="0">
+              <a:defRPr sz="2400">
+                <a:solidFill>
+                  <a:schemeClr val="tx1"/>
+                </a:solidFill>
+                <a:latin typeface="Arial" charset="0"/>
+                <a:ea typeface="ＭＳ Ｐゴシック" charset="0"/>
+                <a:cs typeface="ＭＳ Ｐゴシック" charset="0"/>
+              </a:defRPr>
+            </a:lvl1pPr>
+            <a:lvl2pPr marL="742950" indent="-285750" eaLnBrk="0" hangingPunct="0">
+              <a:defRPr sz="2400">
+                <a:solidFill>
+                  <a:schemeClr val="tx1"/>
+                </a:solidFill>
+                <a:latin typeface="Arial" charset="0"/>
+                <a:ea typeface="ＭＳ Ｐゴシック" charset="0"/>
+              </a:defRPr>
+            </a:lvl2pPr>
+            <a:lvl3pPr marL="1143000" indent="-228600" eaLnBrk="0" hangingPunct="0">
+              <a:defRPr sz="2400">
+                <a:solidFill>
+                  <a:schemeClr val="tx1"/>
+                </a:solidFill>
+                <a:latin typeface="Arial" charset="0"/>
+                <a:ea typeface="ＭＳ Ｐゴシック" charset="0"/>
+              </a:defRPr>
+            </a:lvl3pPr>
+            <a:lvl4pPr marL="1600200" indent="-228600" eaLnBrk="0" hangingPunct="0">
+              <a:defRPr sz="2400">
+                <a:solidFill>
+                  <a:schemeClr val="tx1"/>
+                </a:solidFill>
+                <a:latin typeface="Arial" charset="0"/>
+                <a:ea typeface="ＭＳ Ｐゴシック" charset="0"/>
+              </a:defRPr>
+            </a:lvl4pPr>
+            <a:lvl5pPr marL="2057400" indent="-228600" eaLnBrk="0" hangingPunct="0">
+              <a:defRPr sz="2400">
+                <a:solidFill>
+                  <a:schemeClr val="tx1"/>
+                </a:solidFill>
+                <a:latin typeface="Arial" charset="0"/>
+                <a:ea typeface="ＭＳ Ｐゴシック" charset="0"/>
+              </a:defRPr>
+            </a:lvl5pPr>
+            <a:lvl6pPr marL="2514600" indent="-228600" eaLnBrk="0" fontAlgn="base" hangingPunct="0">
+              <a:spcBef>
+                <a:spcPct val="0"/>
+              </a:spcBef>
+              <a:spcAft>
+                <a:spcPct val="0"/>
+              </a:spcAft>
+              <a:defRPr sz="2400">
+                <a:solidFill>
+                  <a:schemeClr val="tx1"/>
+                </a:solidFill>
+                <a:latin typeface="Arial" charset="0"/>
+                <a:ea typeface="ＭＳ Ｐゴシック" charset="0"/>
+              </a:defRPr>
+            </a:lvl6pPr>
+            <a:lvl7pPr marL="2971800" indent="-228600" eaLnBrk="0" fontAlgn="base" hangingPunct="0">
+              <a:spcBef>
+                <a:spcPct val="0"/>
+              </a:spcBef>
+              <a:spcAft>
+                <a:spcPct val="0"/>
+              </a:spcAft>
+              <a:defRPr sz="2400">
+                <a:solidFill>
+                  <a:schemeClr val="tx1"/>
+                </a:solidFill>
+                <a:latin typeface="Arial" charset="0"/>
+                <a:ea typeface="ＭＳ Ｐゴシック" charset="0"/>
+              </a:defRPr>
+            </a:lvl7pPr>
+            <a:lvl8pPr marL="3429000" indent="-228600" eaLnBrk="0" fontAlgn="base" hangingPunct="0">
+              <a:spcBef>
+                <a:spcPct val="0"/>
+              </a:spcBef>
+              <a:spcAft>
+                <a:spcPct val="0"/>
+              </a:spcAft>
+              <a:defRPr sz="2400">
+                <a:solidFill>
+                  <a:schemeClr val="tx1"/>
+                </a:solidFill>
+                <a:latin typeface="Arial" charset="0"/>
+                <a:ea typeface="ＭＳ Ｐゴシック" charset="0"/>
+              </a:defRPr>
+            </a:lvl8pPr>
+            <a:lvl9pPr marL="3886200" indent="-228600" eaLnBrk="0" fontAlgn="base" hangingPunct="0">
+              <a:spcBef>
+                <a:spcPct val="0"/>
+              </a:spcBef>
+              <a:spcAft>
+                <a:spcPct val="0"/>
+              </a:spcAft>
+              <a:defRPr sz="2400">
+                <a:solidFill>
+                  <a:schemeClr val="tx1"/>
+                </a:solidFill>
+                <a:latin typeface="Arial" charset="0"/>
+                <a:ea typeface="ＭＳ Ｐゴシック" charset="0"/>
+              </a:defRPr>
+            </a:lvl9pPr>
+          </a:lstStyle>
+          <a:p>
+            <a:pPr eaLnBrk="1" hangingPunct="1">
+              <a:spcAft>
+                <a:spcPts val="4200"/>
+              </a:spcAft>
+            </a:pPr>
+            <a:r>
+              <a:rPr lang="en-US" sz="2800" dirty="0">
+                <a:latin typeface="Calibri"/>
+                <a:cs typeface="Calibri"/>
+              </a:rPr>
+              <a:t>Yes, because a </a:t>
+            </a:r>
+            <a:r>
+              <a:rPr lang="en-US" sz="2800" dirty="0" err="1">
+                <a:latin typeface="Courier"/>
+                <a:cs typeface="Courier"/>
+              </a:rPr>
+              <a:t>CDPlayer</a:t>
+            </a:r>
+            <a:r>
+              <a:rPr lang="en-US" sz="2800" dirty="0">
+                <a:latin typeface="Calibri"/>
+                <a:cs typeface="Calibri"/>
+              </a:rPr>
+              <a:t> is-a </a:t>
+            </a:r>
+            <a:r>
+              <a:rPr lang="en-US" sz="2800" dirty="0" err="1">
+                <a:latin typeface="Courier"/>
+                <a:cs typeface="Courier"/>
+              </a:rPr>
+              <a:t>MusicPlayer</a:t>
+            </a:r>
+            <a:endParaRPr lang="en-US" sz="2800" dirty="0">
+              <a:latin typeface="Courier"/>
+              <a:cs typeface="Courier"/>
+            </a:endParaRPr>
+          </a:p>
+          <a:p>
+            <a:pPr eaLnBrk="1" hangingPunct="1">
+              <a:spcAft>
+                <a:spcPts val="1200"/>
+              </a:spcAft>
+            </a:pPr>
+            <a:endParaRPr lang="en-US" sz="2800" dirty="0">
+              <a:cs typeface="Courier New" charset="0"/>
+            </a:endParaRPr>
+          </a:p>
+          <a:p>
+            <a:pPr eaLnBrk="1" hangingPunct="1"/>
+            <a:r>
+              <a:rPr lang="en-US" sz="2800" dirty="0">
+                <a:latin typeface="Calibri"/>
+                <a:cs typeface="Calibri"/>
+              </a:rPr>
+              <a:t>No, you'd have to use a </a:t>
+            </a:r>
+            <a:r>
+              <a:rPr lang="en-US" sz="2800" dirty="0" smtClean="0">
+                <a:latin typeface="Calibri"/>
+                <a:cs typeface="Calibri"/>
+              </a:rPr>
+              <a:t>cast</a:t>
+            </a:r>
+            <a:endParaRPr lang="en-US" sz="2800" dirty="0">
+              <a:latin typeface="Calibri"/>
+              <a:cs typeface="Calibri"/>
+            </a:endParaRPr>
+          </a:p>
+        </p:txBody>
+      </p:sp>
     </p:spTree>
     <p:extLst>
       <p:ext uri="{BB962C8B-B14F-4D97-AF65-F5344CB8AC3E}">
-        <p14:creationId xmlns:p14="http://schemas.microsoft.com/office/powerpoint/2010/main" val="2889222566"/>
+        <p14:creationId xmlns:p14="http://schemas.microsoft.com/office/powerpoint/2010/main" val="1622719376"/>
       </p:ext>
     </p:extLst>
   </p:cSld>
   <p:clrMapOvr>
     <a:masterClrMapping/>
   </p:clrMapOvr>
-  <p:transition xmlns:p14="http://schemas.microsoft.com/office/powerpoint/2010/main"/>
+  <mc:AlternateContent xmlns:mc="http://schemas.openxmlformats.org/markup-compatibility/2006">
+    <mc:Choice xmlns:p14="http://schemas.microsoft.com/office/powerpoint/2010/main" Requires="p14">
+      <p:transition p14:dur="0"/>
+    </mc:Choice>
+    <mc:Fallback>
+      <p:transition xmlns:p14="http://schemas.microsoft.com/office/powerpoint/2010/main"/>
+    </mc:Fallback>
+  </mc:AlternateContent>
   <p:timing>
     <p:tnLst>
       <p:par>
@@ -7702,22 +7832,19 @@
               <p:cTn id="2" dur="indefinite" nodeType="mainSeq">
                 <p:childTnLst>
                   <p:par>
-                    <p:cTn id="3" fill="hold" nodeType="clickPar">
+                    <p:cTn id="3" fill="hold">
                       <p:stCondLst>
                         <p:cond delay="indefinite"/>
-                        <p:cond evt="onBegin" delay="0">
-                          <p:tn val="2"/>
-                        </p:cond>
                       </p:stCondLst>
                       <p:childTnLst>
                         <p:par>
-                          <p:cTn id="4" fill="hold" nodeType="withGroup">
+                          <p:cTn id="4" fill="hold">
                             <p:stCondLst>
                               <p:cond delay="0"/>
                             </p:stCondLst>
                             <p:childTnLst>
                               <p:par>
-                                <p:cTn id="5" presetID="2" presetClass="entr" presetSubtype="2" accel="50000" decel="50000" fill="hold" grpId="0" nodeType="afterEffect">
+                                <p:cTn id="5" presetID="10" presetClass="entr" presetSubtype="0" fill="hold" nodeType="clickEffect">
                                   <p:stCondLst>
                                     <p:cond delay="0"/>
                                   </p:stCondLst>
@@ -7730,7 +7857,11 @@
                                           </p:stCondLst>
                                         </p:cTn>
                                         <p:tgtEl>
-                                          <p:spTgt spid="41990"/>
+                                          <p:spTgt spid="6">
+                                            <p:txEl>
+                                              <p:pRg st="2" end="2"/>
+                                            </p:txEl>
+                                          </p:spTgt>
                                         </p:tgtEl>
                                         <p:attrNameLst>
                                           <p:attrName>style.visibility</p:attrName>
@@ -7740,52 +7871,18 @@
                                         <p:strVal val="visible"/>
                                       </p:to>
                                     </p:set>
-                                    <p:anim calcmode="lin" valueType="num">
-                                      <p:cBhvr additive="base">
-                                        <p:cTn id="7" dur="500" fill="hold"/>
+                                    <p:animEffect transition="in" filter="fade">
+                                      <p:cBhvr>
+                                        <p:cTn id="7" dur="500"/>
                                         <p:tgtEl>
-                                          <p:spTgt spid="41990"/>
+                                          <p:spTgt spid="6">
+                                            <p:txEl>
+                                              <p:pRg st="2" end="2"/>
+                                            </p:txEl>
+                                          </p:spTgt>
                                         </p:tgtEl>
-                                        <p:attrNameLst>
-                                          <p:attrName>ppt_x</p:attrName>
-                                        </p:attrNameLst>
                                       </p:cBhvr>
-                                      <p:tavLst>
-                                        <p:tav tm="0">
-                                          <p:val>
-                                            <p:strVal val="1+#ppt_w/2"/>
-                                          </p:val>
-                                        </p:tav>
-                                        <p:tav tm="100000">
-                                          <p:val>
-                                            <p:strVal val="#ppt_x"/>
-                                          </p:val>
-                                        </p:tav>
-                                      </p:tavLst>
-                                    </p:anim>
-                                    <p:anim calcmode="lin" valueType="num">
-                                      <p:cBhvr additive="base">
-                                        <p:cTn id="8" dur="500" fill="hold"/>
-                                        <p:tgtEl>
-                                          <p:spTgt spid="41990"/>
-                                        </p:tgtEl>
-                                        <p:attrNameLst>
-                                          <p:attrName>ppt_y</p:attrName>
-                                        </p:attrNameLst>
-                                      </p:cBhvr>
-                                      <p:tavLst>
-                                        <p:tav tm="0">
-                                          <p:val>
-                                            <p:strVal val="#ppt_y"/>
-                                          </p:val>
-                                        </p:tav>
-                                        <p:tav tm="100000">
-                                          <p:val>
-                                            <p:strVal val="#ppt_y"/>
-                                          </p:val>
-                                        </p:tav>
-                                      </p:tavLst>
-                                    </p:anim>
+                                    </p:animEffect>
                                   </p:childTnLst>
                                 </p:cTn>
                               </p:par>
@@ -7816,1141 +7913,11 @@
         </p:cTn>
       </p:par>
     </p:tnLst>
-    <p:bldLst>
-      <p:bldP spid="41990" grpId="0"/>
-    </p:bldLst>
   </p:timing>
 </p:sld>
 </file>
 
 <file path=ppt/slides/slide17.xml><?xml version="1.0" encoding="utf-8"?>
-<p:sld xmlns:a="http://schemas.openxmlformats.org/drawingml/2006/main" xmlns:r="http://schemas.openxmlformats.org/officeDocument/2006/relationships" xmlns:p="http://schemas.openxmlformats.org/presentationml/2006/main">
-  <p:cSld>
-    <p:spTree>
-      <p:nvGrpSpPr>
-        <p:cNvPr id="1" name=""/>
-        <p:cNvGrpSpPr/>
-        <p:nvPr/>
-      </p:nvGrpSpPr>
-      <p:grpSpPr>
-        <a:xfrm>
-          <a:off x="0" y="0"/>
-          <a:ext cx="0" cy="0"/>
-          <a:chOff x="0" y="0"/>
-          <a:chExt cx="0" cy="0"/>
-        </a:xfrm>
-      </p:grpSpPr>
-      <p:sp>
-        <p:nvSpPr>
-          <p:cNvPr id="40961" name="Title 1"/>
-          <p:cNvSpPr>
-            <a:spLocks noGrp="1"/>
-          </p:cNvSpPr>
-          <p:nvPr>
-            <p:ph type="title"/>
-          </p:nvPr>
-        </p:nvSpPr>
-        <p:spPr/>
-        <p:txBody>
-          <a:bodyPr/>
-          <a:lstStyle/>
-          <a:p>
-            <a:r>
-              <a:rPr lang="en-US" dirty="0">
-                <a:latin typeface="Calibri"/>
-                <a:cs typeface="Calibri"/>
-              </a:rPr>
-              <a:t>Quick Check</a:t>
-            </a:r>
-          </a:p>
-        </p:txBody>
-      </p:sp>
-      <p:sp>
-        <p:nvSpPr>
-          <p:cNvPr id="40962" name="Footer Placeholder 3"/>
-          <p:cNvSpPr>
-            <a:spLocks noGrp="1"/>
-          </p:cNvSpPr>
-          <p:nvPr>
-            <p:ph type="ftr" sz="quarter" idx="10"/>
-          </p:nvPr>
-        </p:nvSpPr>
-        <p:spPr>
-          <a:noFill/>
-          <a:ln/>
-          <a:extLst>
-            <a:ext uri="{909E8E84-426E-40dd-AFC4-6F175D3DCCD1}">
-              <a14:hiddenFill xmlns:a14="http://schemas.microsoft.com/office/drawing/2010/main">
-                <a:solidFill>
-                  <a:srgbClr val="FFFFFF"/>
-                </a:solidFill>
-              </a14:hiddenFill>
-            </a:ext>
-            <a:ext uri="{91240B29-F687-4f45-9708-019B960494DF}">
-              <a14:hiddenLine xmlns:a14="http://schemas.microsoft.com/office/drawing/2010/main" w="9525">
-                <a:solidFill>
-                  <a:srgbClr val="000000"/>
-                </a:solidFill>
-                <a:miter lim="800000"/>
-                <a:headEnd/>
-                <a:tailEnd/>
-              </a14:hiddenLine>
-            </a:ext>
-          </a:extLst>
-        </p:spPr>
-        <p:txBody>
-          <a:bodyPr/>
-          <a:lstStyle>
-            <a:lvl1pPr eaLnBrk="0" hangingPunct="0">
-              <a:defRPr sz="2400">
-                <a:solidFill>
-                  <a:schemeClr val="tx1"/>
-                </a:solidFill>
-                <a:latin typeface="Arial" charset="0"/>
-                <a:ea typeface="ＭＳ Ｐゴシック" charset="0"/>
-                <a:cs typeface="ＭＳ Ｐゴシック" charset="0"/>
-              </a:defRPr>
-            </a:lvl1pPr>
-            <a:lvl2pPr marL="742950" indent="-285750" eaLnBrk="0" hangingPunct="0">
-              <a:defRPr sz="2400">
-                <a:solidFill>
-                  <a:schemeClr val="tx1"/>
-                </a:solidFill>
-                <a:latin typeface="Arial" charset="0"/>
-                <a:ea typeface="ＭＳ Ｐゴシック" charset="0"/>
-              </a:defRPr>
-            </a:lvl2pPr>
-            <a:lvl3pPr marL="1143000" indent="-228600" eaLnBrk="0" hangingPunct="0">
-              <a:defRPr sz="2400">
-                <a:solidFill>
-                  <a:schemeClr val="tx1"/>
-                </a:solidFill>
-                <a:latin typeface="Arial" charset="0"/>
-                <a:ea typeface="ＭＳ Ｐゴシック" charset="0"/>
-              </a:defRPr>
-            </a:lvl3pPr>
-            <a:lvl4pPr marL="1600200" indent="-228600" eaLnBrk="0" hangingPunct="0">
-              <a:defRPr sz="2400">
-                <a:solidFill>
-                  <a:schemeClr val="tx1"/>
-                </a:solidFill>
-                <a:latin typeface="Arial" charset="0"/>
-                <a:ea typeface="ＭＳ Ｐゴシック" charset="0"/>
-              </a:defRPr>
-            </a:lvl4pPr>
-            <a:lvl5pPr marL="2057400" indent="-228600" eaLnBrk="0" hangingPunct="0">
-              <a:defRPr sz="2400">
-                <a:solidFill>
-                  <a:schemeClr val="tx1"/>
-                </a:solidFill>
-                <a:latin typeface="Arial" charset="0"/>
-                <a:ea typeface="ＭＳ Ｐゴシック" charset="0"/>
-              </a:defRPr>
-            </a:lvl5pPr>
-            <a:lvl6pPr marL="2514600" indent="-228600" eaLnBrk="0" fontAlgn="base" hangingPunct="0">
-              <a:spcBef>
-                <a:spcPct val="0"/>
-              </a:spcBef>
-              <a:spcAft>
-                <a:spcPct val="0"/>
-              </a:spcAft>
-              <a:defRPr sz="2400">
-                <a:solidFill>
-                  <a:schemeClr val="tx1"/>
-                </a:solidFill>
-                <a:latin typeface="Arial" charset="0"/>
-                <a:ea typeface="ＭＳ Ｐゴシック" charset="0"/>
-              </a:defRPr>
-            </a:lvl6pPr>
-            <a:lvl7pPr marL="2971800" indent="-228600" eaLnBrk="0" fontAlgn="base" hangingPunct="0">
-              <a:spcBef>
-                <a:spcPct val="0"/>
-              </a:spcBef>
-              <a:spcAft>
-                <a:spcPct val="0"/>
-              </a:spcAft>
-              <a:defRPr sz="2400">
-                <a:solidFill>
-                  <a:schemeClr val="tx1"/>
-                </a:solidFill>
-                <a:latin typeface="Arial" charset="0"/>
-                <a:ea typeface="ＭＳ Ｐゴシック" charset="0"/>
-              </a:defRPr>
-            </a:lvl7pPr>
-            <a:lvl8pPr marL="3429000" indent="-228600" eaLnBrk="0" fontAlgn="base" hangingPunct="0">
-              <a:spcBef>
-                <a:spcPct val="0"/>
-              </a:spcBef>
-              <a:spcAft>
-                <a:spcPct val="0"/>
-              </a:spcAft>
-              <a:defRPr sz="2400">
-                <a:solidFill>
-                  <a:schemeClr val="tx1"/>
-                </a:solidFill>
-                <a:latin typeface="Arial" charset="0"/>
-                <a:ea typeface="ＭＳ Ｐゴシック" charset="0"/>
-              </a:defRPr>
-            </a:lvl8pPr>
-            <a:lvl9pPr marL="3886200" indent="-228600" eaLnBrk="0" fontAlgn="base" hangingPunct="0">
-              <a:spcBef>
-                <a:spcPct val="0"/>
-              </a:spcBef>
-              <a:spcAft>
-                <a:spcPct val="0"/>
-              </a:spcAft>
-              <a:defRPr sz="2400">
-                <a:solidFill>
-                  <a:schemeClr val="tx1"/>
-                </a:solidFill>
-                <a:latin typeface="Arial" charset="0"/>
-                <a:ea typeface="ＭＳ Ｐゴシック" charset="0"/>
-              </a:defRPr>
-            </a:lvl9pPr>
-          </a:lstStyle>
-          <a:p>
-            <a:pPr eaLnBrk="1" hangingPunct="1"/>
-            <a:r>
-              <a:rPr lang="en-US" sz="1200" dirty="0">
-                <a:latin typeface="Times New Roman" charset="0"/>
-              </a:rPr>
-              <a:t>Copyright © 2012 Pearson Education, Inc.</a:t>
-            </a:r>
-          </a:p>
-        </p:txBody>
-      </p:sp>
-      <p:sp>
-        <p:nvSpPr>
-          <p:cNvPr id="40963" name="TextBox 5"/>
-          <p:cNvSpPr txBox="1">
-            <a:spLocks noChangeArrowheads="1"/>
-          </p:cNvSpPr>
-          <p:nvPr/>
-        </p:nvSpPr>
-        <p:spPr bwMode="auto">
-          <a:xfrm>
-            <a:off x="304800" y="1447800"/>
-            <a:ext cx="8610600" cy="1384300"/>
-          </a:xfrm>
-          <a:prstGeom prst="rect">
-            <a:avLst/>
-          </a:prstGeom>
-          <a:noFill/>
-          <a:ln>
-            <a:noFill/>
-          </a:ln>
-          <a:extLst>
-            <a:ext uri="{909E8E84-426E-40dd-AFC4-6F175D3DCCD1}">
-              <a14:hiddenFill xmlns:a14="http://schemas.microsoft.com/office/drawing/2010/main">
-                <a:solidFill>
-                  <a:srgbClr val="FFFFFF"/>
-                </a:solidFill>
-              </a14:hiddenFill>
-            </a:ext>
-            <a:ext uri="{91240B29-F687-4f45-9708-019B960494DF}">
-              <a14:hiddenLine xmlns:a14="http://schemas.microsoft.com/office/drawing/2010/main" w="9525">
-                <a:solidFill>
-                  <a:srgbClr val="000000"/>
-                </a:solidFill>
-                <a:miter lim="800000"/>
-                <a:headEnd/>
-                <a:tailEnd/>
-              </a14:hiddenLine>
-            </a:ext>
-          </a:extLst>
-        </p:spPr>
-        <p:txBody>
-          <a:bodyPr>
-            <a:spAutoFit/>
-          </a:bodyPr>
-          <a:lstStyle>
-            <a:lvl1pPr eaLnBrk="0" hangingPunct="0">
-              <a:defRPr sz="2400">
-                <a:solidFill>
-                  <a:schemeClr val="tx1"/>
-                </a:solidFill>
-                <a:latin typeface="Arial" charset="0"/>
-                <a:ea typeface="ＭＳ Ｐゴシック" charset="0"/>
-                <a:cs typeface="ＭＳ Ｐゴシック" charset="0"/>
-              </a:defRPr>
-            </a:lvl1pPr>
-            <a:lvl2pPr marL="742950" indent="-285750" eaLnBrk="0" hangingPunct="0">
-              <a:defRPr sz="2400">
-                <a:solidFill>
-                  <a:schemeClr val="tx1"/>
-                </a:solidFill>
-                <a:latin typeface="Arial" charset="0"/>
-                <a:ea typeface="ＭＳ Ｐゴシック" charset="0"/>
-              </a:defRPr>
-            </a:lvl2pPr>
-            <a:lvl3pPr marL="1143000" indent="-228600" eaLnBrk="0" hangingPunct="0">
-              <a:defRPr sz="2400">
-                <a:solidFill>
-                  <a:schemeClr val="tx1"/>
-                </a:solidFill>
-                <a:latin typeface="Arial" charset="0"/>
-                <a:ea typeface="ＭＳ Ｐゴシック" charset="0"/>
-              </a:defRPr>
-            </a:lvl3pPr>
-            <a:lvl4pPr marL="1600200" indent="-228600" eaLnBrk="0" hangingPunct="0">
-              <a:defRPr sz="2400">
-                <a:solidFill>
-                  <a:schemeClr val="tx1"/>
-                </a:solidFill>
-                <a:latin typeface="Arial" charset="0"/>
-                <a:ea typeface="ＭＳ Ｐゴシック" charset="0"/>
-              </a:defRPr>
-            </a:lvl4pPr>
-            <a:lvl5pPr marL="2057400" indent="-228600" eaLnBrk="0" hangingPunct="0">
-              <a:defRPr sz="2400">
-                <a:solidFill>
-                  <a:schemeClr val="tx1"/>
-                </a:solidFill>
-                <a:latin typeface="Arial" charset="0"/>
-                <a:ea typeface="ＭＳ Ｐゴシック" charset="0"/>
-              </a:defRPr>
-            </a:lvl5pPr>
-            <a:lvl6pPr marL="2514600" indent="-228600" eaLnBrk="0" fontAlgn="base" hangingPunct="0">
-              <a:spcBef>
-                <a:spcPct val="0"/>
-              </a:spcBef>
-              <a:spcAft>
-                <a:spcPct val="0"/>
-              </a:spcAft>
-              <a:defRPr sz="2400">
-                <a:solidFill>
-                  <a:schemeClr val="tx1"/>
-                </a:solidFill>
-                <a:latin typeface="Arial" charset="0"/>
-                <a:ea typeface="ＭＳ Ｐゴシック" charset="0"/>
-              </a:defRPr>
-            </a:lvl6pPr>
-            <a:lvl7pPr marL="2971800" indent="-228600" eaLnBrk="0" fontAlgn="base" hangingPunct="0">
-              <a:spcBef>
-                <a:spcPct val="0"/>
-              </a:spcBef>
-              <a:spcAft>
-                <a:spcPct val="0"/>
-              </a:spcAft>
-              <a:defRPr sz="2400">
-                <a:solidFill>
-                  <a:schemeClr val="tx1"/>
-                </a:solidFill>
-                <a:latin typeface="Arial" charset="0"/>
-                <a:ea typeface="ＭＳ Ｐゴシック" charset="0"/>
-              </a:defRPr>
-            </a:lvl7pPr>
-            <a:lvl8pPr marL="3429000" indent="-228600" eaLnBrk="0" fontAlgn="base" hangingPunct="0">
-              <a:spcBef>
-                <a:spcPct val="0"/>
-              </a:spcBef>
-              <a:spcAft>
-                <a:spcPct val="0"/>
-              </a:spcAft>
-              <a:defRPr sz="2400">
-                <a:solidFill>
-                  <a:schemeClr val="tx1"/>
-                </a:solidFill>
-                <a:latin typeface="Arial" charset="0"/>
-                <a:ea typeface="ＭＳ Ｐゴシック" charset="0"/>
-              </a:defRPr>
-            </a:lvl8pPr>
-            <a:lvl9pPr marL="3886200" indent="-228600" eaLnBrk="0" fontAlgn="base" hangingPunct="0">
-              <a:spcBef>
-                <a:spcPct val="0"/>
-              </a:spcBef>
-              <a:spcAft>
-                <a:spcPct val="0"/>
-              </a:spcAft>
-              <a:defRPr sz="2400">
-                <a:solidFill>
-                  <a:schemeClr val="tx1"/>
-                </a:solidFill>
-                <a:latin typeface="Arial" charset="0"/>
-                <a:ea typeface="ＭＳ Ｐゴシック" charset="0"/>
-              </a:defRPr>
-            </a:lvl9pPr>
-          </a:lstStyle>
-          <a:p>
-            <a:pPr eaLnBrk="1" hangingPunct="1"/>
-            <a:r>
-              <a:rPr lang="en-US" sz="2800" dirty="0">
-                <a:latin typeface="Calibri"/>
-                <a:cs typeface="Calibri"/>
-              </a:rPr>
-              <a:t>If </a:t>
-            </a:r>
-            <a:r>
-              <a:rPr lang="en-US" sz="2800" dirty="0" err="1">
-                <a:latin typeface="Courier"/>
-                <a:cs typeface="Courier"/>
-              </a:rPr>
-              <a:t>MusicPlayer</a:t>
-            </a:r>
-            <a:r>
-              <a:rPr lang="en-US" sz="2800" dirty="0">
-                <a:latin typeface="Calibri"/>
-                <a:cs typeface="Calibri"/>
-              </a:rPr>
-              <a:t> is the parent of </a:t>
-            </a:r>
-            <a:r>
-              <a:rPr lang="en-US" sz="2800" dirty="0" err="1">
-                <a:latin typeface="Courier"/>
-                <a:cs typeface="Courier"/>
-              </a:rPr>
-              <a:t>CDPlayer</a:t>
-            </a:r>
-            <a:r>
-              <a:rPr lang="en-US" sz="2800" dirty="0">
-                <a:latin typeface="Calibri"/>
-                <a:cs typeface="Calibri"/>
-              </a:rPr>
-              <a:t>, are the following assignments valid?</a:t>
-            </a:r>
-          </a:p>
-          <a:p>
-            <a:pPr eaLnBrk="1" hangingPunct="1"/>
-            <a:endParaRPr lang="en-US" sz="2800" dirty="0"/>
-          </a:p>
-        </p:txBody>
-      </p:sp>
-      <p:sp>
-        <p:nvSpPr>
-          <p:cNvPr id="41990" name="TextBox 6"/>
-          <p:cNvSpPr txBox="1">
-            <a:spLocks noChangeArrowheads="1"/>
-          </p:cNvSpPr>
-          <p:nvPr/>
-        </p:nvSpPr>
-        <p:spPr bwMode="auto">
-          <a:xfrm>
-            <a:off x="533400" y="2667000"/>
-            <a:ext cx="7215188" cy="2032000"/>
-          </a:xfrm>
-          <a:prstGeom prst="rect">
-            <a:avLst/>
-          </a:prstGeom>
-          <a:noFill/>
-          <a:ln>
-            <a:noFill/>
-          </a:ln>
-          <a:extLst>
-            <a:ext uri="{909E8E84-426E-40dd-AFC4-6F175D3DCCD1}">
-              <a14:hiddenFill xmlns:a14="http://schemas.microsoft.com/office/drawing/2010/main">
-                <a:solidFill>
-                  <a:srgbClr val="FFFFFF"/>
-                </a:solidFill>
-              </a14:hiddenFill>
-            </a:ext>
-            <a:ext uri="{91240B29-F687-4f45-9708-019B960494DF}">
-              <a14:hiddenLine xmlns:a14="http://schemas.microsoft.com/office/drawing/2010/main" w="9525">
-                <a:solidFill>
-                  <a:srgbClr val="000000"/>
-                </a:solidFill>
-                <a:miter lim="800000"/>
-                <a:headEnd/>
-                <a:tailEnd/>
-              </a14:hiddenLine>
-            </a:ext>
-          </a:extLst>
-        </p:spPr>
-        <p:txBody>
-          <a:bodyPr wrap="none">
-            <a:spAutoFit/>
-          </a:bodyPr>
-          <a:lstStyle>
-            <a:lvl1pPr eaLnBrk="0" hangingPunct="0">
-              <a:defRPr sz="2400">
-                <a:solidFill>
-                  <a:schemeClr val="tx1"/>
-                </a:solidFill>
-                <a:latin typeface="Arial" charset="0"/>
-                <a:ea typeface="ＭＳ Ｐゴシック" charset="0"/>
-                <a:cs typeface="ＭＳ Ｐゴシック" charset="0"/>
-              </a:defRPr>
-            </a:lvl1pPr>
-            <a:lvl2pPr marL="742950" indent="-285750" eaLnBrk="0" hangingPunct="0">
-              <a:defRPr sz="2400">
-                <a:solidFill>
-                  <a:schemeClr val="tx1"/>
-                </a:solidFill>
-                <a:latin typeface="Arial" charset="0"/>
-                <a:ea typeface="ＭＳ Ｐゴシック" charset="0"/>
-              </a:defRPr>
-            </a:lvl2pPr>
-            <a:lvl3pPr marL="1143000" indent="-228600" eaLnBrk="0" hangingPunct="0">
-              <a:defRPr sz="2400">
-                <a:solidFill>
-                  <a:schemeClr val="tx1"/>
-                </a:solidFill>
-                <a:latin typeface="Arial" charset="0"/>
-                <a:ea typeface="ＭＳ Ｐゴシック" charset="0"/>
-              </a:defRPr>
-            </a:lvl3pPr>
-            <a:lvl4pPr marL="1600200" indent="-228600" eaLnBrk="0" hangingPunct="0">
-              <a:defRPr sz="2400">
-                <a:solidFill>
-                  <a:schemeClr val="tx1"/>
-                </a:solidFill>
-                <a:latin typeface="Arial" charset="0"/>
-                <a:ea typeface="ＭＳ Ｐゴシック" charset="0"/>
-              </a:defRPr>
-            </a:lvl4pPr>
-            <a:lvl5pPr marL="2057400" indent="-228600" eaLnBrk="0" hangingPunct="0">
-              <a:defRPr sz="2400">
-                <a:solidFill>
-                  <a:schemeClr val="tx1"/>
-                </a:solidFill>
-                <a:latin typeface="Arial" charset="0"/>
-                <a:ea typeface="ＭＳ Ｐゴシック" charset="0"/>
-              </a:defRPr>
-            </a:lvl5pPr>
-            <a:lvl6pPr marL="2514600" indent="-228600" eaLnBrk="0" fontAlgn="base" hangingPunct="0">
-              <a:spcBef>
-                <a:spcPct val="0"/>
-              </a:spcBef>
-              <a:spcAft>
-                <a:spcPct val="0"/>
-              </a:spcAft>
-              <a:defRPr sz="2400">
-                <a:solidFill>
-                  <a:schemeClr val="tx1"/>
-                </a:solidFill>
-                <a:latin typeface="Arial" charset="0"/>
-                <a:ea typeface="ＭＳ Ｐゴシック" charset="0"/>
-              </a:defRPr>
-            </a:lvl6pPr>
-            <a:lvl7pPr marL="2971800" indent="-228600" eaLnBrk="0" fontAlgn="base" hangingPunct="0">
-              <a:spcBef>
-                <a:spcPct val="0"/>
-              </a:spcBef>
-              <a:spcAft>
-                <a:spcPct val="0"/>
-              </a:spcAft>
-              <a:defRPr sz="2400">
-                <a:solidFill>
-                  <a:schemeClr val="tx1"/>
-                </a:solidFill>
-                <a:latin typeface="Arial" charset="0"/>
-                <a:ea typeface="ＭＳ Ｐゴシック" charset="0"/>
-              </a:defRPr>
-            </a:lvl7pPr>
-            <a:lvl8pPr marL="3429000" indent="-228600" eaLnBrk="0" fontAlgn="base" hangingPunct="0">
-              <a:spcBef>
-                <a:spcPct val="0"/>
-              </a:spcBef>
-              <a:spcAft>
-                <a:spcPct val="0"/>
-              </a:spcAft>
-              <a:defRPr sz="2400">
-                <a:solidFill>
-                  <a:schemeClr val="tx1"/>
-                </a:solidFill>
-                <a:latin typeface="Arial" charset="0"/>
-                <a:ea typeface="ＭＳ Ｐゴシック" charset="0"/>
-              </a:defRPr>
-            </a:lvl8pPr>
-            <a:lvl9pPr marL="3886200" indent="-228600" eaLnBrk="0" fontAlgn="base" hangingPunct="0">
-              <a:spcBef>
-                <a:spcPct val="0"/>
-              </a:spcBef>
-              <a:spcAft>
-                <a:spcPct val="0"/>
-              </a:spcAft>
-              <a:defRPr sz="2400">
-                <a:solidFill>
-                  <a:schemeClr val="tx1"/>
-                </a:solidFill>
-                <a:latin typeface="Arial" charset="0"/>
-                <a:ea typeface="ＭＳ Ｐゴシック" charset="0"/>
-              </a:defRPr>
-            </a:lvl9pPr>
-          </a:lstStyle>
-          <a:p>
-            <a:pPr eaLnBrk="1" hangingPunct="1">
-              <a:spcAft>
-                <a:spcPts val="1200"/>
-              </a:spcAft>
-            </a:pPr>
-            <a:r>
-              <a:rPr lang="en-US" b="1" dirty="0" err="1">
-                <a:latin typeface="Courier New" charset="0"/>
-                <a:cs typeface="Courier New" charset="0"/>
-              </a:rPr>
-              <a:t>MusicPlayer</a:t>
-            </a:r>
-            <a:r>
-              <a:rPr lang="en-US" b="1" dirty="0">
-                <a:latin typeface="Courier New" charset="0"/>
-                <a:cs typeface="Courier New" charset="0"/>
-              </a:rPr>
-              <a:t> </a:t>
-            </a:r>
-            <a:r>
-              <a:rPr lang="en-US" b="1" dirty="0" err="1">
-                <a:latin typeface="Courier New" charset="0"/>
-                <a:cs typeface="Courier New" charset="0"/>
-              </a:rPr>
-              <a:t>mplayer</a:t>
-            </a:r>
-            <a:r>
-              <a:rPr lang="en-US" b="1" dirty="0">
-                <a:latin typeface="Courier New" charset="0"/>
-                <a:cs typeface="Courier New" charset="0"/>
-              </a:rPr>
-              <a:t> = new </a:t>
-            </a:r>
-            <a:r>
-              <a:rPr lang="en-US" b="1" dirty="0" err="1">
-                <a:latin typeface="Courier New" charset="0"/>
-                <a:cs typeface="Courier New" charset="0"/>
-              </a:rPr>
-              <a:t>CDPlayer</a:t>
-            </a:r>
-            <a:r>
-              <a:rPr lang="en-US" b="1" dirty="0">
-                <a:latin typeface="Courier New" charset="0"/>
-                <a:cs typeface="Courier New" charset="0"/>
-              </a:rPr>
-              <a:t>();</a:t>
-            </a:r>
-          </a:p>
-          <a:p>
-            <a:pPr eaLnBrk="1" hangingPunct="1">
-              <a:spcAft>
-                <a:spcPts val="1200"/>
-              </a:spcAft>
-            </a:pPr>
-            <a:endParaRPr lang="en-US" b="1" dirty="0">
-              <a:latin typeface="Courier New" charset="0"/>
-              <a:cs typeface="Courier New" charset="0"/>
-            </a:endParaRPr>
-          </a:p>
-          <a:p>
-            <a:pPr eaLnBrk="1" hangingPunct="1">
-              <a:spcAft>
-                <a:spcPts val="1200"/>
-              </a:spcAft>
-            </a:pPr>
-            <a:endParaRPr lang="en-US" b="1" dirty="0">
-              <a:latin typeface="Courier New" charset="0"/>
-              <a:cs typeface="Courier New" charset="0"/>
-            </a:endParaRPr>
-          </a:p>
-          <a:p>
-            <a:pPr eaLnBrk="1" hangingPunct="1">
-              <a:spcAft>
-                <a:spcPts val="1200"/>
-              </a:spcAft>
-            </a:pPr>
-            <a:r>
-              <a:rPr lang="en-US" b="1" dirty="0" err="1">
-                <a:latin typeface="Courier New" charset="0"/>
-                <a:cs typeface="Courier New" charset="0"/>
-              </a:rPr>
-              <a:t>CDPlayer</a:t>
-            </a:r>
-            <a:r>
-              <a:rPr lang="en-US" b="1" dirty="0">
-                <a:latin typeface="Courier New" charset="0"/>
-                <a:cs typeface="Courier New" charset="0"/>
-              </a:rPr>
-              <a:t> </a:t>
-            </a:r>
-            <a:r>
-              <a:rPr lang="en-US" b="1" dirty="0" err="1">
-                <a:latin typeface="Courier New" charset="0"/>
-                <a:cs typeface="Courier New" charset="0"/>
-              </a:rPr>
-              <a:t>cdplayer</a:t>
-            </a:r>
-            <a:r>
-              <a:rPr lang="en-US" b="1" dirty="0">
-                <a:latin typeface="Courier New" charset="0"/>
-                <a:cs typeface="Courier New" charset="0"/>
-              </a:rPr>
-              <a:t> = new </a:t>
-            </a:r>
-            <a:r>
-              <a:rPr lang="en-US" b="1" dirty="0" err="1">
-                <a:latin typeface="Courier New" charset="0"/>
-                <a:cs typeface="Courier New" charset="0"/>
-              </a:rPr>
-              <a:t>MusicPlayer</a:t>
-            </a:r>
-            <a:r>
-              <a:rPr lang="en-US" b="1" dirty="0">
-                <a:latin typeface="Courier New" charset="0"/>
-                <a:cs typeface="Courier New" charset="0"/>
-              </a:rPr>
-              <a:t>();</a:t>
-            </a:r>
-          </a:p>
-        </p:txBody>
-      </p:sp>
-      <p:sp>
-        <p:nvSpPr>
-          <p:cNvPr id="6" name="TextBox 6"/>
-          <p:cNvSpPr txBox="1">
-            <a:spLocks noChangeArrowheads="1"/>
-          </p:cNvSpPr>
-          <p:nvPr/>
-        </p:nvSpPr>
-        <p:spPr bwMode="auto">
-          <a:xfrm>
-            <a:off x="977900" y="3229769"/>
-            <a:ext cx="7143978" cy="2939266"/>
-          </a:xfrm>
-          <a:prstGeom prst="rect">
-            <a:avLst/>
-          </a:prstGeom>
-          <a:noFill/>
-          <a:ln>
-            <a:noFill/>
-          </a:ln>
-          <a:extLst>
-            <a:ext uri="{909E8E84-426E-40dd-AFC4-6F175D3DCCD1}">
-              <a14:hiddenFill xmlns:a14="http://schemas.microsoft.com/office/drawing/2010/main">
-                <a:solidFill>
-                  <a:srgbClr val="FFFFFF"/>
-                </a:solidFill>
-              </a14:hiddenFill>
-            </a:ext>
-            <a:ext uri="{91240B29-F687-4f45-9708-019B960494DF}">
-              <a14:hiddenLine xmlns:a14="http://schemas.microsoft.com/office/drawing/2010/main" w="9525">
-                <a:solidFill>
-                  <a:srgbClr val="000000"/>
-                </a:solidFill>
-                <a:miter lim="800000"/>
-                <a:headEnd/>
-                <a:tailEnd/>
-              </a14:hiddenLine>
-            </a:ext>
-          </a:extLst>
-        </p:spPr>
-        <p:txBody>
-          <a:bodyPr wrap="none">
-            <a:spAutoFit/>
-          </a:bodyPr>
-          <a:lstStyle>
-            <a:lvl1pPr eaLnBrk="0" hangingPunct="0">
-              <a:defRPr sz="2400">
-                <a:solidFill>
-                  <a:schemeClr val="tx1"/>
-                </a:solidFill>
-                <a:latin typeface="Arial" charset="0"/>
-                <a:ea typeface="ＭＳ Ｐゴシック" charset="0"/>
-                <a:cs typeface="ＭＳ Ｐゴシック" charset="0"/>
-              </a:defRPr>
-            </a:lvl1pPr>
-            <a:lvl2pPr marL="742950" indent="-285750" eaLnBrk="0" hangingPunct="0">
-              <a:defRPr sz="2400">
-                <a:solidFill>
-                  <a:schemeClr val="tx1"/>
-                </a:solidFill>
-                <a:latin typeface="Arial" charset="0"/>
-                <a:ea typeface="ＭＳ Ｐゴシック" charset="0"/>
-              </a:defRPr>
-            </a:lvl2pPr>
-            <a:lvl3pPr marL="1143000" indent="-228600" eaLnBrk="0" hangingPunct="0">
-              <a:defRPr sz="2400">
-                <a:solidFill>
-                  <a:schemeClr val="tx1"/>
-                </a:solidFill>
-                <a:latin typeface="Arial" charset="0"/>
-                <a:ea typeface="ＭＳ Ｐゴシック" charset="0"/>
-              </a:defRPr>
-            </a:lvl3pPr>
-            <a:lvl4pPr marL="1600200" indent="-228600" eaLnBrk="0" hangingPunct="0">
-              <a:defRPr sz="2400">
-                <a:solidFill>
-                  <a:schemeClr val="tx1"/>
-                </a:solidFill>
-                <a:latin typeface="Arial" charset="0"/>
-                <a:ea typeface="ＭＳ Ｐゴシック" charset="0"/>
-              </a:defRPr>
-            </a:lvl4pPr>
-            <a:lvl5pPr marL="2057400" indent="-228600" eaLnBrk="0" hangingPunct="0">
-              <a:defRPr sz="2400">
-                <a:solidFill>
-                  <a:schemeClr val="tx1"/>
-                </a:solidFill>
-                <a:latin typeface="Arial" charset="0"/>
-                <a:ea typeface="ＭＳ Ｐゴシック" charset="0"/>
-              </a:defRPr>
-            </a:lvl5pPr>
-            <a:lvl6pPr marL="2514600" indent="-228600" eaLnBrk="0" fontAlgn="base" hangingPunct="0">
-              <a:spcBef>
-                <a:spcPct val="0"/>
-              </a:spcBef>
-              <a:spcAft>
-                <a:spcPct val="0"/>
-              </a:spcAft>
-              <a:defRPr sz="2400">
-                <a:solidFill>
-                  <a:schemeClr val="tx1"/>
-                </a:solidFill>
-                <a:latin typeface="Arial" charset="0"/>
-                <a:ea typeface="ＭＳ Ｐゴシック" charset="0"/>
-              </a:defRPr>
-            </a:lvl6pPr>
-            <a:lvl7pPr marL="2971800" indent="-228600" eaLnBrk="0" fontAlgn="base" hangingPunct="0">
-              <a:spcBef>
-                <a:spcPct val="0"/>
-              </a:spcBef>
-              <a:spcAft>
-                <a:spcPct val="0"/>
-              </a:spcAft>
-              <a:defRPr sz="2400">
-                <a:solidFill>
-                  <a:schemeClr val="tx1"/>
-                </a:solidFill>
-                <a:latin typeface="Arial" charset="0"/>
-                <a:ea typeface="ＭＳ Ｐゴシック" charset="0"/>
-              </a:defRPr>
-            </a:lvl7pPr>
-            <a:lvl8pPr marL="3429000" indent="-228600" eaLnBrk="0" fontAlgn="base" hangingPunct="0">
-              <a:spcBef>
-                <a:spcPct val="0"/>
-              </a:spcBef>
-              <a:spcAft>
-                <a:spcPct val="0"/>
-              </a:spcAft>
-              <a:defRPr sz="2400">
-                <a:solidFill>
-                  <a:schemeClr val="tx1"/>
-                </a:solidFill>
-                <a:latin typeface="Arial" charset="0"/>
-                <a:ea typeface="ＭＳ Ｐゴシック" charset="0"/>
-              </a:defRPr>
-            </a:lvl8pPr>
-            <a:lvl9pPr marL="3886200" indent="-228600" eaLnBrk="0" fontAlgn="base" hangingPunct="0">
-              <a:spcBef>
-                <a:spcPct val="0"/>
-              </a:spcBef>
-              <a:spcAft>
-                <a:spcPct val="0"/>
-              </a:spcAft>
-              <a:defRPr sz="2400">
-                <a:solidFill>
-                  <a:schemeClr val="tx1"/>
-                </a:solidFill>
-                <a:latin typeface="Arial" charset="0"/>
-                <a:ea typeface="ＭＳ Ｐゴシック" charset="0"/>
-              </a:defRPr>
-            </a:lvl9pPr>
-          </a:lstStyle>
-          <a:p>
-            <a:pPr eaLnBrk="1" hangingPunct="1">
-              <a:spcAft>
-                <a:spcPts val="4200"/>
-              </a:spcAft>
-            </a:pPr>
-            <a:r>
-              <a:rPr lang="en-US" sz="2800" dirty="0">
-                <a:latin typeface="Calibri"/>
-                <a:cs typeface="Calibri"/>
-              </a:rPr>
-              <a:t>Yes, because a </a:t>
-            </a:r>
-            <a:r>
-              <a:rPr lang="en-US" sz="2800" dirty="0" err="1">
-                <a:latin typeface="Courier"/>
-                <a:cs typeface="Courier"/>
-              </a:rPr>
-              <a:t>CDPlayer</a:t>
-            </a:r>
-            <a:r>
-              <a:rPr lang="en-US" sz="2800" dirty="0">
-                <a:latin typeface="Calibri"/>
-                <a:cs typeface="Calibri"/>
-              </a:rPr>
-              <a:t> is-a </a:t>
-            </a:r>
-            <a:r>
-              <a:rPr lang="en-US" sz="2800" dirty="0" err="1">
-                <a:latin typeface="Courier"/>
-                <a:cs typeface="Courier"/>
-              </a:rPr>
-              <a:t>MusicPlayer</a:t>
-            </a:r>
-            <a:endParaRPr lang="en-US" sz="2800" dirty="0">
-              <a:latin typeface="Courier"/>
-              <a:cs typeface="Courier"/>
-            </a:endParaRPr>
-          </a:p>
-          <a:p>
-            <a:pPr eaLnBrk="1" hangingPunct="1">
-              <a:spcAft>
-                <a:spcPts val="1200"/>
-              </a:spcAft>
-            </a:pPr>
-            <a:endParaRPr lang="en-US" sz="2800" dirty="0">
-              <a:cs typeface="Courier New" charset="0"/>
-            </a:endParaRPr>
-          </a:p>
-          <a:p>
-            <a:pPr eaLnBrk="1" hangingPunct="1"/>
-            <a:r>
-              <a:rPr lang="en-US" sz="2800" dirty="0">
-                <a:latin typeface="Calibri"/>
-                <a:cs typeface="Calibri"/>
-              </a:rPr>
-              <a:t>No, you'd have to use a cast (and you shouldn't</a:t>
-            </a:r>
-          </a:p>
-          <a:p>
-            <a:pPr eaLnBrk="1" hangingPunct="1"/>
-            <a:r>
-              <a:rPr lang="en-US" sz="2800" dirty="0">
-                <a:latin typeface="Calibri"/>
-                <a:cs typeface="Calibri"/>
-              </a:rPr>
-              <a:t>knowingly assign a super class object to a</a:t>
-            </a:r>
-          </a:p>
-          <a:p>
-            <a:pPr eaLnBrk="1" hangingPunct="1">
-              <a:spcAft>
-                <a:spcPts val="1200"/>
-              </a:spcAft>
-            </a:pPr>
-            <a:r>
-              <a:rPr lang="en-US" sz="2800" dirty="0">
-                <a:latin typeface="Calibri"/>
-                <a:cs typeface="Calibri"/>
-              </a:rPr>
-              <a:t>subclass reference)</a:t>
-            </a:r>
-          </a:p>
-        </p:txBody>
-      </p:sp>
-    </p:spTree>
-    <p:extLst>
-      <p:ext uri="{BB962C8B-B14F-4D97-AF65-F5344CB8AC3E}">
-        <p14:creationId xmlns:p14="http://schemas.microsoft.com/office/powerpoint/2010/main" val="1622719376"/>
-      </p:ext>
-    </p:extLst>
-  </p:cSld>
-  <p:clrMapOvr>
-    <a:masterClrMapping/>
-  </p:clrMapOvr>
-  <p:transition xmlns:p14="http://schemas.microsoft.com/office/powerpoint/2010/main"/>
-  <p:timing>
-    <p:tnLst>
-      <p:par>
-        <p:cTn xmlns:p14="http://schemas.microsoft.com/office/powerpoint/2010/main" id="1" dur="indefinite" restart="never" nodeType="tmRoot">
-          <p:childTnLst>
-            <p:seq concurrent="1" nextAc="seek">
-              <p:cTn id="2" dur="indefinite" nodeType="mainSeq">
-                <p:childTnLst>
-                  <p:par>
-                    <p:cTn id="3" fill="hold" nodeType="clickPar">
-                      <p:stCondLst>
-                        <p:cond delay="indefinite"/>
-                        <p:cond evt="onBegin" delay="0">
-                          <p:tn val="2"/>
-                        </p:cond>
-                      </p:stCondLst>
-                      <p:childTnLst>
-                        <p:par>
-                          <p:cTn id="4" fill="hold" nodeType="withGroup">
-                            <p:stCondLst>
-                              <p:cond delay="0"/>
-                            </p:stCondLst>
-                            <p:childTnLst>
-                              <p:par>
-                                <p:cTn id="5" presetID="2" presetClass="entr" presetSubtype="2" accel="50000" decel="50000" fill="hold" grpId="0" nodeType="afterEffect">
-                                  <p:stCondLst>
-                                    <p:cond delay="0"/>
-                                  </p:stCondLst>
-                                  <p:childTnLst>
-                                    <p:set>
-                                      <p:cBhvr>
-                                        <p:cTn id="6" dur="1" fill="hold">
-                                          <p:stCondLst>
-                                            <p:cond delay="0"/>
-                                          </p:stCondLst>
-                                        </p:cTn>
-                                        <p:tgtEl>
-                                          <p:spTgt spid="41990"/>
-                                        </p:tgtEl>
-                                        <p:attrNameLst>
-                                          <p:attrName>style.visibility</p:attrName>
-                                        </p:attrNameLst>
-                                      </p:cBhvr>
-                                      <p:to>
-                                        <p:strVal val="visible"/>
-                                      </p:to>
-                                    </p:set>
-                                    <p:anim calcmode="lin" valueType="num">
-                                      <p:cBhvr additive="base">
-                                        <p:cTn id="7" dur="500" fill="hold"/>
-                                        <p:tgtEl>
-                                          <p:spTgt spid="41990"/>
-                                        </p:tgtEl>
-                                        <p:attrNameLst>
-                                          <p:attrName>ppt_x</p:attrName>
-                                        </p:attrNameLst>
-                                      </p:cBhvr>
-                                      <p:tavLst>
-                                        <p:tav tm="0">
-                                          <p:val>
-                                            <p:strVal val="1+#ppt_w/2"/>
-                                          </p:val>
-                                        </p:tav>
-                                        <p:tav tm="100000">
-                                          <p:val>
-                                            <p:strVal val="#ppt_x"/>
-                                          </p:val>
-                                        </p:tav>
-                                      </p:tavLst>
-                                    </p:anim>
-                                    <p:anim calcmode="lin" valueType="num">
-                                      <p:cBhvr additive="base">
-                                        <p:cTn id="8" dur="500" fill="hold"/>
-                                        <p:tgtEl>
-                                          <p:spTgt spid="41990"/>
-                                        </p:tgtEl>
-                                        <p:attrNameLst>
-                                          <p:attrName>ppt_y</p:attrName>
-                                        </p:attrNameLst>
-                                      </p:cBhvr>
-                                      <p:tavLst>
-                                        <p:tav tm="0">
-                                          <p:val>
-                                            <p:strVal val="#ppt_y"/>
-                                          </p:val>
-                                        </p:tav>
-                                        <p:tav tm="100000">
-                                          <p:val>
-                                            <p:strVal val="#ppt_y"/>
-                                          </p:val>
-                                        </p:tav>
-                                      </p:tavLst>
-                                    </p:anim>
-                                  </p:childTnLst>
-                                </p:cTn>
-                              </p:par>
-                            </p:childTnLst>
-                          </p:cTn>
-                        </p:par>
-                        <p:par>
-                          <p:cTn id="9" fill="hold">
-                            <p:stCondLst>
-                              <p:cond delay="500"/>
-                            </p:stCondLst>
-                            <p:childTnLst>
-                              <p:par>
-                                <p:cTn id="10" presetID="2" presetClass="entr" presetSubtype="2" accel="50000" decel="50000" fill="hold" grpId="0" nodeType="afterEffect">
-                                  <p:stCondLst>
-                                    <p:cond delay="0"/>
-                                  </p:stCondLst>
-                                  <p:childTnLst>
-                                    <p:set>
-                                      <p:cBhvr>
-                                        <p:cTn id="11" dur="1" fill="hold">
-                                          <p:stCondLst>
-                                            <p:cond delay="0"/>
-                                          </p:stCondLst>
-                                        </p:cTn>
-                                        <p:tgtEl>
-                                          <p:spTgt spid="6"/>
-                                        </p:tgtEl>
-                                        <p:attrNameLst>
-                                          <p:attrName>style.visibility</p:attrName>
-                                        </p:attrNameLst>
-                                      </p:cBhvr>
-                                      <p:to>
-                                        <p:strVal val="visible"/>
-                                      </p:to>
-                                    </p:set>
-                                    <p:anim calcmode="lin" valueType="num">
-                                      <p:cBhvr additive="base">
-                                        <p:cTn id="12" dur="500" fill="hold"/>
-                                        <p:tgtEl>
-                                          <p:spTgt spid="6"/>
-                                        </p:tgtEl>
-                                        <p:attrNameLst>
-                                          <p:attrName>ppt_x</p:attrName>
-                                        </p:attrNameLst>
-                                      </p:cBhvr>
-                                      <p:tavLst>
-                                        <p:tav tm="0">
-                                          <p:val>
-                                            <p:strVal val="1+#ppt_w/2"/>
-                                          </p:val>
-                                        </p:tav>
-                                        <p:tav tm="100000">
-                                          <p:val>
-                                            <p:strVal val="#ppt_x"/>
-                                          </p:val>
-                                        </p:tav>
-                                      </p:tavLst>
-                                    </p:anim>
-                                    <p:anim calcmode="lin" valueType="num">
-                                      <p:cBhvr additive="base">
-                                        <p:cTn id="13" dur="500" fill="hold"/>
-                                        <p:tgtEl>
-                                          <p:spTgt spid="6"/>
-                                        </p:tgtEl>
-                                        <p:attrNameLst>
-                                          <p:attrName>ppt_y</p:attrName>
-                                        </p:attrNameLst>
-                                      </p:cBhvr>
-                                      <p:tavLst>
-                                        <p:tav tm="0">
-                                          <p:val>
-                                            <p:strVal val="#ppt_y"/>
-                                          </p:val>
-                                        </p:tav>
-                                        <p:tav tm="100000">
-                                          <p:val>
-                                            <p:strVal val="#ppt_y"/>
-                                          </p:val>
-                                        </p:tav>
-                                      </p:tavLst>
-                                    </p:anim>
-                                  </p:childTnLst>
-                                </p:cTn>
-                              </p:par>
-                            </p:childTnLst>
-                          </p:cTn>
-                        </p:par>
-                      </p:childTnLst>
-                    </p:cTn>
-                  </p:par>
-                </p:childTnLst>
-              </p:cTn>
-              <p:prevCondLst>
-                <p:cond evt="onPrev" delay="0">
-                  <p:tgtEl>
-                    <p:sldTgt/>
-                  </p:tgtEl>
-                </p:cond>
-              </p:prevCondLst>
-              <p:nextCondLst>
-                <p:cond evt="onNext" delay="0">
-                  <p:tgtEl>
-                    <p:sldTgt/>
-                  </p:tgtEl>
-                </p:cond>
-              </p:nextCondLst>
-            </p:seq>
-          </p:childTnLst>
-        </p:cTn>
-      </p:par>
-    </p:tnLst>
-    <p:bldLst>
-      <p:bldP spid="41990" grpId="0"/>
-      <p:bldP spid="6" grpId="0"/>
-    </p:bldLst>
-  </p:timing>
-</p:sld>
-</file>
-
-<file path=ppt/slides/slide18.xml><?xml version="1.0" encoding="utf-8"?>
 <p:sld xmlns:a="http://schemas.openxmlformats.org/drawingml/2006/main" xmlns:r="http://schemas.openxmlformats.org/officeDocument/2006/relationships" xmlns:p="http://schemas.openxmlformats.org/presentationml/2006/main">
   <p:cSld>
     <p:spTree>
@@ -9033,7 +8000,7 @@
 </p:sld>
 </file>
 
-<file path=ppt/slides/slide19.xml><?xml version="1.0" encoding="utf-8"?>
+<file path=ppt/slides/slide18.xml><?xml version="1.0" encoding="utf-8"?>
 <p:sld xmlns:a="http://schemas.openxmlformats.org/drawingml/2006/main" xmlns:r="http://schemas.openxmlformats.org/officeDocument/2006/relationships" xmlns:p="http://schemas.openxmlformats.org/presentationml/2006/main">
   <p:cSld>
     <p:spTree>
@@ -9137,34 +8104,18 @@
           </a:p>
           <a:p>
             <a:r>
+              <a:rPr lang="en-US" sz="2800" dirty="0" smtClean="0">
+                <a:latin typeface="Calibri"/>
+                <a:cs typeface="Calibri"/>
+              </a:rPr>
+              <a:t>Look </a:t>
+            </a:r>
+            <a:r>
               <a:rPr lang="en-US" sz="2800" dirty="0">
                 <a:latin typeface="Calibri"/>
                 <a:cs typeface="Calibri"/>
               </a:rPr>
-              <a:t>Load </a:t>
-            </a:r>
-            <a:r>
-              <a:rPr lang="en-US" sz="2800" dirty="0" err="1">
-                <a:latin typeface="Calibri"/>
-                <a:cs typeface="Calibri"/>
-              </a:rPr>
-              <a:t>DoME</a:t>
-            </a:r>
-            <a:r>
-              <a:rPr lang="en-US" sz="2800" dirty="0">
-                <a:latin typeface="Calibri"/>
-                <a:cs typeface="Calibri"/>
-              </a:rPr>
-              <a:t> projects from BB</a:t>
-            </a:r>
-          </a:p>
-          <a:p>
-            <a:r>
-              <a:rPr lang="en-US" sz="2800" dirty="0">
-                <a:latin typeface="Calibri"/>
-                <a:cs typeface="Calibri"/>
-              </a:rPr>
-              <a:t>Look at the print methods in DoMEv2</a:t>
+              <a:t>at the print methods in DoMEv2</a:t>
             </a:r>
           </a:p>
           <a:p>
@@ -9363,10 +8314,10 @@
                 <a:ea typeface="Arial" charset="0"/>
                 <a:cs typeface="Calibri"/>
               </a:rPr>
-              <a:t>= variable</a:t>
-            </a:r>
-            <a:r>
-              <a:rPr lang="ja-JP" altLang="en-US" dirty="0">
+              <a:t>= </a:t>
+            </a:r>
+            <a:r>
+              <a:rPr lang="en-US" dirty="0" smtClean="0">
                 <a:solidFill>
                   <a:schemeClr val="tx1"/>
                 </a:solidFill>
@@ -9374,9 +8325,31 @@
                 <a:ea typeface="Arial" charset="0"/>
                 <a:cs typeface="Calibri"/>
               </a:rPr>
+              <a:t>variable</a:t>
+            </a:r>
+            <a:r>
+              <a:rPr lang="en-US" dirty="0" smtClean="0">
+                <a:solidFill>
+                  <a:schemeClr val="tx1"/>
+                </a:solidFill>
+                <a:latin typeface="Calibri"/>
+                <a:ea typeface="Arial" charset="0"/>
+                <a:cs typeface="Calibri"/>
+              </a:rPr>
               <a:t>’</a:t>
             </a:r>
             <a:r>
+              <a:rPr lang="en-US" altLang="ja-JP" dirty="0" smtClean="0">
+                <a:solidFill>
+                  <a:schemeClr val="tx1"/>
+                </a:solidFill>
+                <a:latin typeface="Calibri"/>
+                <a:ea typeface="Arial" charset="0"/>
+                <a:cs typeface="Calibri"/>
+              </a:rPr>
+              <a:t>s </a:t>
+            </a:r>
+            <a:r>
               <a:rPr lang="en-US" altLang="ja-JP" dirty="0">
                 <a:solidFill>
                   <a:schemeClr val="tx1"/>
@@ -9385,7 +8358,7 @@
                 <a:ea typeface="Arial" charset="0"/>
                 <a:cs typeface="Calibri"/>
               </a:rPr>
-              <a:t>s declared type (Item)</a:t>
+              <a:t>declared type (Item)</a:t>
             </a:r>
           </a:p>
           <a:p>
@@ -9435,155 +8408,7 @@
 </p:sld>
 </file>
 
-<file path=ppt/slides/slide2.xml><?xml version="1.0" encoding="utf-8"?>
-<p:sld xmlns:a="http://schemas.openxmlformats.org/drawingml/2006/main" xmlns:r="http://schemas.openxmlformats.org/officeDocument/2006/relationships" xmlns:p="http://schemas.openxmlformats.org/presentationml/2006/main">
-  <p:cSld>
-    <p:spTree>
-      <p:nvGrpSpPr>
-        <p:cNvPr id="1" name=""/>
-        <p:cNvGrpSpPr/>
-        <p:nvPr/>
-      </p:nvGrpSpPr>
-      <p:grpSpPr>
-        <a:xfrm>
-          <a:off x="0" y="0"/>
-          <a:ext cx="0" cy="0"/>
-          <a:chOff x="0" y="0"/>
-          <a:chExt cx="0" cy="0"/>
-        </a:xfrm>
-      </p:grpSpPr>
-      <p:sp>
-        <p:nvSpPr>
-          <p:cNvPr id="28673" name="Title 1"/>
-          <p:cNvSpPr>
-            <a:spLocks noGrp="1"/>
-          </p:cNvSpPr>
-          <p:nvPr>
-            <p:ph type="title"/>
-          </p:nvPr>
-        </p:nvSpPr>
-        <p:spPr/>
-        <p:txBody>
-          <a:bodyPr/>
-          <a:lstStyle/>
-          <a:p>
-            <a:r>
-              <a:rPr lang="en-US" dirty="0">
-                <a:latin typeface="Calibri"/>
-                <a:cs typeface="Calibri"/>
-              </a:rPr>
-              <a:t>Example: </a:t>
-            </a:r>
-            <a:r>
-              <a:rPr lang="en-US" dirty="0" err="1">
-                <a:latin typeface="Calibri"/>
-                <a:cs typeface="Calibri"/>
-              </a:rPr>
-              <a:t>DoME</a:t>
-            </a:r>
-            <a:endParaRPr lang="en-US" dirty="0">
-              <a:latin typeface="Calibri"/>
-              <a:cs typeface="Calibri"/>
-            </a:endParaRPr>
-          </a:p>
-        </p:txBody>
-      </p:sp>
-      <p:sp>
-        <p:nvSpPr>
-          <p:cNvPr id="28674" name="Content Placeholder 2"/>
-          <p:cNvSpPr>
-            <a:spLocks noGrp="1"/>
-          </p:cNvSpPr>
-          <p:nvPr>
-            <p:ph idx="1"/>
-          </p:nvPr>
-        </p:nvSpPr>
-        <p:spPr/>
-        <p:txBody>
-          <a:bodyPr/>
-          <a:lstStyle/>
-          <a:p>
-            <a:r>
-              <a:rPr lang="en-US" dirty="0" err="1">
-                <a:latin typeface="Calibri"/>
-                <a:cs typeface="Calibri"/>
-              </a:rPr>
-              <a:t>DoME</a:t>
-            </a:r>
-            <a:r>
-              <a:rPr lang="en-US" dirty="0">
-                <a:latin typeface="Calibri"/>
-                <a:cs typeface="Calibri"/>
-              </a:rPr>
-              <a:t> = Database of Multimedia Entertainment</a:t>
-            </a:r>
-          </a:p>
-          <a:p>
-            <a:r>
-              <a:rPr lang="en-US" dirty="0">
-                <a:latin typeface="Calibri"/>
-                <a:cs typeface="Calibri"/>
-              </a:rPr>
-              <a:t>Load </a:t>
-            </a:r>
-            <a:r>
-              <a:rPr lang="en-US" dirty="0" err="1">
-                <a:latin typeface="Calibri"/>
-                <a:cs typeface="Calibri"/>
-              </a:rPr>
-              <a:t>DoME</a:t>
-            </a:r>
-            <a:r>
-              <a:rPr lang="en-US" dirty="0">
-                <a:latin typeface="Calibri"/>
-                <a:cs typeface="Calibri"/>
-              </a:rPr>
-              <a:t> projects </a:t>
-            </a:r>
-            <a:r>
-              <a:rPr lang="en-US" dirty="0" smtClean="0">
-                <a:latin typeface="Calibri"/>
-                <a:cs typeface="Calibri"/>
-              </a:rPr>
-              <a:t>from course web page</a:t>
-            </a:r>
-            <a:endParaRPr lang="en-US" dirty="0">
-              <a:latin typeface="Calibri"/>
-              <a:cs typeface="Calibri"/>
-            </a:endParaRPr>
-          </a:p>
-          <a:p>
-            <a:r>
-              <a:rPr lang="en-US" dirty="0">
-                <a:latin typeface="Calibri"/>
-                <a:cs typeface="Calibri"/>
-              </a:rPr>
-              <a:t>Look at DoMEv1: is there code duplication? Where?</a:t>
-            </a:r>
-          </a:p>
-        </p:txBody>
-      </p:sp>
-    </p:spTree>
-    <p:extLst>
-      <p:ext uri="{BB962C8B-B14F-4D97-AF65-F5344CB8AC3E}">
-        <p14:creationId xmlns:p14="http://schemas.microsoft.com/office/powerpoint/2010/main" val="1696481629"/>
-      </p:ext>
-    </p:extLst>
-  </p:cSld>
-  <p:clrMapOvr>
-    <a:masterClrMapping/>
-  </p:clrMapOvr>
-  <p:timing>
-    <p:tnLst>
-      <p:par>
-        <p:cTn xmlns:p14="http://schemas.microsoft.com/office/powerpoint/2010/main" id="1" dur="indefinite" restart="never" nodeType="tmRoot"/>
-      </p:par>
-    </p:tnLst>
-  </p:timing>
-</p:sld>
-</file>
-
-<file path=ppt/slides/slide20.xml><?xml version="1.0" encoding="utf-8"?>
+<file path=ppt/slides/slide19.xml><?xml version="1.0" encoding="utf-8"?>
 <p:sld xmlns:a="http://schemas.openxmlformats.org/drawingml/2006/main" xmlns:r="http://schemas.openxmlformats.org/officeDocument/2006/relationships" xmlns:p="http://schemas.openxmlformats.org/presentationml/2006/main">
   <p:cSld>
     <p:spTree>
@@ -10078,7 +8903,155 @@
 </p:sld>
 </file>
 
-<file path=ppt/slides/slide21.xml><?xml version="1.0" encoding="utf-8"?>
+<file path=ppt/slides/slide2.xml><?xml version="1.0" encoding="utf-8"?>
+<p:sld xmlns:a="http://schemas.openxmlformats.org/drawingml/2006/main" xmlns:r="http://schemas.openxmlformats.org/officeDocument/2006/relationships" xmlns:p="http://schemas.openxmlformats.org/presentationml/2006/main">
+  <p:cSld>
+    <p:spTree>
+      <p:nvGrpSpPr>
+        <p:cNvPr id="1" name=""/>
+        <p:cNvGrpSpPr/>
+        <p:nvPr/>
+      </p:nvGrpSpPr>
+      <p:grpSpPr>
+        <a:xfrm>
+          <a:off x="0" y="0"/>
+          <a:ext cx="0" cy="0"/>
+          <a:chOff x="0" y="0"/>
+          <a:chExt cx="0" cy="0"/>
+        </a:xfrm>
+      </p:grpSpPr>
+      <p:sp>
+        <p:nvSpPr>
+          <p:cNvPr id="28673" name="Title 1"/>
+          <p:cNvSpPr>
+            <a:spLocks noGrp="1"/>
+          </p:cNvSpPr>
+          <p:nvPr>
+            <p:ph type="title"/>
+          </p:nvPr>
+        </p:nvSpPr>
+        <p:spPr/>
+        <p:txBody>
+          <a:bodyPr/>
+          <a:lstStyle/>
+          <a:p>
+            <a:r>
+              <a:rPr lang="en-US" dirty="0">
+                <a:latin typeface="Calibri"/>
+                <a:cs typeface="Calibri"/>
+              </a:rPr>
+              <a:t>Example: </a:t>
+            </a:r>
+            <a:r>
+              <a:rPr lang="en-US" dirty="0" err="1">
+                <a:latin typeface="Calibri"/>
+                <a:cs typeface="Calibri"/>
+              </a:rPr>
+              <a:t>DoME</a:t>
+            </a:r>
+            <a:endParaRPr lang="en-US" dirty="0">
+              <a:latin typeface="Calibri"/>
+              <a:cs typeface="Calibri"/>
+            </a:endParaRPr>
+          </a:p>
+        </p:txBody>
+      </p:sp>
+      <p:sp>
+        <p:nvSpPr>
+          <p:cNvPr id="28674" name="Content Placeholder 2"/>
+          <p:cNvSpPr>
+            <a:spLocks noGrp="1"/>
+          </p:cNvSpPr>
+          <p:nvPr>
+            <p:ph idx="1"/>
+          </p:nvPr>
+        </p:nvSpPr>
+        <p:spPr/>
+        <p:txBody>
+          <a:bodyPr/>
+          <a:lstStyle/>
+          <a:p>
+            <a:r>
+              <a:rPr lang="en-US" dirty="0" err="1">
+                <a:latin typeface="Calibri"/>
+                <a:cs typeface="Calibri"/>
+              </a:rPr>
+              <a:t>DoME</a:t>
+            </a:r>
+            <a:r>
+              <a:rPr lang="en-US" dirty="0">
+                <a:latin typeface="Calibri"/>
+                <a:cs typeface="Calibri"/>
+              </a:rPr>
+              <a:t> = Database of Multimedia Entertainment</a:t>
+            </a:r>
+          </a:p>
+          <a:p>
+            <a:r>
+              <a:rPr lang="en-US" dirty="0">
+                <a:latin typeface="Calibri"/>
+                <a:cs typeface="Calibri"/>
+              </a:rPr>
+              <a:t>Load </a:t>
+            </a:r>
+            <a:r>
+              <a:rPr lang="en-US" dirty="0" err="1">
+                <a:latin typeface="Calibri"/>
+                <a:cs typeface="Calibri"/>
+              </a:rPr>
+              <a:t>DoME</a:t>
+            </a:r>
+            <a:r>
+              <a:rPr lang="en-US" dirty="0">
+                <a:latin typeface="Calibri"/>
+                <a:cs typeface="Calibri"/>
+              </a:rPr>
+              <a:t> projects </a:t>
+            </a:r>
+            <a:r>
+              <a:rPr lang="en-US" dirty="0" smtClean="0">
+                <a:latin typeface="Calibri"/>
+                <a:cs typeface="Calibri"/>
+              </a:rPr>
+              <a:t>from course web page</a:t>
+            </a:r>
+            <a:endParaRPr lang="en-US" dirty="0">
+              <a:latin typeface="Calibri"/>
+              <a:cs typeface="Calibri"/>
+            </a:endParaRPr>
+          </a:p>
+          <a:p>
+            <a:r>
+              <a:rPr lang="en-US" dirty="0">
+                <a:latin typeface="Calibri"/>
+                <a:cs typeface="Calibri"/>
+              </a:rPr>
+              <a:t>Look at DoMEv1: is there code duplication? Where?</a:t>
+            </a:r>
+          </a:p>
+        </p:txBody>
+      </p:sp>
+    </p:spTree>
+    <p:extLst>
+      <p:ext uri="{BB962C8B-B14F-4D97-AF65-F5344CB8AC3E}">
+        <p14:creationId xmlns:p14="http://schemas.microsoft.com/office/powerpoint/2010/main" val="1696481629"/>
+      </p:ext>
+    </p:extLst>
+  </p:cSld>
+  <p:clrMapOvr>
+    <a:masterClrMapping/>
+  </p:clrMapOvr>
+  <p:timing>
+    <p:tnLst>
+      <p:par>
+        <p:cTn xmlns:p14="http://schemas.microsoft.com/office/powerpoint/2010/main" id="1" dur="indefinite" restart="never" nodeType="tmRoot"/>
+      </p:par>
+    </p:tnLst>
+  </p:timing>
+</p:sld>
+</file>
+
+<file path=ppt/slides/slide20.xml><?xml version="1.0" encoding="utf-8"?>
 <p:sld xmlns:a="http://schemas.openxmlformats.org/drawingml/2006/main" xmlns:r="http://schemas.openxmlformats.org/officeDocument/2006/relationships" xmlns:p="http://schemas.openxmlformats.org/presentationml/2006/main">
   <p:cSld>
     <p:spTree>
@@ -10255,7 +9228,7 @@
 </p:sld>
 </file>
 
-<file path=ppt/slides/slide22.xml><?xml version="1.0" encoding="utf-8"?>
+<file path=ppt/slides/slide21.xml><?xml version="1.0" encoding="utf-8"?>
 <p:sld xmlns:a="http://schemas.openxmlformats.org/drawingml/2006/main" xmlns:r="http://schemas.openxmlformats.org/officeDocument/2006/relationships" xmlns:p="http://schemas.openxmlformats.org/presentationml/2006/main">
   <p:cSld>
     <p:spTree>
@@ -10322,7 +9295,7 @@
 </p:sld>
 </file>
 
-<file path=ppt/slides/slide23.xml><?xml version="1.0" encoding="utf-8"?>
+<file path=ppt/slides/slide22.xml><?xml version="1.0" encoding="utf-8"?>
 <p:sld xmlns:a="http://schemas.openxmlformats.org/drawingml/2006/main" xmlns:r="http://schemas.openxmlformats.org/officeDocument/2006/relationships" xmlns:p="http://schemas.openxmlformats.org/presentationml/2006/main">
   <p:cSld>
     <p:spTree>
@@ -12357,7 +11330,7 @@
 </p:sld>
 </file>
 
-<file path=ppt/slides/slide24.xml><?xml version="1.0" encoding="utf-8"?>
+<file path=ppt/slides/slide23.xml><?xml version="1.0" encoding="utf-8"?>
 <p:sld xmlns:a="http://schemas.openxmlformats.org/drawingml/2006/main" xmlns:r="http://schemas.openxmlformats.org/officeDocument/2006/relationships" xmlns:p="http://schemas.openxmlformats.org/presentationml/2006/main">
   <p:cSld>
     <p:spTree>
@@ -12440,7 +11413,7 @@
 </p:sld>
 </file>
 
-<file path=ppt/slides/slide25.xml><?xml version="1.0" encoding="utf-8"?>
+<file path=ppt/slides/slide24.xml><?xml version="1.0" encoding="utf-8"?>
 <p:sld xmlns:a="http://schemas.openxmlformats.org/drawingml/2006/main" xmlns:r="http://schemas.openxmlformats.org/officeDocument/2006/relationships" xmlns:p="http://schemas.openxmlformats.org/presentationml/2006/main">
   <p:cSld>
     <p:spTree>
@@ -12919,7 +11892,7 @@
 </p:sld>
 </file>
 
-<file path=ppt/slides/slide26.xml><?xml version="1.0" encoding="utf-8"?>
+<file path=ppt/slides/slide25.xml><?xml version="1.0" encoding="utf-8"?>
 <p:sld xmlns:a="http://schemas.openxmlformats.org/drawingml/2006/main" xmlns:r="http://schemas.openxmlformats.org/officeDocument/2006/relationships" xmlns:p="http://schemas.openxmlformats.org/presentationml/2006/main">
   <p:cSld>
     <p:spTree>
@@ -13059,21 +12032,35 @@
                 <a:latin typeface="Calibri"/>
                 <a:cs typeface="Calibri"/>
               </a:rPr>
-              <a:t>: a class with no source code, all methods are abstract by default (don</a:t>
-            </a:r>
-            <a:r>
-              <a:rPr lang="ja-JP" altLang="en-US" dirty="0">
+              <a:t>: a class with no source code, all methods are abstract by default (</a:t>
+            </a:r>
+            <a:r>
+              <a:rPr lang="en-US" dirty="0" smtClean="0">
+                <a:latin typeface="Calibri"/>
+                <a:cs typeface="Calibri"/>
+              </a:rPr>
+              <a:t>don</a:t>
+            </a:r>
+            <a:r>
+              <a:rPr lang="en-US" dirty="0" smtClean="0">
                 <a:latin typeface="Calibri"/>
                 <a:cs typeface="Calibri"/>
               </a:rPr>
               <a:t>’</a:t>
             </a:r>
             <a:r>
+              <a:rPr lang="en-US" altLang="ja-JP" dirty="0" smtClean="0">
+                <a:latin typeface="Calibri"/>
+                <a:cs typeface="Calibri"/>
+              </a:rPr>
+              <a:t>t </a:t>
+            </a:r>
+            <a:r>
               <a:rPr lang="en-US" altLang="ja-JP" dirty="0">
                 <a:latin typeface="Calibri"/>
                 <a:cs typeface="Calibri"/>
               </a:rPr>
-              <a:t>t need to specify), and no constructors</a:t>
+              <a:t>need to specify), and no constructors</a:t>
             </a:r>
           </a:p>
           <a:p>
@@ -13418,7 +12405,7 @@
 </p:sld>
 </file>
 
-<file path=ppt/slides/slide27.xml><?xml version="1.0" encoding="utf-8"?>
+<file path=ppt/slides/slide26.xml><?xml version="1.0" encoding="utf-8"?>
 <p:sld xmlns:a="http://schemas.openxmlformats.org/drawingml/2006/main" xmlns:r="http://schemas.openxmlformats.org/officeDocument/2006/relationships" xmlns:p="http://schemas.openxmlformats.org/presentationml/2006/main">
   <p:cSld>
     <p:spTree>
@@ -13650,7 +12637,7 @@
 </p:sld>
 </file>
 
-<file path=ppt/slides/slide28.xml><?xml version="1.0" encoding="utf-8"?>
+<file path=ppt/slides/slide27.xml><?xml version="1.0" encoding="utf-8"?>
 <p:sld xmlns:a="http://schemas.openxmlformats.org/drawingml/2006/main" xmlns:r="http://schemas.openxmlformats.org/officeDocument/2006/relationships" xmlns:p="http://schemas.openxmlformats.org/presentationml/2006/main">
   <p:cSld>
     <p:spTree>
@@ -14048,7 +13035,7 @@
 </p:sld>
 </file>
 
-<file path=ppt/slides/slide29.xml><?xml version="1.0" encoding="utf-8"?>
+<file path=ppt/slides/slide28.xml><?xml version="1.0" encoding="utf-8"?>
 <p:sld xmlns:a="http://schemas.openxmlformats.org/drawingml/2006/main" xmlns:r="http://schemas.openxmlformats.org/officeDocument/2006/relationships" xmlns:p="http://schemas.openxmlformats.org/presentationml/2006/main">
   <p:cSld>
     <p:spTree>
@@ -14642,90 +13629,7 @@
 </p:sld>
 </file>
 
-<file path=ppt/slides/slide3.xml><?xml version="1.0" encoding="utf-8"?>
-<p:sld xmlns:a="http://schemas.openxmlformats.org/drawingml/2006/main" xmlns:r="http://schemas.openxmlformats.org/officeDocument/2006/relationships" xmlns:p="http://schemas.openxmlformats.org/presentationml/2006/main">
-  <p:cSld>
-    <p:spTree>
-      <p:nvGrpSpPr>
-        <p:cNvPr id="1" name=""/>
-        <p:cNvGrpSpPr/>
-        <p:nvPr/>
-      </p:nvGrpSpPr>
-      <p:grpSpPr>
-        <a:xfrm>
-          <a:off x="0" y="0"/>
-          <a:ext cx="0" cy="0"/>
-          <a:chOff x="0" y="0"/>
-          <a:chExt cx="0" cy="0"/>
-        </a:xfrm>
-      </p:grpSpPr>
-      <p:sp>
-        <p:nvSpPr>
-          <p:cNvPr id="2" name="Title 1"/>
-          <p:cNvSpPr>
-            <a:spLocks noGrp="1"/>
-          </p:cNvSpPr>
-          <p:nvPr>
-            <p:ph type="ctrTitle"/>
-          </p:nvPr>
-        </p:nvSpPr>
-        <p:spPr/>
-        <p:txBody>
-          <a:bodyPr/>
-          <a:lstStyle/>
-          <a:p>
-            <a:r>
-              <a:rPr lang="en-US" dirty="0" err="1" smtClean="0"/>
-              <a:t>DoME</a:t>
-            </a:r>
-            <a:r>
-              <a:rPr lang="en-US" dirty="0" smtClean="0"/>
-              <a:t> v1 → v2</a:t>
-            </a:r>
-            <a:endParaRPr lang="en-US" dirty="0"/>
-          </a:p>
-        </p:txBody>
-      </p:sp>
-      <p:sp>
-        <p:nvSpPr>
-          <p:cNvPr id="3" name="Subtitle 2"/>
-          <p:cNvSpPr>
-            <a:spLocks noGrp="1"/>
-          </p:cNvSpPr>
-          <p:nvPr>
-            <p:ph type="subTitle" idx="1"/>
-          </p:nvPr>
-        </p:nvSpPr>
-        <p:spPr/>
-        <p:txBody>
-          <a:bodyPr/>
-          <a:lstStyle/>
-          <a:p>
-            <a:endParaRPr lang="en-US"/>
-          </a:p>
-        </p:txBody>
-      </p:sp>
-    </p:spTree>
-    <p:extLst>
-      <p:ext uri="{BB962C8B-B14F-4D97-AF65-F5344CB8AC3E}">
-        <p14:creationId xmlns:p14="http://schemas.microsoft.com/office/powerpoint/2010/main" val="704247542"/>
-      </p:ext>
-    </p:extLst>
-  </p:cSld>
-  <p:clrMapOvr>
-    <a:masterClrMapping/>
-  </p:clrMapOvr>
-  <p:timing>
-    <p:tnLst>
-      <p:par>
-        <p:cTn xmlns:p14="http://schemas.microsoft.com/office/powerpoint/2010/main" id="1" dur="indefinite" restart="never" nodeType="tmRoot"/>
-      </p:par>
-    </p:tnLst>
-  </p:timing>
-</p:sld>
-</file>
-
-<file path=ppt/slides/slide30.xml><?xml version="1.0" encoding="utf-8"?>
+<file path=ppt/slides/slide29.xml><?xml version="1.0" encoding="utf-8"?>
 <p:sld xmlns:a="http://schemas.openxmlformats.org/drawingml/2006/main" xmlns:r="http://schemas.openxmlformats.org/officeDocument/2006/relationships" xmlns:p="http://schemas.openxmlformats.org/presentationml/2006/main">
   <p:cSld>
     <p:spTree>
@@ -15188,127 +14092,7 @@
 </p:sld>
 </file>
 
-<file path=ppt/slides/slide31.xml><?xml version="1.0" encoding="utf-8"?>
-<p:sld xmlns:a="http://schemas.openxmlformats.org/drawingml/2006/main" xmlns:r="http://schemas.openxmlformats.org/officeDocument/2006/relationships" xmlns:p="http://schemas.openxmlformats.org/presentationml/2006/main">
-  <p:cSld>
-    <p:spTree>
-      <p:nvGrpSpPr>
-        <p:cNvPr id="1" name=""/>
-        <p:cNvGrpSpPr/>
-        <p:nvPr/>
-      </p:nvGrpSpPr>
-      <p:grpSpPr>
-        <a:xfrm>
-          <a:off x="0" y="0"/>
-          <a:ext cx="0" cy="0"/>
-          <a:chOff x="0" y="0"/>
-          <a:chExt cx="0" cy="0"/>
-        </a:xfrm>
-      </p:grpSpPr>
-      <p:sp>
-        <p:nvSpPr>
-          <p:cNvPr id="45057" name="Title 1"/>
-          <p:cNvSpPr>
-            <a:spLocks noGrp="1"/>
-          </p:cNvSpPr>
-          <p:nvPr>
-            <p:ph type="title"/>
-          </p:nvPr>
-        </p:nvSpPr>
-        <p:spPr/>
-        <p:txBody>
-          <a:bodyPr/>
-          <a:lstStyle/>
-          <a:p>
-            <a:r>
-              <a:rPr lang="en-US">
-                <a:latin typeface="Calibri"/>
-                <a:cs typeface="Calibri"/>
-              </a:rPr>
-              <a:t>Abstract Classes vs Interfaces</a:t>
-            </a:r>
-          </a:p>
-        </p:txBody>
-      </p:sp>
-      <p:sp>
-        <p:nvSpPr>
-          <p:cNvPr id="45058" name="Content Placeholder 2"/>
-          <p:cNvSpPr>
-            <a:spLocks noGrp="1"/>
-          </p:cNvSpPr>
-          <p:nvPr>
-            <p:ph idx="1"/>
-          </p:nvPr>
-        </p:nvSpPr>
-        <p:spPr/>
-        <p:txBody>
-          <a:bodyPr>
-            <a:normAutofit fontScale="92500" lnSpcReduction="10000"/>
-          </a:bodyPr>
-          <a:lstStyle/>
-          <a:p>
-            <a:r>
-              <a:rPr lang="en-US" dirty="0">
-                <a:latin typeface="Calibri"/>
-                <a:cs typeface="Calibri"/>
-              </a:rPr>
-              <a:t>Best of both worlds: use interfaces @ highest level, and then implement shared functionality using abstract classes conforming to an interface</a:t>
-            </a:r>
-          </a:p>
-          <a:p>
-            <a:r>
-              <a:rPr lang="en-US" dirty="0">
-                <a:latin typeface="Calibri"/>
-                <a:cs typeface="Calibri"/>
-              </a:rPr>
-              <a:t>Example: </a:t>
-            </a:r>
-          </a:p>
-          <a:p>
-            <a:pPr lvl="1"/>
-            <a:r>
-              <a:rPr lang="en-US" dirty="0">
-                <a:latin typeface="Calibri"/>
-                <a:ea typeface="Arial" charset="0"/>
-                <a:cs typeface="Calibri"/>
-              </a:rPr>
-              <a:t>CD &amp; DVD have code duplication, so we avoid with an abstract Item class</a:t>
-            </a:r>
-          </a:p>
-          <a:p>
-            <a:pPr lvl="1"/>
-            <a:r>
-              <a:rPr lang="en-US" dirty="0">
-                <a:latin typeface="Calibri"/>
-                <a:ea typeface="Arial" charset="0"/>
-                <a:cs typeface="Calibri"/>
-              </a:rPr>
-              <a:t>We implement DB in terms of an interface so in future we can add significantly different DB entries like books or games without modifying the general DB application code</a:t>
-            </a:r>
-          </a:p>
-        </p:txBody>
-      </p:sp>
-    </p:spTree>
-    <p:extLst>
-      <p:ext uri="{BB962C8B-B14F-4D97-AF65-F5344CB8AC3E}">
-        <p14:creationId xmlns:p14="http://schemas.microsoft.com/office/powerpoint/2010/main" val="3482517391"/>
-      </p:ext>
-    </p:extLst>
-  </p:cSld>
-  <p:clrMapOvr>
-    <a:masterClrMapping/>
-  </p:clrMapOvr>
-  <p:timing>
-    <p:tnLst>
-      <p:par>
-        <p:cTn xmlns:p14="http://schemas.microsoft.com/office/powerpoint/2010/main" id="1" dur="indefinite" restart="never" nodeType="tmRoot"/>
-      </p:par>
-    </p:tnLst>
-  </p:timing>
-</p:sld>
-</file>
-
-<file path=ppt/slides/slide4.xml><?xml version="1.0" encoding="utf-8"?>
+<file path=ppt/slides/slide3.xml><?xml version="1.0" encoding="utf-8"?>
 <p:sld xmlns:a="http://schemas.openxmlformats.org/drawingml/2006/main" xmlns:r="http://schemas.openxmlformats.org/officeDocument/2006/relationships" xmlns:p="http://schemas.openxmlformats.org/presentationml/2006/main">
   <p:cSld>
     <p:spTree>
@@ -15397,7 +14181,127 @@
 </p:sld>
 </file>
 
-<file path=ppt/slides/slide5.xml><?xml version="1.0" encoding="utf-8"?>
+<file path=ppt/slides/slide30.xml><?xml version="1.0" encoding="utf-8"?>
+<p:sld xmlns:a="http://schemas.openxmlformats.org/drawingml/2006/main" xmlns:r="http://schemas.openxmlformats.org/officeDocument/2006/relationships" xmlns:p="http://schemas.openxmlformats.org/presentationml/2006/main">
+  <p:cSld>
+    <p:spTree>
+      <p:nvGrpSpPr>
+        <p:cNvPr id="1" name=""/>
+        <p:cNvGrpSpPr/>
+        <p:nvPr/>
+      </p:nvGrpSpPr>
+      <p:grpSpPr>
+        <a:xfrm>
+          <a:off x="0" y="0"/>
+          <a:ext cx="0" cy="0"/>
+          <a:chOff x="0" y="0"/>
+          <a:chExt cx="0" cy="0"/>
+        </a:xfrm>
+      </p:grpSpPr>
+      <p:sp>
+        <p:nvSpPr>
+          <p:cNvPr id="45057" name="Title 1"/>
+          <p:cNvSpPr>
+            <a:spLocks noGrp="1"/>
+          </p:cNvSpPr>
+          <p:nvPr>
+            <p:ph type="title"/>
+          </p:nvPr>
+        </p:nvSpPr>
+        <p:spPr/>
+        <p:txBody>
+          <a:bodyPr/>
+          <a:lstStyle/>
+          <a:p>
+            <a:r>
+              <a:rPr lang="en-US">
+                <a:latin typeface="Calibri"/>
+                <a:cs typeface="Calibri"/>
+              </a:rPr>
+              <a:t>Abstract Classes vs Interfaces</a:t>
+            </a:r>
+          </a:p>
+        </p:txBody>
+      </p:sp>
+      <p:sp>
+        <p:nvSpPr>
+          <p:cNvPr id="45058" name="Content Placeholder 2"/>
+          <p:cNvSpPr>
+            <a:spLocks noGrp="1"/>
+          </p:cNvSpPr>
+          <p:nvPr>
+            <p:ph idx="1"/>
+          </p:nvPr>
+        </p:nvSpPr>
+        <p:spPr/>
+        <p:txBody>
+          <a:bodyPr>
+            <a:normAutofit fontScale="92500" lnSpcReduction="10000"/>
+          </a:bodyPr>
+          <a:lstStyle/>
+          <a:p>
+            <a:r>
+              <a:rPr lang="en-US" dirty="0">
+                <a:latin typeface="Calibri"/>
+                <a:cs typeface="Calibri"/>
+              </a:rPr>
+              <a:t>Best of both worlds: use interfaces @ highest level, and then implement shared functionality using abstract classes conforming to an interface</a:t>
+            </a:r>
+          </a:p>
+          <a:p>
+            <a:r>
+              <a:rPr lang="en-US" dirty="0">
+                <a:latin typeface="Calibri"/>
+                <a:cs typeface="Calibri"/>
+              </a:rPr>
+              <a:t>Example: </a:t>
+            </a:r>
+          </a:p>
+          <a:p>
+            <a:pPr lvl="1"/>
+            <a:r>
+              <a:rPr lang="en-US" dirty="0">
+                <a:latin typeface="Calibri"/>
+                <a:ea typeface="Arial" charset="0"/>
+                <a:cs typeface="Calibri"/>
+              </a:rPr>
+              <a:t>CD &amp; DVD have code duplication, so we avoid with an abstract Item class</a:t>
+            </a:r>
+          </a:p>
+          <a:p>
+            <a:pPr lvl="1"/>
+            <a:r>
+              <a:rPr lang="en-US" dirty="0">
+                <a:latin typeface="Calibri"/>
+                <a:ea typeface="Arial" charset="0"/>
+                <a:cs typeface="Calibri"/>
+              </a:rPr>
+              <a:t>We implement DB in terms of an interface so in future we can add significantly different DB entries like books or games without modifying the general DB application code</a:t>
+            </a:r>
+          </a:p>
+        </p:txBody>
+      </p:sp>
+    </p:spTree>
+    <p:extLst>
+      <p:ext uri="{BB962C8B-B14F-4D97-AF65-F5344CB8AC3E}">
+        <p14:creationId xmlns:p14="http://schemas.microsoft.com/office/powerpoint/2010/main" val="3482517391"/>
+      </p:ext>
+    </p:extLst>
+  </p:cSld>
+  <p:clrMapOvr>
+    <a:masterClrMapping/>
+  </p:clrMapOvr>
+  <p:timing>
+    <p:tnLst>
+      <p:par>
+        <p:cTn xmlns:p14="http://schemas.microsoft.com/office/powerpoint/2010/main" id="1" dur="indefinite" restart="never" nodeType="tmRoot"/>
+      </p:par>
+    </p:tnLst>
+  </p:timing>
+</p:sld>
+</file>
+
+<file path=ppt/slides/slide4.xml><?xml version="1.0" encoding="utf-8"?>
 <p:sld xmlns:a="http://schemas.openxmlformats.org/drawingml/2006/main" xmlns:r="http://schemas.openxmlformats.org/officeDocument/2006/relationships" xmlns:p="http://schemas.openxmlformats.org/presentationml/2006/main">
   <p:cSld>
     <p:spTree>
@@ -15692,7 +14596,7 @@
 </p:sld>
 </file>
 
-<file path=ppt/slides/slide6.xml><?xml version="1.0" encoding="utf-8"?>
+<file path=ppt/slides/slide5.xml><?xml version="1.0" encoding="utf-8"?>
 <p:sld xmlns:a="http://schemas.openxmlformats.org/drawingml/2006/main" xmlns:r="http://schemas.openxmlformats.org/officeDocument/2006/relationships" xmlns:p="http://schemas.openxmlformats.org/presentationml/2006/main">
   <p:cSld>
     <p:spTree>
@@ -15847,6 +14751,309 @@
     <p:extLst>
       <p:ext uri="{BB962C8B-B14F-4D97-AF65-F5344CB8AC3E}">
         <p14:creationId xmlns:p14="http://schemas.microsoft.com/office/powerpoint/2010/main" val="612667772"/>
+      </p:ext>
+    </p:extLst>
+  </p:cSld>
+  <p:clrMapOvr>
+    <a:masterClrMapping/>
+  </p:clrMapOvr>
+  <p:timing>
+    <p:tnLst>
+      <p:par>
+        <p:cTn xmlns:p14="http://schemas.microsoft.com/office/powerpoint/2010/main" id="1" dur="indefinite" restart="never" nodeType="tmRoot"/>
+      </p:par>
+    </p:tnLst>
+  </p:timing>
+</p:sld>
+</file>
+
+<file path=ppt/slides/slide6.xml><?xml version="1.0" encoding="utf-8"?>
+<p:sld xmlns:a="http://schemas.openxmlformats.org/drawingml/2006/main" xmlns:r="http://schemas.openxmlformats.org/officeDocument/2006/relationships" xmlns:p="http://schemas.openxmlformats.org/presentationml/2006/main">
+  <p:cSld>
+    <p:spTree>
+      <p:nvGrpSpPr>
+        <p:cNvPr id="1" name=""/>
+        <p:cNvGrpSpPr/>
+        <p:nvPr/>
+      </p:nvGrpSpPr>
+      <p:grpSpPr>
+        <a:xfrm>
+          <a:off x="0" y="0"/>
+          <a:ext cx="0" cy="0"/>
+          <a:chOff x="0" y="0"/>
+          <a:chExt cx="0" cy="0"/>
+        </a:xfrm>
+      </p:grpSpPr>
+      <p:sp>
+        <p:nvSpPr>
+          <p:cNvPr id="32769" name="Title 1"/>
+          <p:cNvSpPr>
+            <a:spLocks noGrp="1"/>
+          </p:cNvSpPr>
+          <p:nvPr>
+            <p:ph type="title"/>
+          </p:nvPr>
+        </p:nvSpPr>
+        <p:spPr/>
+        <p:txBody>
+          <a:bodyPr/>
+          <a:lstStyle/>
+          <a:p>
+            <a:r>
+              <a:rPr lang="en-US">
+                <a:latin typeface="Calibri"/>
+                <a:cs typeface="Calibri"/>
+              </a:rPr>
+              <a:t>Example: DoMEv1</a:t>
+            </a:r>
+          </a:p>
+        </p:txBody>
+      </p:sp>
+      <p:sp>
+        <p:nvSpPr>
+          <p:cNvPr id="32770" name="Content Placeholder 2"/>
+          <p:cNvSpPr>
+            <a:spLocks noGrp="1"/>
+          </p:cNvSpPr>
+          <p:nvPr>
+            <p:ph idx="1"/>
+          </p:nvPr>
+        </p:nvSpPr>
+        <p:spPr/>
+        <p:txBody>
+          <a:bodyPr>
+            <a:normAutofit/>
+          </a:bodyPr>
+          <a:lstStyle/>
+          <a:p>
+            <a:r>
+              <a:rPr lang="en-US" dirty="0">
+                <a:latin typeface="Calibri"/>
+                <a:cs typeface="Calibri"/>
+              </a:rPr>
+              <a:t>Use inheritance to remove code duplication between CD &amp; DVD (DoMEv1 → DoMEv2)</a:t>
+            </a:r>
+          </a:p>
+          <a:p>
+            <a:r>
+              <a:rPr lang="en-US" b="1" dirty="0">
+                <a:latin typeface="Calibri"/>
+                <a:cs typeface="Calibri"/>
+              </a:rPr>
+              <a:t>Step 1: </a:t>
+            </a:r>
+            <a:r>
+              <a:rPr lang="en-US" dirty="0">
+                <a:latin typeface="Calibri"/>
+                <a:cs typeface="Calibri"/>
+              </a:rPr>
+              <a:t>identify where CD/DVD overlap &amp; differ in terms of fields &amp; methods</a:t>
+            </a:r>
+          </a:p>
+          <a:p>
+            <a:r>
+              <a:rPr lang="en-US" b="1" dirty="0">
+                <a:latin typeface="Calibri"/>
+                <a:cs typeface="Calibri"/>
+              </a:rPr>
+              <a:t>Step 2: </a:t>
+            </a:r>
+            <a:r>
+              <a:rPr lang="en-US" dirty="0">
+                <a:latin typeface="Calibri"/>
+                <a:cs typeface="Calibri"/>
+              </a:rPr>
+              <a:t>pull out the duplicate code into its own class, </a:t>
+            </a:r>
+            <a:r>
+              <a:rPr lang="en-US" dirty="0">
+                <a:latin typeface="Courier"/>
+                <a:cs typeface="Courier"/>
+              </a:rPr>
+              <a:t>Item</a:t>
+            </a:r>
+            <a:r>
+              <a:rPr lang="en-US" dirty="0">
+                <a:latin typeface="Calibri"/>
+                <a:cs typeface="Calibri"/>
+              </a:rPr>
+              <a:t>, using Refactor &gt; Extract </a:t>
+            </a:r>
+            <a:r>
+              <a:rPr lang="en-US" dirty="0" smtClean="0">
+                <a:latin typeface="Calibri"/>
+                <a:cs typeface="Calibri"/>
+              </a:rPr>
+              <a:t>Superclass</a:t>
+            </a:r>
+            <a:endParaRPr lang="en-US" dirty="0">
+              <a:latin typeface="Calibri"/>
+              <a:cs typeface="Calibri"/>
+            </a:endParaRPr>
+          </a:p>
+        </p:txBody>
+      </p:sp>
+      <p:sp>
+        <p:nvSpPr>
+          <p:cNvPr id="32771" name="Footer Placeholder 3"/>
+          <p:cNvSpPr>
+            <a:spLocks noGrp="1"/>
+          </p:cNvSpPr>
+          <p:nvPr>
+            <p:ph type="ftr" sz="quarter" idx="10"/>
+          </p:nvPr>
+        </p:nvSpPr>
+        <p:spPr>
+          <a:noFill/>
+          <a:ln/>
+          <a:extLst>
+            <a:ext uri="{909E8E84-426E-40dd-AFC4-6F175D3DCCD1}">
+              <a14:hiddenFill xmlns:a14="http://schemas.microsoft.com/office/drawing/2010/main">
+                <a:solidFill>
+                  <a:srgbClr val="FFFFFF"/>
+                </a:solidFill>
+              </a14:hiddenFill>
+            </a:ext>
+            <a:ext uri="{91240B29-F687-4f45-9708-019B960494DF}">
+              <a14:hiddenLine xmlns:a14="http://schemas.microsoft.com/office/drawing/2010/main" w="9525">
+                <a:solidFill>
+                  <a:srgbClr val="000000"/>
+                </a:solidFill>
+                <a:miter lim="800000"/>
+                <a:headEnd/>
+                <a:tailEnd/>
+              </a14:hiddenLine>
+            </a:ext>
+          </a:extLst>
+        </p:spPr>
+        <p:txBody>
+          <a:bodyPr/>
+          <a:lstStyle>
+            <a:lvl1pPr eaLnBrk="0" hangingPunct="0">
+              <a:defRPr sz="2400">
+                <a:solidFill>
+                  <a:schemeClr val="tx1"/>
+                </a:solidFill>
+                <a:latin typeface="Arial" charset="0"/>
+                <a:ea typeface="ＭＳ Ｐゴシック" charset="0"/>
+                <a:cs typeface="ＭＳ Ｐゴシック" charset="0"/>
+              </a:defRPr>
+            </a:lvl1pPr>
+            <a:lvl2pPr marL="742950" indent="-285750" eaLnBrk="0" hangingPunct="0">
+              <a:defRPr sz="2400">
+                <a:solidFill>
+                  <a:schemeClr val="tx1"/>
+                </a:solidFill>
+                <a:latin typeface="Arial" charset="0"/>
+                <a:ea typeface="ＭＳ Ｐゴシック" charset="0"/>
+              </a:defRPr>
+            </a:lvl2pPr>
+            <a:lvl3pPr marL="1143000" indent="-228600" eaLnBrk="0" hangingPunct="0">
+              <a:defRPr sz="2400">
+                <a:solidFill>
+                  <a:schemeClr val="tx1"/>
+                </a:solidFill>
+                <a:latin typeface="Arial" charset="0"/>
+                <a:ea typeface="ＭＳ Ｐゴシック" charset="0"/>
+              </a:defRPr>
+            </a:lvl3pPr>
+            <a:lvl4pPr marL="1600200" indent="-228600" eaLnBrk="0" hangingPunct="0">
+              <a:defRPr sz="2400">
+                <a:solidFill>
+                  <a:schemeClr val="tx1"/>
+                </a:solidFill>
+                <a:latin typeface="Arial" charset="0"/>
+                <a:ea typeface="ＭＳ Ｐゴシック" charset="0"/>
+              </a:defRPr>
+            </a:lvl4pPr>
+            <a:lvl5pPr marL="2057400" indent="-228600" eaLnBrk="0" hangingPunct="0">
+              <a:defRPr sz="2400">
+                <a:solidFill>
+                  <a:schemeClr val="tx1"/>
+                </a:solidFill>
+                <a:latin typeface="Arial" charset="0"/>
+                <a:ea typeface="ＭＳ Ｐゴシック" charset="0"/>
+              </a:defRPr>
+            </a:lvl5pPr>
+            <a:lvl6pPr marL="2514600" indent="-228600" eaLnBrk="0" fontAlgn="base" hangingPunct="0">
+              <a:spcBef>
+                <a:spcPct val="0"/>
+              </a:spcBef>
+              <a:spcAft>
+                <a:spcPct val="0"/>
+              </a:spcAft>
+              <a:defRPr sz="2400">
+                <a:solidFill>
+                  <a:schemeClr val="tx1"/>
+                </a:solidFill>
+                <a:latin typeface="Arial" charset="0"/>
+                <a:ea typeface="ＭＳ Ｐゴシック" charset="0"/>
+              </a:defRPr>
+            </a:lvl6pPr>
+            <a:lvl7pPr marL="2971800" indent="-228600" eaLnBrk="0" fontAlgn="base" hangingPunct="0">
+              <a:spcBef>
+                <a:spcPct val="0"/>
+              </a:spcBef>
+              <a:spcAft>
+                <a:spcPct val="0"/>
+              </a:spcAft>
+              <a:defRPr sz="2400">
+                <a:solidFill>
+                  <a:schemeClr val="tx1"/>
+                </a:solidFill>
+                <a:latin typeface="Arial" charset="0"/>
+                <a:ea typeface="ＭＳ Ｐゴシック" charset="0"/>
+              </a:defRPr>
+            </a:lvl7pPr>
+            <a:lvl8pPr marL="3429000" indent="-228600" eaLnBrk="0" fontAlgn="base" hangingPunct="0">
+              <a:spcBef>
+                <a:spcPct val="0"/>
+              </a:spcBef>
+              <a:spcAft>
+                <a:spcPct val="0"/>
+              </a:spcAft>
+              <a:defRPr sz="2400">
+                <a:solidFill>
+                  <a:schemeClr val="tx1"/>
+                </a:solidFill>
+                <a:latin typeface="Arial" charset="0"/>
+                <a:ea typeface="ＭＳ Ｐゴシック" charset="0"/>
+              </a:defRPr>
+            </a:lvl8pPr>
+            <a:lvl9pPr marL="3886200" indent="-228600" eaLnBrk="0" fontAlgn="base" hangingPunct="0">
+              <a:spcBef>
+                <a:spcPct val="0"/>
+              </a:spcBef>
+              <a:spcAft>
+                <a:spcPct val="0"/>
+              </a:spcAft>
+              <a:defRPr sz="2400">
+                <a:solidFill>
+                  <a:schemeClr val="tx1"/>
+                </a:solidFill>
+                <a:latin typeface="Arial" charset="0"/>
+                <a:ea typeface="ＭＳ Ｐゴシック" charset="0"/>
+              </a:defRPr>
+            </a:lvl9pPr>
+          </a:lstStyle>
+          <a:p>
+            <a:pPr eaLnBrk="1" hangingPunct="1"/>
+            <a:endParaRPr lang="en-US" sz="1200">
+              <a:latin typeface="Times New Roman" charset="0"/>
+            </a:endParaRPr>
+          </a:p>
+          <a:p>
+            <a:pPr eaLnBrk="1" hangingPunct="1"/>
+            <a:endParaRPr lang="en-US" sz="1200">
+              <a:latin typeface="Times New Roman" charset="0"/>
+            </a:endParaRPr>
+          </a:p>
+        </p:txBody>
+      </p:sp>
+    </p:spTree>
+    <p:extLst>
+      <p:ext uri="{BB962C8B-B14F-4D97-AF65-F5344CB8AC3E}">
+        <p14:creationId xmlns:p14="http://schemas.microsoft.com/office/powerpoint/2010/main" val="2780999645"/>
       </p:ext>
     </p:extLst>
   </p:cSld>
@@ -15882,314 +15089,6 @@
       </p:grpSpPr>
       <p:sp>
         <p:nvSpPr>
-          <p:cNvPr id="32769" name="Title 1"/>
-          <p:cNvSpPr>
-            <a:spLocks noGrp="1"/>
-          </p:cNvSpPr>
-          <p:nvPr>
-            <p:ph type="title"/>
-          </p:nvPr>
-        </p:nvSpPr>
-        <p:spPr/>
-        <p:txBody>
-          <a:bodyPr/>
-          <a:lstStyle/>
-          <a:p>
-            <a:r>
-              <a:rPr lang="en-US">
-                <a:latin typeface="Calibri"/>
-                <a:cs typeface="Calibri"/>
-              </a:rPr>
-              <a:t>Example: DoMEv1</a:t>
-            </a:r>
-          </a:p>
-        </p:txBody>
-      </p:sp>
-      <p:sp>
-        <p:nvSpPr>
-          <p:cNvPr id="32770" name="Content Placeholder 2"/>
-          <p:cNvSpPr>
-            <a:spLocks noGrp="1"/>
-          </p:cNvSpPr>
-          <p:nvPr>
-            <p:ph idx="1"/>
-          </p:nvPr>
-        </p:nvSpPr>
-        <p:spPr/>
-        <p:txBody>
-          <a:bodyPr>
-            <a:normAutofit lnSpcReduction="10000"/>
-          </a:bodyPr>
-          <a:lstStyle/>
-          <a:p>
-            <a:r>
-              <a:rPr lang="en-US" dirty="0">
-                <a:latin typeface="Calibri"/>
-                <a:cs typeface="Calibri"/>
-              </a:rPr>
-              <a:t>Use inheritance to remove code duplication between CD &amp; DVD (DoMEv1 → DoMEv2)</a:t>
-            </a:r>
-          </a:p>
-          <a:p>
-            <a:r>
-              <a:rPr lang="en-US" b="1" dirty="0">
-                <a:latin typeface="Calibri"/>
-                <a:cs typeface="Calibri"/>
-              </a:rPr>
-              <a:t>Step 1: </a:t>
-            </a:r>
-            <a:r>
-              <a:rPr lang="en-US" dirty="0">
-                <a:latin typeface="Calibri"/>
-                <a:cs typeface="Calibri"/>
-              </a:rPr>
-              <a:t>identify where CD/DVD overlap &amp; differ in terms of fields &amp; methods</a:t>
-            </a:r>
-          </a:p>
-          <a:p>
-            <a:r>
-              <a:rPr lang="en-US" b="1" dirty="0">
-                <a:latin typeface="Calibri"/>
-                <a:cs typeface="Calibri"/>
-              </a:rPr>
-              <a:t>Step 2: </a:t>
-            </a:r>
-            <a:r>
-              <a:rPr lang="en-US" dirty="0">
-                <a:latin typeface="Calibri"/>
-                <a:cs typeface="Calibri"/>
-              </a:rPr>
-              <a:t>pull out the duplicate code into its own class, </a:t>
-            </a:r>
-            <a:r>
-              <a:rPr lang="en-US" dirty="0">
-                <a:latin typeface="Courier"/>
-                <a:cs typeface="Courier"/>
-              </a:rPr>
-              <a:t>Item</a:t>
-            </a:r>
-            <a:r>
-              <a:rPr lang="en-US" dirty="0">
-                <a:latin typeface="Calibri"/>
-                <a:cs typeface="Calibri"/>
-              </a:rPr>
-              <a:t>, using Refactor &gt; Extract Superclass</a:t>
-            </a:r>
-          </a:p>
-          <a:p>
-            <a:r>
-              <a:rPr lang="en-US" b="1" dirty="0">
-                <a:latin typeface="Calibri"/>
-                <a:cs typeface="Calibri"/>
-              </a:rPr>
-              <a:t>Step 3: </a:t>
-            </a:r>
-            <a:r>
-              <a:rPr lang="en-US" dirty="0">
-                <a:latin typeface="Calibri"/>
-                <a:cs typeface="Calibri"/>
-              </a:rPr>
-              <a:t>update CD/DVD classes to extend Item &amp; call super() in the constructors</a:t>
-            </a:r>
-          </a:p>
-        </p:txBody>
-      </p:sp>
-      <p:sp>
-        <p:nvSpPr>
-          <p:cNvPr id="32771" name="Footer Placeholder 3"/>
-          <p:cNvSpPr>
-            <a:spLocks noGrp="1"/>
-          </p:cNvSpPr>
-          <p:nvPr>
-            <p:ph type="ftr" sz="quarter" idx="10"/>
-          </p:nvPr>
-        </p:nvSpPr>
-        <p:spPr>
-          <a:noFill/>
-          <a:ln/>
-          <a:extLst>
-            <a:ext uri="{909E8E84-426E-40dd-AFC4-6F175D3DCCD1}">
-              <a14:hiddenFill xmlns:a14="http://schemas.microsoft.com/office/drawing/2010/main">
-                <a:solidFill>
-                  <a:srgbClr val="FFFFFF"/>
-                </a:solidFill>
-              </a14:hiddenFill>
-            </a:ext>
-            <a:ext uri="{91240B29-F687-4f45-9708-019B960494DF}">
-              <a14:hiddenLine xmlns:a14="http://schemas.microsoft.com/office/drawing/2010/main" w="9525">
-                <a:solidFill>
-                  <a:srgbClr val="000000"/>
-                </a:solidFill>
-                <a:miter lim="800000"/>
-                <a:headEnd/>
-                <a:tailEnd/>
-              </a14:hiddenLine>
-            </a:ext>
-          </a:extLst>
-        </p:spPr>
-        <p:txBody>
-          <a:bodyPr/>
-          <a:lstStyle>
-            <a:lvl1pPr eaLnBrk="0" hangingPunct="0">
-              <a:defRPr sz="2400">
-                <a:solidFill>
-                  <a:schemeClr val="tx1"/>
-                </a:solidFill>
-                <a:latin typeface="Arial" charset="0"/>
-                <a:ea typeface="ＭＳ Ｐゴシック" charset="0"/>
-                <a:cs typeface="ＭＳ Ｐゴシック" charset="0"/>
-              </a:defRPr>
-            </a:lvl1pPr>
-            <a:lvl2pPr marL="742950" indent="-285750" eaLnBrk="0" hangingPunct="0">
-              <a:defRPr sz="2400">
-                <a:solidFill>
-                  <a:schemeClr val="tx1"/>
-                </a:solidFill>
-                <a:latin typeface="Arial" charset="0"/>
-                <a:ea typeface="ＭＳ Ｐゴシック" charset="0"/>
-              </a:defRPr>
-            </a:lvl2pPr>
-            <a:lvl3pPr marL="1143000" indent="-228600" eaLnBrk="0" hangingPunct="0">
-              <a:defRPr sz="2400">
-                <a:solidFill>
-                  <a:schemeClr val="tx1"/>
-                </a:solidFill>
-                <a:latin typeface="Arial" charset="0"/>
-                <a:ea typeface="ＭＳ Ｐゴシック" charset="0"/>
-              </a:defRPr>
-            </a:lvl3pPr>
-            <a:lvl4pPr marL="1600200" indent="-228600" eaLnBrk="0" hangingPunct="0">
-              <a:defRPr sz="2400">
-                <a:solidFill>
-                  <a:schemeClr val="tx1"/>
-                </a:solidFill>
-                <a:latin typeface="Arial" charset="0"/>
-                <a:ea typeface="ＭＳ Ｐゴシック" charset="0"/>
-              </a:defRPr>
-            </a:lvl4pPr>
-            <a:lvl5pPr marL="2057400" indent="-228600" eaLnBrk="0" hangingPunct="0">
-              <a:defRPr sz="2400">
-                <a:solidFill>
-                  <a:schemeClr val="tx1"/>
-                </a:solidFill>
-                <a:latin typeface="Arial" charset="0"/>
-                <a:ea typeface="ＭＳ Ｐゴシック" charset="0"/>
-              </a:defRPr>
-            </a:lvl5pPr>
-            <a:lvl6pPr marL="2514600" indent="-228600" eaLnBrk="0" fontAlgn="base" hangingPunct="0">
-              <a:spcBef>
-                <a:spcPct val="0"/>
-              </a:spcBef>
-              <a:spcAft>
-                <a:spcPct val="0"/>
-              </a:spcAft>
-              <a:defRPr sz="2400">
-                <a:solidFill>
-                  <a:schemeClr val="tx1"/>
-                </a:solidFill>
-                <a:latin typeface="Arial" charset="0"/>
-                <a:ea typeface="ＭＳ Ｐゴシック" charset="0"/>
-              </a:defRPr>
-            </a:lvl6pPr>
-            <a:lvl7pPr marL="2971800" indent="-228600" eaLnBrk="0" fontAlgn="base" hangingPunct="0">
-              <a:spcBef>
-                <a:spcPct val="0"/>
-              </a:spcBef>
-              <a:spcAft>
-                <a:spcPct val="0"/>
-              </a:spcAft>
-              <a:defRPr sz="2400">
-                <a:solidFill>
-                  <a:schemeClr val="tx1"/>
-                </a:solidFill>
-                <a:latin typeface="Arial" charset="0"/>
-                <a:ea typeface="ＭＳ Ｐゴシック" charset="0"/>
-              </a:defRPr>
-            </a:lvl7pPr>
-            <a:lvl8pPr marL="3429000" indent="-228600" eaLnBrk="0" fontAlgn="base" hangingPunct="0">
-              <a:spcBef>
-                <a:spcPct val="0"/>
-              </a:spcBef>
-              <a:spcAft>
-                <a:spcPct val="0"/>
-              </a:spcAft>
-              <a:defRPr sz="2400">
-                <a:solidFill>
-                  <a:schemeClr val="tx1"/>
-                </a:solidFill>
-                <a:latin typeface="Arial" charset="0"/>
-                <a:ea typeface="ＭＳ Ｐゴシック" charset="0"/>
-              </a:defRPr>
-            </a:lvl8pPr>
-            <a:lvl9pPr marL="3886200" indent="-228600" eaLnBrk="0" fontAlgn="base" hangingPunct="0">
-              <a:spcBef>
-                <a:spcPct val="0"/>
-              </a:spcBef>
-              <a:spcAft>
-                <a:spcPct val="0"/>
-              </a:spcAft>
-              <a:defRPr sz="2400">
-                <a:solidFill>
-                  <a:schemeClr val="tx1"/>
-                </a:solidFill>
-                <a:latin typeface="Arial" charset="0"/>
-                <a:ea typeface="ＭＳ Ｐゴシック" charset="0"/>
-              </a:defRPr>
-            </a:lvl9pPr>
-          </a:lstStyle>
-          <a:p>
-            <a:pPr eaLnBrk="1" hangingPunct="1"/>
-            <a:endParaRPr lang="en-US" sz="1200">
-              <a:latin typeface="Times New Roman" charset="0"/>
-            </a:endParaRPr>
-          </a:p>
-          <a:p>
-            <a:pPr eaLnBrk="1" hangingPunct="1"/>
-            <a:endParaRPr lang="en-US" sz="1200">
-              <a:latin typeface="Times New Roman" charset="0"/>
-            </a:endParaRPr>
-          </a:p>
-        </p:txBody>
-      </p:sp>
-    </p:spTree>
-    <p:extLst>
-      <p:ext uri="{BB962C8B-B14F-4D97-AF65-F5344CB8AC3E}">
-        <p14:creationId xmlns:p14="http://schemas.microsoft.com/office/powerpoint/2010/main" val="2780999645"/>
-      </p:ext>
-    </p:extLst>
-  </p:cSld>
-  <p:clrMapOvr>
-    <a:masterClrMapping/>
-  </p:clrMapOvr>
-  <p:timing>
-    <p:tnLst>
-      <p:par>
-        <p:cTn xmlns:p14="http://schemas.microsoft.com/office/powerpoint/2010/main" id="1" dur="indefinite" restart="never" nodeType="tmRoot"/>
-      </p:par>
-    </p:tnLst>
-  </p:timing>
-</p:sld>
-</file>
-
-<file path=ppt/slides/slide8.xml><?xml version="1.0" encoding="utf-8"?>
-<p:sld xmlns:a="http://schemas.openxmlformats.org/drawingml/2006/main" xmlns:r="http://schemas.openxmlformats.org/officeDocument/2006/relationships" xmlns:p="http://schemas.openxmlformats.org/presentationml/2006/main">
-  <p:cSld>
-    <p:spTree>
-      <p:nvGrpSpPr>
-        <p:cNvPr id="1" name=""/>
-        <p:cNvGrpSpPr/>
-        <p:nvPr/>
-      </p:nvGrpSpPr>
-      <p:grpSpPr>
-        <a:xfrm>
-          <a:off x="0" y="0"/>
-          <a:ext cx="0" cy="0"/>
-          <a:chOff x="0" y="0"/>
-          <a:chExt cx="0" cy="0"/>
-        </a:xfrm>
-      </p:grpSpPr>
-      <p:sp>
-        <p:nvSpPr>
           <p:cNvPr id="33793" name="Rectangle 2"/>
           <p:cNvSpPr>
             <a:spLocks noGrp="1" noChangeArrowheads="1"/>
@@ -16406,7 +15305,7 @@
 </p:sld>
 </file>
 
-<file path=ppt/slides/slide9.xml><?xml version="1.0" encoding="utf-8"?>
+<file path=ppt/slides/slide8.xml><?xml version="1.0" encoding="utf-8"?>
 <p:sld xmlns:a="http://schemas.openxmlformats.org/drawingml/2006/main" xmlns:r="http://schemas.openxmlformats.org/officeDocument/2006/relationships" xmlns:p="http://schemas.openxmlformats.org/presentationml/2006/main">
   <p:cSld>
     <p:spTree>
@@ -16698,6 +15597,339 @@
     <p:extLst>
       <p:ext uri="{BB962C8B-B14F-4D97-AF65-F5344CB8AC3E}">
         <p14:creationId xmlns:p14="http://schemas.microsoft.com/office/powerpoint/2010/main" val="1644672348"/>
+      </p:ext>
+    </p:extLst>
+  </p:cSld>
+  <p:clrMapOvr>
+    <a:masterClrMapping/>
+  </p:clrMapOvr>
+  <p:timing>
+    <p:tnLst>
+      <p:par>
+        <p:cTn xmlns:p14="http://schemas.microsoft.com/office/powerpoint/2010/main" id="1" dur="indefinite" restart="never" nodeType="tmRoot"/>
+      </p:par>
+    </p:tnLst>
+  </p:timing>
+</p:sld>
+</file>
+
+<file path=ppt/slides/slide9.xml><?xml version="1.0" encoding="utf-8"?>
+<p:sld xmlns:a="http://schemas.openxmlformats.org/drawingml/2006/main" xmlns:r="http://schemas.openxmlformats.org/officeDocument/2006/relationships" xmlns:p="http://schemas.openxmlformats.org/presentationml/2006/main">
+  <p:cSld>
+    <p:spTree>
+      <p:nvGrpSpPr>
+        <p:cNvPr id="1" name=""/>
+        <p:cNvGrpSpPr/>
+        <p:nvPr/>
+      </p:nvGrpSpPr>
+      <p:grpSpPr>
+        <a:xfrm>
+          <a:off x="0" y="0"/>
+          <a:ext cx="0" cy="0"/>
+          <a:chOff x="0" y="0"/>
+          <a:chExt cx="0" cy="0"/>
+        </a:xfrm>
+      </p:grpSpPr>
+      <p:sp>
+        <p:nvSpPr>
+          <p:cNvPr id="35841" name="Title 1"/>
+          <p:cNvSpPr>
+            <a:spLocks noGrp="1"/>
+          </p:cNvSpPr>
+          <p:nvPr>
+            <p:ph type="title"/>
+          </p:nvPr>
+        </p:nvSpPr>
+        <p:spPr/>
+        <p:txBody>
+          <a:bodyPr/>
+          <a:lstStyle/>
+          <a:p>
+            <a:r>
+              <a:rPr lang="en-US">
+                <a:latin typeface="Calibri"/>
+                <a:cs typeface="Calibri"/>
+              </a:rPr>
+              <a:t>Example: DoMEv1</a:t>
+            </a:r>
+          </a:p>
+        </p:txBody>
+      </p:sp>
+      <p:sp>
+        <p:nvSpPr>
+          <p:cNvPr id="35842" name="Content Placeholder 2"/>
+          <p:cNvSpPr>
+            <a:spLocks noGrp="1"/>
+          </p:cNvSpPr>
+          <p:nvPr>
+            <p:ph idx="1"/>
+          </p:nvPr>
+        </p:nvSpPr>
+        <p:spPr>
+          <a:xfrm>
+            <a:off x="457200" y="1600200"/>
+            <a:ext cx="8229600" cy="4956175"/>
+          </a:xfrm>
+        </p:spPr>
+        <p:txBody>
+          <a:bodyPr>
+            <a:normAutofit fontScale="92500" lnSpcReduction="10000"/>
+          </a:bodyPr>
+          <a:lstStyle/>
+          <a:p>
+            <a:r>
+              <a:rPr lang="en-US" dirty="0">
+                <a:latin typeface="Calibri"/>
+                <a:cs typeface="Calibri"/>
+              </a:rPr>
+              <a:t>Use inheritance to remove code duplication between CD &amp; DVD (DoMEv1 → DoMEv2)</a:t>
+            </a:r>
+          </a:p>
+          <a:p>
+            <a:r>
+              <a:rPr lang="en-US" b="1" dirty="0">
+                <a:latin typeface="Calibri"/>
+                <a:cs typeface="Calibri"/>
+              </a:rPr>
+              <a:t>Step 1: </a:t>
+            </a:r>
+            <a:r>
+              <a:rPr lang="en-US" dirty="0">
+                <a:latin typeface="Calibri"/>
+                <a:cs typeface="Calibri"/>
+              </a:rPr>
+              <a:t>identify where CD/DVD overlap &amp; differ in terms of fields &amp; methods</a:t>
+            </a:r>
+          </a:p>
+          <a:p>
+            <a:r>
+              <a:rPr lang="en-US" b="1" dirty="0">
+                <a:latin typeface="Calibri"/>
+                <a:cs typeface="Calibri"/>
+              </a:rPr>
+              <a:t>Step 2: </a:t>
+            </a:r>
+            <a:r>
+              <a:rPr lang="en-US" dirty="0">
+                <a:latin typeface="Calibri"/>
+                <a:cs typeface="Calibri"/>
+              </a:rPr>
+              <a:t>pull out the duplicate code into its own class, </a:t>
+            </a:r>
+            <a:r>
+              <a:rPr lang="en-US" dirty="0">
+                <a:latin typeface="Courier"/>
+                <a:cs typeface="Courier"/>
+              </a:rPr>
+              <a:t>Item</a:t>
+            </a:r>
+            <a:r>
+              <a:rPr lang="en-US" dirty="0">
+                <a:latin typeface="Calibri"/>
+                <a:cs typeface="Calibri"/>
+              </a:rPr>
+              <a:t>, using Refactor &gt; Extract Superclass</a:t>
+            </a:r>
+          </a:p>
+          <a:p>
+            <a:r>
+              <a:rPr lang="en-US" b="1" dirty="0">
+                <a:latin typeface="Calibri"/>
+                <a:cs typeface="Calibri"/>
+              </a:rPr>
+              <a:t>Step 3: </a:t>
+            </a:r>
+            <a:r>
+              <a:rPr lang="en-US" dirty="0">
+                <a:latin typeface="Calibri"/>
+                <a:cs typeface="Calibri"/>
+              </a:rPr>
+              <a:t>update CD/DVD classes to extend Item &amp; call super() in the constructors</a:t>
+            </a:r>
+          </a:p>
+          <a:p>
+            <a:r>
+              <a:rPr lang="en-US" b="1" dirty="0">
+                <a:latin typeface="Calibri"/>
+                <a:cs typeface="Calibri"/>
+              </a:rPr>
+              <a:t>Step 4:</a:t>
+            </a:r>
+            <a:r>
+              <a:rPr lang="en-US" dirty="0">
+                <a:latin typeface="Calibri"/>
+                <a:cs typeface="Calibri"/>
+              </a:rPr>
+              <a:t> update Database class to use Item instead of keeping 2 lists</a:t>
+            </a:r>
+            <a:endParaRPr lang="en-US" b="1" dirty="0">
+              <a:latin typeface="Calibri"/>
+              <a:cs typeface="Calibri"/>
+            </a:endParaRPr>
+          </a:p>
+        </p:txBody>
+      </p:sp>
+      <p:sp>
+        <p:nvSpPr>
+          <p:cNvPr id="35843" name="Footer Placeholder 3"/>
+          <p:cNvSpPr>
+            <a:spLocks noGrp="1"/>
+          </p:cNvSpPr>
+          <p:nvPr>
+            <p:ph type="ftr" sz="quarter" idx="10"/>
+          </p:nvPr>
+        </p:nvSpPr>
+        <p:spPr>
+          <a:noFill/>
+          <a:ln/>
+          <a:extLst>
+            <a:ext uri="{909E8E84-426E-40dd-AFC4-6F175D3DCCD1}">
+              <a14:hiddenFill xmlns:a14="http://schemas.microsoft.com/office/drawing/2010/main">
+                <a:solidFill>
+                  <a:srgbClr val="FFFFFF"/>
+                </a:solidFill>
+              </a14:hiddenFill>
+            </a:ext>
+            <a:ext uri="{91240B29-F687-4f45-9708-019B960494DF}">
+              <a14:hiddenLine xmlns:a14="http://schemas.microsoft.com/office/drawing/2010/main" w="9525">
+                <a:solidFill>
+                  <a:srgbClr val="000000"/>
+                </a:solidFill>
+                <a:miter lim="800000"/>
+                <a:headEnd/>
+                <a:tailEnd/>
+              </a14:hiddenLine>
+            </a:ext>
+          </a:extLst>
+        </p:spPr>
+        <p:txBody>
+          <a:bodyPr/>
+          <a:lstStyle>
+            <a:lvl1pPr eaLnBrk="0" hangingPunct="0">
+              <a:defRPr sz="2400">
+                <a:solidFill>
+                  <a:schemeClr val="tx1"/>
+                </a:solidFill>
+                <a:latin typeface="Arial" charset="0"/>
+                <a:ea typeface="ＭＳ Ｐゴシック" charset="0"/>
+                <a:cs typeface="ＭＳ Ｐゴシック" charset="0"/>
+              </a:defRPr>
+            </a:lvl1pPr>
+            <a:lvl2pPr marL="742950" indent="-285750" eaLnBrk="0" hangingPunct="0">
+              <a:defRPr sz="2400">
+                <a:solidFill>
+                  <a:schemeClr val="tx1"/>
+                </a:solidFill>
+                <a:latin typeface="Arial" charset="0"/>
+                <a:ea typeface="ＭＳ Ｐゴシック" charset="0"/>
+              </a:defRPr>
+            </a:lvl2pPr>
+            <a:lvl3pPr marL="1143000" indent="-228600" eaLnBrk="0" hangingPunct="0">
+              <a:defRPr sz="2400">
+                <a:solidFill>
+                  <a:schemeClr val="tx1"/>
+                </a:solidFill>
+                <a:latin typeface="Arial" charset="0"/>
+                <a:ea typeface="ＭＳ Ｐゴシック" charset="0"/>
+              </a:defRPr>
+            </a:lvl3pPr>
+            <a:lvl4pPr marL="1600200" indent="-228600" eaLnBrk="0" hangingPunct="0">
+              <a:defRPr sz="2400">
+                <a:solidFill>
+                  <a:schemeClr val="tx1"/>
+                </a:solidFill>
+                <a:latin typeface="Arial" charset="0"/>
+                <a:ea typeface="ＭＳ Ｐゴシック" charset="0"/>
+              </a:defRPr>
+            </a:lvl4pPr>
+            <a:lvl5pPr marL="2057400" indent="-228600" eaLnBrk="0" hangingPunct="0">
+              <a:defRPr sz="2400">
+                <a:solidFill>
+                  <a:schemeClr val="tx1"/>
+                </a:solidFill>
+                <a:latin typeface="Arial" charset="0"/>
+                <a:ea typeface="ＭＳ Ｐゴシック" charset="0"/>
+              </a:defRPr>
+            </a:lvl5pPr>
+            <a:lvl6pPr marL="2514600" indent="-228600" eaLnBrk="0" fontAlgn="base" hangingPunct="0">
+              <a:spcBef>
+                <a:spcPct val="0"/>
+              </a:spcBef>
+              <a:spcAft>
+                <a:spcPct val="0"/>
+              </a:spcAft>
+              <a:defRPr sz="2400">
+                <a:solidFill>
+                  <a:schemeClr val="tx1"/>
+                </a:solidFill>
+                <a:latin typeface="Arial" charset="0"/>
+                <a:ea typeface="ＭＳ Ｐゴシック" charset="0"/>
+              </a:defRPr>
+            </a:lvl6pPr>
+            <a:lvl7pPr marL="2971800" indent="-228600" eaLnBrk="0" fontAlgn="base" hangingPunct="0">
+              <a:spcBef>
+                <a:spcPct val="0"/>
+              </a:spcBef>
+              <a:spcAft>
+                <a:spcPct val="0"/>
+              </a:spcAft>
+              <a:defRPr sz="2400">
+                <a:solidFill>
+                  <a:schemeClr val="tx1"/>
+                </a:solidFill>
+                <a:latin typeface="Arial" charset="0"/>
+                <a:ea typeface="ＭＳ Ｐゴシック" charset="0"/>
+              </a:defRPr>
+            </a:lvl7pPr>
+            <a:lvl8pPr marL="3429000" indent="-228600" eaLnBrk="0" fontAlgn="base" hangingPunct="0">
+              <a:spcBef>
+                <a:spcPct val="0"/>
+              </a:spcBef>
+              <a:spcAft>
+                <a:spcPct val="0"/>
+              </a:spcAft>
+              <a:defRPr sz="2400">
+                <a:solidFill>
+                  <a:schemeClr val="tx1"/>
+                </a:solidFill>
+                <a:latin typeface="Arial" charset="0"/>
+                <a:ea typeface="ＭＳ Ｐゴシック" charset="0"/>
+              </a:defRPr>
+            </a:lvl8pPr>
+            <a:lvl9pPr marL="3886200" indent="-228600" eaLnBrk="0" fontAlgn="base" hangingPunct="0">
+              <a:spcBef>
+                <a:spcPct val="0"/>
+              </a:spcBef>
+              <a:spcAft>
+                <a:spcPct val="0"/>
+              </a:spcAft>
+              <a:defRPr sz="2400">
+                <a:solidFill>
+                  <a:schemeClr val="tx1"/>
+                </a:solidFill>
+                <a:latin typeface="Arial" charset="0"/>
+                <a:ea typeface="ＭＳ Ｐゴシック" charset="0"/>
+              </a:defRPr>
+            </a:lvl9pPr>
+          </a:lstStyle>
+          <a:p>
+            <a:pPr eaLnBrk="1" hangingPunct="1"/>
+            <a:endParaRPr lang="en-US" sz="1200">
+              <a:latin typeface="Times New Roman" charset="0"/>
+            </a:endParaRPr>
+          </a:p>
+          <a:p>
+            <a:pPr eaLnBrk="1" hangingPunct="1"/>
+            <a:endParaRPr lang="en-US" sz="1200">
+              <a:latin typeface="Times New Roman" charset="0"/>
+            </a:endParaRPr>
+          </a:p>
+        </p:txBody>
+      </p:sp>
+    </p:spTree>
+    <p:extLst>
+      <p:ext uri="{BB962C8B-B14F-4D97-AF65-F5344CB8AC3E}">
+        <p14:creationId xmlns:p14="http://schemas.microsoft.com/office/powerpoint/2010/main" val="761603231"/>
       </p:ext>
     </p:extLst>
   </p:cSld>

--- a/src/morea/materials/11-DoME.pptx
+++ b/src/morea/materials/11-DoME.pptx
@@ -221,7 +221,7 @@
           <a:p>
             <a:fld id="{BB6BAE91-212C-F34F-A74B-874A8C7A7F45}" type="datetimeFigureOut">
               <a:rPr lang="en-US" smtClean="0"/>
-              <a:t>4/16/15</a:t>
+              <a:t>4/17/15</a:t>
             </a:fld>
             <a:endParaRPr lang="en-US"/>
           </a:p>
@@ -1196,7 +1196,7 @@
           <a:p>
             <a:fld id="{95D0A52A-683A-E348-B00D-319C34B8C99A}" type="datetimeFigureOut">
               <a:rPr lang="en-US" smtClean="0"/>
-              <a:t>4/16/15</a:t>
+              <a:t>4/17/15</a:t>
             </a:fld>
             <a:endParaRPr lang="en-US"/>
           </a:p>
@@ -1366,7 +1366,7 @@
           <a:p>
             <a:fld id="{95D0A52A-683A-E348-B00D-319C34B8C99A}" type="datetimeFigureOut">
               <a:rPr lang="en-US" smtClean="0"/>
-              <a:t>4/16/15</a:t>
+              <a:t>4/17/15</a:t>
             </a:fld>
             <a:endParaRPr lang="en-US"/>
           </a:p>
@@ -1546,7 +1546,7 @@
           <a:p>
             <a:fld id="{95D0A52A-683A-E348-B00D-319C34B8C99A}" type="datetimeFigureOut">
               <a:rPr lang="en-US" smtClean="0"/>
-              <a:t>4/16/15</a:t>
+              <a:t>4/17/15</a:t>
             </a:fld>
             <a:endParaRPr lang="en-US"/>
           </a:p>
@@ -1716,7 +1716,7 @@
           <a:p>
             <a:fld id="{95D0A52A-683A-E348-B00D-319C34B8C99A}" type="datetimeFigureOut">
               <a:rPr lang="en-US" smtClean="0"/>
-              <a:t>4/16/15</a:t>
+              <a:t>4/17/15</a:t>
             </a:fld>
             <a:endParaRPr lang="en-US"/>
           </a:p>
@@ -1962,7 +1962,7 @@
           <a:p>
             <a:fld id="{95D0A52A-683A-E348-B00D-319C34B8C99A}" type="datetimeFigureOut">
               <a:rPr lang="en-US" smtClean="0"/>
-              <a:t>4/16/15</a:t>
+              <a:t>4/17/15</a:t>
             </a:fld>
             <a:endParaRPr lang="en-US"/>
           </a:p>
@@ -2250,7 +2250,7 @@
           <a:p>
             <a:fld id="{95D0A52A-683A-E348-B00D-319C34B8C99A}" type="datetimeFigureOut">
               <a:rPr lang="en-US" smtClean="0"/>
-              <a:t>4/16/15</a:t>
+              <a:t>4/17/15</a:t>
             </a:fld>
             <a:endParaRPr lang="en-US"/>
           </a:p>
@@ -2672,7 +2672,7 @@
           <a:p>
             <a:fld id="{95D0A52A-683A-E348-B00D-319C34B8C99A}" type="datetimeFigureOut">
               <a:rPr lang="en-US" smtClean="0"/>
-              <a:t>4/16/15</a:t>
+              <a:t>4/17/15</a:t>
             </a:fld>
             <a:endParaRPr lang="en-US"/>
           </a:p>
@@ -2790,7 +2790,7 @@
           <a:p>
             <a:fld id="{95D0A52A-683A-E348-B00D-319C34B8C99A}" type="datetimeFigureOut">
               <a:rPr lang="en-US" smtClean="0"/>
-              <a:t>4/16/15</a:t>
+              <a:t>4/17/15</a:t>
             </a:fld>
             <a:endParaRPr lang="en-US"/>
           </a:p>
@@ -2885,7 +2885,7 @@
           <a:p>
             <a:fld id="{95D0A52A-683A-E348-B00D-319C34B8C99A}" type="datetimeFigureOut">
               <a:rPr lang="en-US" smtClean="0"/>
-              <a:t>4/16/15</a:t>
+              <a:t>4/17/15</a:t>
             </a:fld>
             <a:endParaRPr lang="en-US"/>
           </a:p>
@@ -3162,7 +3162,7 @@
           <a:p>
             <a:fld id="{95D0A52A-683A-E348-B00D-319C34B8C99A}" type="datetimeFigureOut">
               <a:rPr lang="en-US" smtClean="0"/>
-              <a:t>4/16/15</a:t>
+              <a:t>4/17/15</a:t>
             </a:fld>
             <a:endParaRPr lang="en-US"/>
           </a:p>
@@ -3415,7 +3415,7 @@
           <a:p>
             <a:fld id="{95D0A52A-683A-E348-B00D-319C34B8C99A}" type="datetimeFigureOut">
               <a:rPr lang="en-US" smtClean="0"/>
-              <a:t>4/16/15</a:t>
+              <a:t>4/17/15</a:t>
             </a:fld>
             <a:endParaRPr lang="en-US"/>
           </a:p>
@@ -3628,7 +3628,7 @@
           <a:p>
             <a:fld id="{95D0A52A-683A-E348-B00D-319C34B8C99A}" type="datetimeFigureOut">
               <a:rPr lang="en-US" smtClean="0"/>
-              <a:t>4/16/15</a:t>
+              <a:t>4/17/15</a:t>
             </a:fld>
             <a:endParaRPr lang="en-US"/>
           </a:p>
@@ -7815,11 +7815,11 @@
   <p:clrMapOvr>
     <a:masterClrMapping/>
   </p:clrMapOvr>
-  <mc:AlternateContent xmlns:mc="http://schemas.openxmlformats.org/markup-compatibility/2006">
-    <mc:Choice xmlns:p14="http://schemas.microsoft.com/office/powerpoint/2010/main" Requires="p14">
+  <mc:AlternateContent xmlns:mc="http://schemas.openxmlformats.org/markup-compatibility/2006" xmlns:p14="http://schemas.microsoft.com/office/powerpoint/2010/main">
+    <mc:Choice Requires="p14">
       <p:transition p14:dur="0"/>
     </mc:Choice>
-    <mc:Fallback>
+    <mc:Fallback xmlns="">
       <p:transition xmlns:p14="http://schemas.microsoft.com/office/powerpoint/2010/main"/>
     </mc:Fallback>
   </mc:AlternateContent>
@@ -8325,18 +8325,7 @@
                 <a:ea typeface="Arial" charset="0"/>
                 <a:cs typeface="Calibri"/>
               </a:rPr>
-              <a:t>variable</a:t>
-            </a:r>
-            <a:r>
-              <a:rPr lang="en-US" dirty="0" smtClean="0">
-                <a:solidFill>
-                  <a:schemeClr val="tx1"/>
-                </a:solidFill>
-                <a:latin typeface="Calibri"/>
-                <a:ea typeface="Arial" charset="0"/>
-                <a:cs typeface="Calibri"/>
-              </a:rPr>
-              <a:t>’</a:t>
+              <a:t>variable’</a:t>
             </a:r>
             <a:r>
               <a:rPr lang="en-US" altLang="ja-JP" dirty="0" smtClean="0">
@@ -12039,14 +12028,7 @@
                 <a:latin typeface="Calibri"/>
                 <a:cs typeface="Calibri"/>
               </a:rPr>
-              <a:t>don</a:t>
-            </a:r>
-            <a:r>
-              <a:rPr lang="en-US" dirty="0" smtClean="0">
-                <a:latin typeface="Calibri"/>
-                <a:cs typeface="Calibri"/>
-              </a:rPr>
-              <a:t>’</a:t>
+              <a:t>don’</a:t>
             </a:r>
             <a:r>
               <a:rPr lang="en-US" altLang="ja-JP" dirty="0" smtClean="0">
